--- a/fuentes/contenidos/grado06/guion03/MA_06_03_CO_Mapa conceptual.pptx
+++ b/fuentes/contenidos/grado06/guion03/MA_06_03_CO_Mapa conceptual.pptx
@@ -108,17 +108,8 @@
     </a:lvl9pPr>
   </p:defaultTextStyle>
   <p:extLst>
-    <p:ext uri="{521415D9-36F7-43E2-AB2F-B90AF26B5E84}">
-      <p14:sectionLst xmlns:p14="http://schemas.microsoft.com/office/powerpoint/2010/main">
-        <p14:section name="Untitled Section" id="{34BC2E70-7FE9-7F44-A2F2-6D74D70D87EF}">
-          <p14:sldIdLst>
-            <p14:sldId id="256"/>
-          </p14:sldIdLst>
-        </p14:section>
-      </p14:sectionLst>
-    </p:ext>
     <p:ext uri="{EFAFB233-063F-42B5-8137-9DF3F51BA10A}">
-      <p15:sldGuideLst xmlns="" xmlns:p15="http://schemas.microsoft.com/office/powerpoint/2012/main"/>
+      <p15:sldGuideLst xmlns:p15="http://schemas.microsoft.com/office/powerpoint/2012/main"/>
     </p:ext>
   </p:extLst>
 </p:presentation>
@@ -148,7 +139,7 @@
       </p:grpSpPr>
       <p:sp>
         <p:nvSpPr>
-          <p:cNvPr id="2" name="Header Placeholder 1"/>
+          <p:cNvPr id="2" name="Marcador de encabezado 1"/>
           <p:cNvSpPr>
             <a:spLocks noGrp="1"/>
           </p:cNvSpPr>
@@ -159,7 +150,7 @@
         <p:spPr>
           <a:xfrm>
             <a:off x="0" y="0"/>
-            <a:ext cx="2944813" cy="495300"/>
+            <a:ext cx="2944813" cy="496888"/>
           </a:xfrm>
           <a:prstGeom prst="rect">
             <a:avLst/>
@@ -173,13 +164,13 @@
             </a:lvl1pPr>
           </a:lstStyle>
           <a:p>
-            <a:endParaRPr lang="en-US"/>
+            <a:endParaRPr lang="es-CO"/>
           </a:p>
         </p:txBody>
       </p:sp>
       <p:sp>
         <p:nvSpPr>
-          <p:cNvPr id="3" name="Date Placeholder 2"/>
+          <p:cNvPr id="3" name="Marcador de fecha 2"/>
           <p:cNvSpPr>
             <a:spLocks noGrp="1"/>
           </p:cNvSpPr>
@@ -190,7 +181,7 @@
         <p:spPr>
           <a:xfrm>
             <a:off x="3848100" y="0"/>
-            <a:ext cx="2944813" cy="495300"/>
+            <a:ext cx="2944813" cy="496888"/>
           </a:xfrm>
           <a:prstGeom prst="rect">
             <a:avLst/>
@@ -204,17 +195,17 @@
             </a:lvl1pPr>
           </a:lstStyle>
           <a:p>
-            <a:fld id="{07617132-C562-8F45-9AEB-9F6618DA3171}" type="datetimeFigureOut">
-              <a:rPr lang="en-US" smtClean="0"/>
-              <a:t>3/08/15</a:t>
+            <a:fld id="{20AB9387-143E-47DA-B93D-57DFE0F8E0AF}" type="datetimeFigureOut">
+              <a:rPr lang="es-CO" smtClean="0"/>
+              <a:t>21/10/2015</a:t>
             </a:fld>
-            <a:endParaRPr lang="en-US"/>
+            <a:endParaRPr lang="es-CO"/>
           </a:p>
         </p:txBody>
       </p:sp>
       <p:sp>
         <p:nvSpPr>
-          <p:cNvPr id="4" name="Slide Image Placeholder 3"/>
+          <p:cNvPr id="4" name="Marcador de imagen de diapositiva 3"/>
           <p:cNvSpPr>
             <a:spLocks noGrp="1" noRot="1" noChangeAspect="1"/>
           </p:cNvSpPr>
@@ -224,8 +215,8 @@
         </p:nvSpPr>
         <p:spPr>
           <a:xfrm>
-            <a:off x="917575" y="744538"/>
-            <a:ext cx="4959350" cy="3719512"/>
+            <a:off x="1165225" y="1239838"/>
+            <a:ext cx="4464050" cy="3348037"/>
           </a:xfrm>
           <a:prstGeom prst="rect">
             <a:avLst/>
@@ -241,13 +232,13 @@
           <a:bodyPr vert="horz" lIns="91440" tIns="45720" rIns="91440" bIns="45720" rtlCol="0" anchor="ctr"/>
           <a:lstStyle/>
           <a:p>
-            <a:endParaRPr lang="en-US"/>
+            <a:endParaRPr lang="es-CO"/>
           </a:p>
         </p:txBody>
       </p:sp>
       <p:sp>
         <p:nvSpPr>
-          <p:cNvPr id="5" name="Notes Placeholder 4"/>
+          <p:cNvPr id="5" name="Marcador de notas 4"/>
           <p:cNvSpPr>
             <a:spLocks noGrp="1"/>
           </p:cNvSpPr>
@@ -257,8 +248,8 @@
         </p:nvSpPr>
         <p:spPr>
           <a:xfrm>
-            <a:off x="679450" y="4711700"/>
-            <a:ext cx="5435600" cy="4462463"/>
+            <a:off x="679450" y="4773613"/>
+            <a:ext cx="5435600" cy="3905250"/>
           </a:xfrm>
           <a:prstGeom prst="rect">
             <a:avLst/>
@@ -270,44 +261,44 @@
           <a:p>
             <a:pPr lvl="0"/>
             <a:r>
-              <a:rPr lang="es-ES_tradnl" smtClean="0"/>
-              <a:t>Click to edit Master text styles</a:t>
+              <a:rPr lang="es-ES" smtClean="0"/>
+              <a:t>Haga clic para modificar el estilo de texto del patrón</a:t>
             </a:r>
           </a:p>
           <a:p>
             <a:pPr lvl="1"/>
             <a:r>
-              <a:rPr lang="es-ES_tradnl" smtClean="0"/>
-              <a:t>Second level</a:t>
+              <a:rPr lang="es-ES" smtClean="0"/>
+              <a:t>Segundo nivel</a:t>
             </a:r>
           </a:p>
           <a:p>
             <a:pPr lvl="2"/>
             <a:r>
-              <a:rPr lang="es-ES_tradnl" smtClean="0"/>
-              <a:t>Third level</a:t>
+              <a:rPr lang="es-ES" smtClean="0"/>
+              <a:t>Tercer nivel</a:t>
             </a:r>
           </a:p>
           <a:p>
             <a:pPr lvl="3"/>
             <a:r>
-              <a:rPr lang="es-ES_tradnl" smtClean="0"/>
-              <a:t>Fourth level</a:t>
+              <a:rPr lang="es-ES" smtClean="0"/>
+              <a:t>Cuarto nivel</a:t>
             </a:r>
           </a:p>
           <a:p>
             <a:pPr lvl="4"/>
             <a:r>
-              <a:rPr lang="es-ES_tradnl" smtClean="0"/>
-              <a:t>Fifth level</a:t>
+              <a:rPr lang="es-ES" smtClean="0"/>
+              <a:t>Quinto nivel</a:t>
             </a:r>
-            <a:endParaRPr lang="en-US"/>
+            <a:endParaRPr lang="es-CO"/>
           </a:p>
         </p:txBody>
       </p:sp>
       <p:sp>
         <p:nvSpPr>
-          <p:cNvPr id="6" name="Footer Placeholder 5"/>
+          <p:cNvPr id="6" name="Marcador de pie de página 5"/>
           <p:cNvSpPr>
             <a:spLocks noGrp="1"/>
           </p:cNvSpPr>
@@ -318,7 +309,7 @@
         <p:spPr>
           <a:xfrm>
             <a:off x="0" y="9421813"/>
-            <a:ext cx="2944813" cy="495300"/>
+            <a:ext cx="2944813" cy="496887"/>
           </a:xfrm>
           <a:prstGeom prst="rect">
             <a:avLst/>
@@ -332,13 +323,13 @@
             </a:lvl1pPr>
           </a:lstStyle>
           <a:p>
-            <a:endParaRPr lang="en-US"/>
+            <a:endParaRPr lang="es-CO"/>
           </a:p>
         </p:txBody>
       </p:sp>
       <p:sp>
         <p:nvSpPr>
-          <p:cNvPr id="7" name="Slide Number Placeholder 6"/>
+          <p:cNvPr id="7" name="Marcador de número de diapositiva 6"/>
           <p:cNvSpPr>
             <a:spLocks noGrp="1"/>
           </p:cNvSpPr>
@@ -349,7 +340,7 @@
         <p:spPr>
           <a:xfrm>
             <a:off x="3848100" y="9421813"/>
-            <a:ext cx="2944813" cy="495300"/>
+            <a:ext cx="2944813" cy="496887"/>
           </a:xfrm>
           <a:prstGeom prst="rect">
             <a:avLst/>
@@ -363,24 +354,24 @@
             </a:lvl1pPr>
           </a:lstStyle>
           <a:p>
-            <a:fld id="{8AE473D2-FC4B-8A46-BB21-0EEF0A8DB456}" type="slidenum">
-              <a:rPr lang="en-US" smtClean="0"/>
-              <a:t>‹#›</a:t>
+            <a:fld id="{EC3DF66C-D3BC-49BB-93DB-EAE7F04B7A4F}" type="slidenum">
+              <a:rPr lang="es-CO" smtClean="0"/>
+              <a:t>‹Nº›</a:t>
             </a:fld>
-            <a:endParaRPr lang="en-US"/>
+            <a:endParaRPr lang="es-CO"/>
           </a:p>
         </p:txBody>
       </p:sp>
     </p:spTree>
     <p:extLst>
       <p:ext uri="{BB962C8B-B14F-4D97-AF65-F5344CB8AC3E}">
-        <p14:creationId xmlns:p14="http://schemas.microsoft.com/office/powerpoint/2010/main" val="3482682279"/>
+        <p14:creationId xmlns:p14="http://schemas.microsoft.com/office/powerpoint/2010/main" val="1042832159"/>
       </p:ext>
     </p:extLst>
   </p:cSld>
   <p:clrMap bg1="lt1" tx1="dk1" bg2="lt2" tx2="dk2" accent1="accent1" accent2="accent2" accent3="accent3" accent4="accent4" accent5="accent5" accent6="accent6" hlink="hlink" folHlink="folHlink"/>
   <p:notesStyle>
-    <a:lvl1pPr marL="0" algn="l" defTabSz="457200" rtl="0" eaLnBrk="1" latinLnBrk="0" hangingPunct="1">
+    <a:lvl1pPr marL="0" algn="l" defTabSz="914400" rtl="0" eaLnBrk="1" latinLnBrk="0" hangingPunct="1">
       <a:defRPr sz="1200" kern="1200">
         <a:solidFill>
           <a:schemeClr val="tx1"/>
@@ -390,7 +381,7 @@
         <a:cs typeface="+mn-cs"/>
       </a:defRPr>
     </a:lvl1pPr>
-    <a:lvl2pPr marL="457200" algn="l" defTabSz="457200" rtl="0" eaLnBrk="1" latinLnBrk="0" hangingPunct="1">
+    <a:lvl2pPr marL="457200" algn="l" defTabSz="914400" rtl="0" eaLnBrk="1" latinLnBrk="0" hangingPunct="1">
       <a:defRPr sz="1200" kern="1200">
         <a:solidFill>
           <a:schemeClr val="tx1"/>
@@ -400,7 +391,7 @@
         <a:cs typeface="+mn-cs"/>
       </a:defRPr>
     </a:lvl2pPr>
-    <a:lvl3pPr marL="914400" algn="l" defTabSz="457200" rtl="0" eaLnBrk="1" latinLnBrk="0" hangingPunct="1">
+    <a:lvl3pPr marL="914400" algn="l" defTabSz="914400" rtl="0" eaLnBrk="1" latinLnBrk="0" hangingPunct="1">
       <a:defRPr sz="1200" kern="1200">
         <a:solidFill>
           <a:schemeClr val="tx1"/>
@@ -410,7 +401,7 @@
         <a:cs typeface="+mn-cs"/>
       </a:defRPr>
     </a:lvl3pPr>
-    <a:lvl4pPr marL="1371600" algn="l" defTabSz="457200" rtl="0" eaLnBrk="1" latinLnBrk="0" hangingPunct="1">
+    <a:lvl4pPr marL="1371600" algn="l" defTabSz="914400" rtl="0" eaLnBrk="1" latinLnBrk="0" hangingPunct="1">
       <a:defRPr sz="1200" kern="1200">
         <a:solidFill>
           <a:schemeClr val="tx1"/>
@@ -420,7 +411,7 @@
         <a:cs typeface="+mn-cs"/>
       </a:defRPr>
     </a:lvl4pPr>
-    <a:lvl5pPr marL="1828800" algn="l" defTabSz="457200" rtl="0" eaLnBrk="1" latinLnBrk="0" hangingPunct="1">
+    <a:lvl5pPr marL="1828800" algn="l" defTabSz="914400" rtl="0" eaLnBrk="1" latinLnBrk="0" hangingPunct="1">
       <a:defRPr sz="1200" kern="1200">
         <a:solidFill>
           <a:schemeClr val="tx1"/>
@@ -430,7 +421,7 @@
         <a:cs typeface="+mn-cs"/>
       </a:defRPr>
     </a:lvl5pPr>
-    <a:lvl6pPr marL="2286000" algn="l" defTabSz="457200" rtl="0" eaLnBrk="1" latinLnBrk="0" hangingPunct="1">
+    <a:lvl6pPr marL="2286000" algn="l" defTabSz="914400" rtl="0" eaLnBrk="1" latinLnBrk="0" hangingPunct="1">
       <a:defRPr sz="1200" kern="1200">
         <a:solidFill>
           <a:schemeClr val="tx1"/>
@@ -440,7 +431,7 @@
         <a:cs typeface="+mn-cs"/>
       </a:defRPr>
     </a:lvl6pPr>
-    <a:lvl7pPr marL="2743200" algn="l" defTabSz="457200" rtl="0" eaLnBrk="1" latinLnBrk="0" hangingPunct="1">
+    <a:lvl7pPr marL="2743200" algn="l" defTabSz="914400" rtl="0" eaLnBrk="1" latinLnBrk="0" hangingPunct="1">
       <a:defRPr sz="1200" kern="1200">
         <a:solidFill>
           <a:schemeClr val="tx1"/>
@@ -450,7 +441,7 @@
         <a:cs typeface="+mn-cs"/>
       </a:defRPr>
     </a:lvl7pPr>
-    <a:lvl8pPr marL="3200400" algn="l" defTabSz="457200" rtl="0" eaLnBrk="1" latinLnBrk="0" hangingPunct="1">
+    <a:lvl8pPr marL="3200400" algn="l" defTabSz="914400" rtl="0" eaLnBrk="1" latinLnBrk="0" hangingPunct="1">
       <a:defRPr sz="1200" kern="1200">
         <a:solidFill>
           <a:schemeClr val="tx1"/>
@@ -460,7 +451,7 @@
         <a:cs typeface="+mn-cs"/>
       </a:defRPr>
     </a:lvl8pPr>
-    <a:lvl9pPr marL="3657600" algn="l" defTabSz="457200" rtl="0" eaLnBrk="1" latinLnBrk="0" hangingPunct="1">
+    <a:lvl9pPr marL="3657600" algn="l" defTabSz="914400" rtl="0" eaLnBrk="1" latinLnBrk="0" hangingPunct="1">
       <a:defRPr sz="1200" kern="1200">
         <a:solidFill>
           <a:schemeClr val="tx1"/>
@@ -472,6 +463,90 @@
     </a:lvl9pPr>
   </p:notesStyle>
 </p:notesMaster>
+</file>
+
+<file path=ppt/notesSlides/notesSlide1.xml><?xml version="1.0" encoding="utf-8"?>
+<p:notes xmlns:a="http://schemas.openxmlformats.org/drawingml/2006/main" xmlns:r="http://schemas.openxmlformats.org/officeDocument/2006/relationships" xmlns:p="http://schemas.openxmlformats.org/presentationml/2006/main">
+  <p:cSld>
+    <p:spTree>
+      <p:nvGrpSpPr>
+        <p:cNvPr id="1" name=""/>
+        <p:cNvGrpSpPr/>
+        <p:nvPr/>
+      </p:nvGrpSpPr>
+      <p:grpSpPr>
+        <a:xfrm>
+          <a:off x="0" y="0"/>
+          <a:ext cx="0" cy="0"/>
+          <a:chOff x="0" y="0"/>
+          <a:chExt cx="0" cy="0"/>
+        </a:xfrm>
+      </p:grpSpPr>
+      <p:sp>
+        <p:nvSpPr>
+          <p:cNvPr id="2" name="Marcador de imagen de diapositiva 1"/>
+          <p:cNvSpPr>
+            <a:spLocks noGrp="1" noRot="1" noChangeAspect="1"/>
+          </p:cNvSpPr>
+          <p:nvPr>
+            <p:ph type="sldImg"/>
+          </p:nvPr>
+        </p:nvSpPr>
+        <p:spPr/>
+      </p:sp>
+      <p:sp>
+        <p:nvSpPr>
+          <p:cNvPr id="3" name="Marcador de notas 2"/>
+          <p:cNvSpPr>
+            <a:spLocks noGrp="1"/>
+          </p:cNvSpPr>
+          <p:nvPr>
+            <p:ph type="body" idx="1"/>
+          </p:nvPr>
+        </p:nvSpPr>
+        <p:spPr/>
+        <p:txBody>
+          <a:bodyPr/>
+          <a:lstStyle/>
+          <a:p>
+            <a:endParaRPr lang="es-CO" dirty="0"/>
+          </a:p>
+        </p:txBody>
+      </p:sp>
+      <p:sp>
+        <p:nvSpPr>
+          <p:cNvPr id="4" name="Marcador de número de diapositiva 3"/>
+          <p:cNvSpPr>
+            <a:spLocks noGrp="1"/>
+          </p:cNvSpPr>
+          <p:nvPr>
+            <p:ph type="sldNum" sz="quarter" idx="10"/>
+          </p:nvPr>
+        </p:nvSpPr>
+        <p:spPr/>
+        <p:txBody>
+          <a:bodyPr/>
+          <a:lstStyle/>
+          <a:p>
+            <a:fld id="{EC3DF66C-D3BC-49BB-93DB-EAE7F04B7A4F}" type="slidenum">
+              <a:rPr lang="es-CO" smtClean="0"/>
+              <a:t>1</a:t>
+            </a:fld>
+            <a:endParaRPr lang="es-CO"/>
+          </a:p>
+        </p:txBody>
+      </p:sp>
+    </p:spTree>
+    <p:extLst>
+      <p:ext uri="{BB962C8B-B14F-4D97-AF65-F5344CB8AC3E}">
+        <p14:creationId xmlns:p14="http://schemas.microsoft.com/office/powerpoint/2010/main" val="2089259785"/>
+      </p:ext>
+    </p:extLst>
+  </p:cSld>
+  <p:clrMapOvr>
+    <a:masterClrMapping/>
+  </p:clrMapOvr>
+</p:notes>
 </file>
 
 <file path=ppt/slideLayouts/slideLayout1.xml><?xml version="1.0" encoding="utf-8"?>
@@ -504,7 +579,7 @@
   <p:timing>
     <p:tnLst>
       <p:par>
-        <p:cTn xmlns:p14="http://schemas.microsoft.com/office/powerpoint/2010/main" id="1" dur="indefinite" restart="never" nodeType="tmRoot"/>
+        <p:cTn id="1" dur="indefinite" restart="never" nodeType="tmRoot"/>
       </p:par>
     </p:tnLst>
   </p:timing>
@@ -541,7 +616,7 @@
   <p:timing>
     <p:tnLst>
       <p:par>
-        <p:cTn xmlns:p14="http://schemas.microsoft.com/office/powerpoint/2010/main" id="1" dur="indefinite" restart="never" nodeType="tmRoot"/>
+        <p:cTn id="1" dur="indefinite" restart="never" nodeType="tmRoot"/>
       </p:par>
     </p:tnLst>
   </p:timing>
@@ -578,7 +653,7 @@
   <p:timing>
     <p:tnLst>
       <p:par>
-        <p:cTn xmlns:p14="http://schemas.microsoft.com/office/powerpoint/2010/main" id="1" dur="indefinite" restart="never" nodeType="tmRoot"/>
+        <p:cTn id="1" dur="indefinite" restart="never" nodeType="tmRoot"/>
       </p:par>
     </p:tnLst>
   </p:timing>
@@ -615,7 +690,7 @@
   <p:timing>
     <p:tnLst>
       <p:par>
-        <p:cTn xmlns:p14="http://schemas.microsoft.com/office/powerpoint/2010/main" id="1" dur="indefinite" restart="never" nodeType="tmRoot"/>
+        <p:cTn id="1" dur="indefinite" restart="never" nodeType="tmRoot"/>
       </p:par>
     </p:tnLst>
   </p:timing>
@@ -652,7 +727,7 @@
   <p:timing>
     <p:tnLst>
       <p:par>
-        <p:cTn xmlns:p14="http://schemas.microsoft.com/office/powerpoint/2010/main" id="1" dur="indefinite" restart="never" nodeType="tmRoot"/>
+        <p:cTn id="1" dur="indefinite" restart="never" nodeType="tmRoot"/>
       </p:par>
     </p:tnLst>
   </p:timing>
@@ -689,7 +764,7 @@
   <p:timing>
     <p:tnLst>
       <p:par>
-        <p:cTn xmlns:p14="http://schemas.microsoft.com/office/powerpoint/2010/main" id="1" dur="indefinite" restart="never" nodeType="tmRoot"/>
+        <p:cTn id="1" dur="indefinite" restart="never" nodeType="tmRoot"/>
       </p:par>
     </p:tnLst>
   </p:timing>
@@ -726,7 +801,7 @@
   <p:timing>
     <p:tnLst>
       <p:par>
-        <p:cTn xmlns:p14="http://schemas.microsoft.com/office/powerpoint/2010/main" id="1" dur="indefinite" restart="never" nodeType="tmRoot"/>
+        <p:cTn id="1" dur="indefinite" restart="never" nodeType="tmRoot"/>
       </p:par>
     </p:tnLst>
   </p:timing>
@@ -763,7 +838,7 @@
   <p:timing>
     <p:tnLst>
       <p:par>
-        <p:cTn xmlns:p14="http://schemas.microsoft.com/office/powerpoint/2010/main" id="1" dur="indefinite" restart="never" nodeType="tmRoot"/>
+        <p:cTn id="1" dur="indefinite" restart="never" nodeType="tmRoot"/>
       </p:par>
     </p:tnLst>
   </p:timing>
@@ -812,7 +887,7 @@
           <a:p>
             <a:fld id="{5001C876-01F7-4317-94B9-1AE222133113}" type="datetimeFigureOut">
               <a:rPr lang="es-ES" smtClean="0"/>
-              <a:t>3/08/15</a:t>
+              <a:t>21/10/2015</a:t>
             </a:fld>
             <a:endParaRPr lang="es-ES"/>
           </a:p>
@@ -870,7 +945,7 @@
           <a:p>
             <a:fld id="{58140F73-F5A2-4B82-A2FA-BF1850CF1309}" type="slidenum">
               <a:rPr lang="es-ES" smtClean="0"/>
-              <a:t>‹#›</a:t>
+              <a:t>‹Nº›</a:t>
             </a:fld>
             <a:endParaRPr lang="es-ES"/>
           </a:p>
@@ -889,7 +964,7 @@
   <p:timing>
     <p:tnLst>
       <p:par>
-        <p:cTn xmlns:p14="http://schemas.microsoft.com/office/powerpoint/2010/main" id="1" dur="indefinite" restart="never" nodeType="tmRoot"/>
+        <p:cTn id="1" dur="indefinite" restart="never" nodeType="tmRoot"/>
       </p:par>
     </p:tnLst>
   </p:timing>
@@ -926,7 +1001,7 @@
   <p:timing>
     <p:tnLst>
       <p:par>
-        <p:cTn xmlns:p14="http://schemas.microsoft.com/office/powerpoint/2010/main" id="1" dur="indefinite" restart="never" nodeType="tmRoot"/>
+        <p:cTn id="1" dur="indefinite" restart="never" nodeType="tmRoot"/>
       </p:par>
     </p:tnLst>
   </p:timing>
@@ -963,7 +1038,7 @@
   <p:timing>
     <p:tnLst>
       <p:par>
-        <p:cTn xmlns:p14="http://schemas.microsoft.com/office/powerpoint/2010/main" id="1" dur="indefinite" restart="never" nodeType="tmRoot"/>
+        <p:cTn id="1" dur="indefinite" restart="never" nodeType="tmRoot"/>
       </p:par>
     </p:tnLst>
   </p:timing>
@@ -1000,8 +1075,8 @@
         </p:nvSpPr>
         <p:spPr>
           <a:xfrm rot="16200000">
-            <a:off x="-1144305" y="1666821"/>
-            <a:ext cx="2852256" cy="276999"/>
+            <a:off x="-1278861" y="1710405"/>
+            <a:ext cx="3121368" cy="276999"/>
           </a:xfrm>
           <a:prstGeom prst="rect">
             <a:avLst/>
@@ -1014,11 +1089,18 @@
           </a:bodyPr>
           <a:lstStyle/>
           <a:p>
+            <a:pPr algn="ctr"/>
             <a:r>
-              <a:rPr lang="es-ES" sz="1200" dirty="0" smtClean="0"/>
+              <a:rPr lang="es-ES" sz="1200" dirty="0" smtClean="0">
+                <a:latin typeface="Arial" panose="020B0604020202020204" pitchFamily="34" charset="0"/>
+                <a:cs typeface="Arial" panose="020B0604020202020204" pitchFamily="34" charset="0"/>
+              </a:rPr>
               <a:t>© Editorial Planeta Colombiana S.A., 2015.</a:t>
             </a:r>
-            <a:endParaRPr lang="es-ES" sz="1200" dirty="0"/>
+            <a:endParaRPr lang="es-ES" sz="1200" dirty="0">
+              <a:latin typeface="Arial" panose="020B0604020202020204" pitchFamily="34" charset="0"/>
+              <a:cs typeface="Arial" panose="020B0604020202020204" pitchFamily="34" charset="0"/>
+            </a:endParaRPr>
           </a:p>
         </p:txBody>
       </p:sp>
@@ -1076,7 +1158,7 @@
   <p:timing>
     <p:tnLst>
       <p:par>
-        <p:cTn xmlns:p14="http://schemas.microsoft.com/office/powerpoint/2010/main" id="1" dur="indefinite" restart="never" nodeType="tmRoot"/>
+        <p:cTn id="1" dur="indefinite" restart="never" nodeType="tmRoot"/>
       </p:par>
     </p:tnLst>
   </p:timing>
@@ -1388,7 +1470,7 @@
         </p:nvSpPr>
         <p:spPr>
           <a:xfrm>
-            <a:off x="1911731" y="78445"/>
+            <a:off x="2091285" y="121407"/>
             <a:ext cx="5679731" cy="352691"/>
           </a:xfrm>
           <a:prstGeom prst="rect">
@@ -1423,14 +1505,23 @@
           <a:p>
             <a:pPr algn="ctr"/>
             <a:r>
-              <a:rPr lang="es-ES" sz="1600" dirty="0" smtClean="0"/>
-              <a:t>Las operaciones con n</a:t>
+              <a:rPr lang="es-ES" sz="1600" dirty="0">
+                <a:latin typeface="Arial" panose="020B0604020202020204" pitchFamily="34" charset="0"/>
+                <a:cs typeface="Arial" panose="020B0604020202020204" pitchFamily="34" charset="0"/>
+              </a:rPr>
+              <a:t>L</a:t>
             </a:r>
             <a:r>
-              <a:rPr lang="es-ES" sz="1600" dirty="0" smtClean="0"/>
-              <a:t>úmeros naturales</a:t>
+              <a:rPr lang="es-ES" sz="1600" dirty="0" smtClean="0">
+                <a:latin typeface="Arial" panose="020B0604020202020204" pitchFamily="34" charset="0"/>
+                <a:cs typeface="Arial" panose="020B0604020202020204" pitchFamily="34" charset="0"/>
+              </a:rPr>
+              <a:t>as operaciones con números naturales</a:t>
             </a:r>
-            <a:endParaRPr lang="es-ES" sz="1600" dirty="0"/>
+            <a:endParaRPr lang="es-ES" sz="1600" dirty="0">
+              <a:latin typeface="Arial" panose="020B0604020202020204" pitchFamily="34" charset="0"/>
+              <a:cs typeface="Arial" panose="020B0604020202020204" pitchFamily="34" charset="0"/>
+            </a:endParaRPr>
           </a:p>
         </p:txBody>
       </p:sp>
@@ -1442,7 +1533,7 @@
         </p:nvSpPr>
         <p:spPr>
           <a:xfrm>
-            <a:off x="559777" y="1086609"/>
+            <a:off x="576004" y="1146658"/>
             <a:ext cx="1124746" cy="439782"/>
           </a:xfrm>
           <a:prstGeom prst="rect">
@@ -1484,29 +1575,33 @@
           <a:p>
             <a:pPr algn="ctr"/>
             <a:r>
-              <a:rPr lang="es-ES" sz="1200" b="1" dirty="0" smtClean="0"/>
-              <a:t>Adici</a:t>
+              <a:rPr lang="es-ES" sz="1200" b="1" dirty="0" smtClean="0">
+                <a:latin typeface="Arial" panose="020B0604020202020204" pitchFamily="34" charset="0"/>
+                <a:cs typeface="Arial" panose="020B0604020202020204" pitchFamily="34" charset="0"/>
+              </a:rPr>
+              <a:t>Adición</a:t>
             </a:r>
-            <a:r>
-              <a:rPr lang="es-ES" sz="1200" b="1" dirty="0" smtClean="0"/>
-              <a:t>ón</a:t>
-            </a:r>
-            <a:endParaRPr lang="es-ES" sz="1200" b="1" dirty="0"/>
+            <a:endParaRPr lang="es-ES" sz="1200" b="1" dirty="0">
+              <a:latin typeface="Arial" panose="020B0604020202020204" pitchFamily="34" charset="0"/>
+              <a:cs typeface="Arial" panose="020B0604020202020204" pitchFamily="34" charset="0"/>
+            </a:endParaRPr>
           </a:p>
         </p:txBody>
       </p:sp>
       <p:cxnSp>
         <p:nvCxnSpPr>
           <p:cNvPr id="12" name="Conector angular 11"/>
-          <p:cNvCxnSpPr/>
+          <p:cNvCxnSpPr>
+            <a:endCxn id="5" idx="0"/>
+          </p:cNvCxnSpPr>
           <p:nvPr/>
         </p:nvCxnSpPr>
         <p:spPr>
-          <a:xfrm rot="5400000">
-            <a:off x="2942357" y="-805163"/>
-            <a:ext cx="244755" cy="3373726"/>
-          </a:xfrm>
-          <a:prstGeom prst="bentConnector3">
+          <a:xfrm rot="10800000" flipV="1">
+            <a:off x="1138378" y="1020060"/>
+            <a:ext cx="3852155" cy="126597"/>
+          </a:xfrm>
+          <a:prstGeom prst="bentConnector2">
             <a:avLst/>
           </a:prstGeom>
           <a:ln w="12700">
@@ -1538,7 +1633,7 @@
         </p:nvSpPr>
         <p:spPr>
           <a:xfrm>
-            <a:off x="563282" y="1611972"/>
+            <a:off x="579509" y="1672021"/>
             <a:ext cx="1122431" cy="230832"/>
           </a:xfrm>
           <a:prstGeom prst="rect">
@@ -1554,10 +1649,23 @@
           <a:p>
             <a:pPr algn="ctr"/>
             <a:r>
-              <a:rPr lang="es-ES" sz="900" dirty="0" smtClean="0"/>
-              <a:t>tiene</a:t>
+              <a:rPr lang="es-ES" sz="900" dirty="0">
+                <a:latin typeface="Arial" panose="020B0604020202020204" pitchFamily="34" charset="0"/>
+                <a:cs typeface="Arial" panose="020B0604020202020204" pitchFamily="34" charset="0"/>
+              </a:rPr>
+              <a:t>d</a:t>
             </a:r>
-            <a:endParaRPr lang="es-ES" sz="900" dirty="0"/>
+            <a:r>
+              <a:rPr lang="es-ES" sz="900" dirty="0" smtClean="0">
+                <a:latin typeface="Arial" panose="020B0604020202020204" pitchFamily="34" charset="0"/>
+                <a:cs typeface="Arial" panose="020B0604020202020204" pitchFamily="34" charset="0"/>
+              </a:rPr>
+              <a:t>efinida como</a:t>
+            </a:r>
+            <a:endParaRPr lang="es-ES" sz="900" dirty="0">
+              <a:latin typeface="Arial" panose="020B0604020202020204" pitchFamily="34" charset="0"/>
+              <a:cs typeface="Arial" panose="020B0604020202020204" pitchFamily="34" charset="0"/>
+            </a:endParaRPr>
           </a:p>
         </p:txBody>
       </p:sp>
@@ -1572,7 +1680,7 @@
         </p:nvCxnSpPr>
         <p:spPr>
           <a:xfrm rot="16200000" flipH="1">
-            <a:off x="1080534" y="1568007"/>
+            <a:off x="1096761" y="1628056"/>
             <a:ext cx="85581" cy="2348"/>
           </a:xfrm>
           <a:prstGeom prst="bentConnector3">
@@ -1601,106 +1709,165 @@
           </a:fontRef>
         </p:style>
       </p:cxnSp>
-      <p:sp>
-        <p:nvSpPr>
-          <p:cNvPr id="44" name="Rectángulo 43" descr="Nodo de segundo nivel" title="Nodo02"/>
-          <p:cNvSpPr/>
-          <p:nvPr/>
-        </p:nvSpPr>
-        <p:spPr>
-          <a:xfrm>
-            <a:off x="562124" y="1985833"/>
-            <a:ext cx="1124746" cy="357473"/>
-          </a:xfrm>
-          <a:prstGeom prst="rect">
-            <a:avLst/>
-          </a:prstGeom>
-          <a:solidFill>
-            <a:schemeClr val="bg2">
-              <a:lumMod val="50000"/>
-            </a:schemeClr>
-          </a:solidFill>
-          <a:ln>
-            <a:solidFill>
-              <a:schemeClr val="tx1"/>
-            </a:solidFill>
-          </a:ln>
-        </p:spPr>
-        <p:style>
-          <a:lnRef idx="2">
-            <a:schemeClr val="accent6"/>
-          </a:lnRef>
-          <a:fillRef idx="1">
-            <a:schemeClr val="lt1"/>
-          </a:fillRef>
-          <a:effectRef idx="0">
-            <a:schemeClr val="accent6"/>
-          </a:effectRef>
-          <a:fontRef idx="minor">
-            <a:schemeClr val="dk1"/>
-          </a:fontRef>
-        </p:style>
-        <p:txBody>
-          <a:bodyPr rtlCol="0" anchor="ctr"/>
-          <a:lstStyle/>
-          <a:p>
-            <a:pPr algn="ctr"/>
-            <a:r>
-              <a:rPr lang="es-ES" sz="1050" dirty="0" smtClean="0">
+      <mc:AlternateContent xmlns:mc="http://schemas.openxmlformats.org/markup-compatibility/2006" xmlns:a14="http://schemas.microsoft.com/office/drawing/2010/main">
+        <mc:Choice Requires="a14">
+          <p:sp>
+            <p:nvSpPr>
+              <p:cNvPr id="44" name="Rectángulo 43" descr="Nodo de segundo nivel" title="Nodo02"/>
+              <p:cNvSpPr/>
+              <p:nvPr/>
+            </p:nvSpPr>
+            <p:spPr>
+              <a:xfrm>
+                <a:off x="581261" y="2000136"/>
+                <a:ext cx="1192687" cy="454345"/>
+              </a:xfrm>
+              <a:prstGeom prst="rect">
+                <a:avLst/>
+              </a:prstGeom>
+              <a:solidFill>
+                <a:schemeClr val="bg2">
+                  <a:lumMod val="50000"/>
+                </a:schemeClr>
+              </a:solidFill>
+              <a:ln>
                 <a:solidFill>
-                  <a:schemeClr val="bg1"/>
+                  <a:schemeClr val="tx1"/>
                 </a:solidFill>
-              </a:rPr>
-              <a:t>Propiedades</a:t>
-            </a:r>
-            <a:endParaRPr lang="es-ES" sz="1050" dirty="0">
-              <a:solidFill>
-                <a:schemeClr val="bg1"/>
-              </a:solidFill>
-            </a:endParaRPr>
-          </a:p>
-        </p:txBody>
-      </p:sp>
-      <p:cxnSp>
-        <p:nvCxnSpPr>
-          <p:cNvPr id="45" name="Conector angular 44"/>
-          <p:cNvCxnSpPr>
-            <a:stCxn id="19" idx="2"/>
-            <a:endCxn id="44" idx="0"/>
-          </p:cNvCxnSpPr>
-          <p:nvPr/>
-        </p:nvCxnSpPr>
-        <p:spPr>
-          <a:xfrm rot="5400000">
-            <a:off x="1052984" y="1914318"/>
-            <a:ext cx="143029" cy="1"/>
-          </a:xfrm>
-          <a:prstGeom prst="bentConnector3">
-            <a:avLst>
-              <a:gd name="adj1" fmla="val 50000"/>
-            </a:avLst>
-          </a:prstGeom>
-          <a:ln w="12700">
-            <a:solidFill>
-              <a:schemeClr val="tx1"/>
-            </a:solidFill>
-          </a:ln>
-        </p:spPr>
-        <p:style>
-          <a:lnRef idx="1">
-            <a:schemeClr val="accent1"/>
-          </a:lnRef>
-          <a:fillRef idx="0">
-            <a:schemeClr val="accent1"/>
-          </a:fillRef>
-          <a:effectRef idx="0">
-            <a:schemeClr val="accent1"/>
-          </a:effectRef>
-          <a:fontRef idx="minor">
-            <a:schemeClr val="tx1"/>
-          </a:fontRef>
-        </p:style>
-      </p:cxnSp>
+              </a:ln>
+            </p:spPr>
+            <p:style>
+              <a:lnRef idx="2">
+                <a:schemeClr val="accent6"/>
+              </a:lnRef>
+              <a:fillRef idx="1">
+                <a:schemeClr val="lt1"/>
+              </a:fillRef>
+              <a:effectRef idx="0">
+                <a:schemeClr val="accent6"/>
+              </a:effectRef>
+              <a:fontRef idx="minor">
+                <a:schemeClr val="dk1"/>
+              </a:fontRef>
+            </p:style>
+            <p:txBody>
+              <a:bodyPr rtlCol="0" anchor="ctr"/>
+              <a:lstStyle/>
+              <a:p>
+                <a:pPr algn="ctr"/>
+                <a:r>
+                  <a:rPr lang="es-ES" sz="1000" i="1" dirty="0" smtClean="0">
+                    <a:solidFill>
+                      <a:schemeClr val="bg1"/>
+                    </a:solidFill>
+                    <a:latin typeface="Arial" panose="020B0604020202020204" pitchFamily="34" charset="0"/>
+                    <a:cs typeface="Arial" panose="020B0604020202020204" pitchFamily="34" charset="0"/>
+                  </a:rPr>
+                  <a:t> m</a:t>
+                </a:r>
+                <a:r>
+                  <a:rPr lang="es-ES" sz="1000" dirty="0" smtClean="0">
+                    <a:solidFill>
+                      <a:schemeClr val="bg1"/>
+                    </a:solidFill>
+                    <a:latin typeface="Arial" panose="020B0604020202020204" pitchFamily="34" charset="0"/>
+                    <a:cs typeface="Arial" panose="020B0604020202020204" pitchFamily="34" charset="0"/>
+                  </a:rPr>
+                  <a:t> + </a:t>
+                </a:r>
+                <a:r>
+                  <a:rPr lang="es-ES" sz="1000" i="1" dirty="0" smtClean="0">
+                    <a:solidFill>
+                      <a:schemeClr val="bg1"/>
+                    </a:solidFill>
+                    <a:latin typeface="Arial" panose="020B0604020202020204" pitchFamily="34" charset="0"/>
+                    <a:cs typeface="Arial" panose="020B0604020202020204" pitchFamily="34" charset="0"/>
+                  </a:rPr>
+                  <a:t>n</a:t>
+                </a:r>
+              </a:p>
+              <a:p>
+                <a:pPr algn="ctr"/>
+                <a:r>
+                  <a:rPr lang="es-ES" sz="1000" dirty="0" smtClean="0">
+                    <a:solidFill>
+                      <a:schemeClr val="bg1"/>
+                    </a:solidFill>
+                    <a:latin typeface="Arial" panose="020B0604020202020204" pitchFamily="34" charset="0"/>
+                    <a:cs typeface="Arial" panose="020B0604020202020204" pitchFamily="34" charset="0"/>
+                  </a:rPr>
+                  <a:t>para cualquier número </a:t>
+                </a:r>
+                <a14:m>
+                  <m:oMath xmlns:m="http://schemas.openxmlformats.org/officeDocument/2006/math">
+                    <m:r>
+                      <a:rPr lang="es-ES" sz="1000" i="1" smtClean="0">
+                        <a:solidFill>
+                          <a:schemeClr val="bg1"/>
+                        </a:solidFill>
+                        <a:latin typeface="Cambria Math" panose="02040503050406030204" pitchFamily="18" charset="0"/>
+                        <a:ea typeface="Cambria Math" panose="02040503050406030204" pitchFamily="18" charset="0"/>
+                        <a:cs typeface="Arial" panose="020B0604020202020204" pitchFamily="34" charset="0"/>
+                      </a:rPr>
+                      <m:t>ℕ</m:t>
+                    </m:r>
+                  </m:oMath>
+                </a14:m>
+                <a:endParaRPr lang="es-ES" sz="1000" dirty="0">
+                  <a:solidFill>
+                    <a:schemeClr val="bg1"/>
+                  </a:solidFill>
+                  <a:latin typeface="Arial" panose="020B0604020202020204" pitchFamily="34" charset="0"/>
+                  <a:cs typeface="Arial" panose="020B0604020202020204" pitchFamily="34" charset="0"/>
+                </a:endParaRPr>
+              </a:p>
+            </p:txBody>
+          </p:sp>
+        </mc:Choice>
+        <mc:Fallback xmlns="">
+          <p:sp>
+            <p:nvSpPr>
+              <p:cNvPr id="44" name="Rectángulo 43" descr="Nodo de segundo nivel" title="Nodo02"/>
+              <p:cNvSpPr>
+                <a:spLocks noRot="1" noChangeAspect="1" noMove="1" noResize="1" noEditPoints="1" noAdjustHandles="1" noChangeArrowheads="1" noChangeShapeType="1" noTextEdit="1"/>
+              </p:cNvSpPr>
+              <p:nvPr/>
+            </p:nvSpPr>
+            <p:spPr>
+              <a:xfrm>
+                <a:off x="581261" y="2000136"/>
+                <a:ext cx="1192687" cy="454345"/>
+              </a:xfrm>
+              <a:prstGeom prst="rect">
+                <a:avLst/>
+              </a:prstGeom>
+              <a:blipFill rotWithShape="0">
+                <a:blip r:embed="rId3"/>
+                <a:stretch>
+                  <a:fillRect t="-9091" b="-14286"/>
+                </a:stretch>
+              </a:blipFill>
+              <a:ln>
+                <a:solidFill>
+                  <a:schemeClr val="tx1"/>
+                </a:solidFill>
+              </a:ln>
+            </p:spPr>
+            <p:txBody>
+              <a:bodyPr/>
+              <a:lstStyle/>
+              <a:p>
+                <a:r>
+                  <a:rPr lang="es-CO">
+                    <a:noFill/>
+                  </a:rPr>
+                  <a:t> </a:t>
+                </a:r>
+              </a:p>
+            </p:txBody>
+          </p:sp>
+        </mc:Fallback>
+      </mc:AlternateContent>
       <p:sp>
         <p:nvSpPr>
           <p:cNvPr id="67" name="CuadroTexto 66" descr="Conector entre nodos" title="conector"/>
@@ -1709,7 +1876,7 @@
         </p:nvSpPr>
         <p:spPr>
           <a:xfrm>
-            <a:off x="565034" y="2486331"/>
+            <a:off x="581261" y="2488774"/>
             <a:ext cx="1117174" cy="230836"/>
           </a:xfrm>
           <a:prstGeom prst="rect">
@@ -1725,191 +1892,37 @@
           <a:p>
             <a:pPr algn="ctr"/>
             <a:r>
-              <a:rPr lang="en-US" sz="900" dirty="0"/>
-              <a:t>q</a:t>
+              <a:rPr lang="es-ES" sz="900" dirty="0" smtClean="0">
+                <a:latin typeface="Arial" panose="020B0604020202020204" pitchFamily="34" charset="0"/>
+                <a:cs typeface="Arial" panose="020B0604020202020204" pitchFamily="34" charset="0"/>
+              </a:rPr>
+              <a:t>sus términos son</a:t>
             </a:r>
-            <a:r>
-              <a:rPr lang="es-ES" sz="900" dirty="0" err="1" smtClean="0"/>
-              <a:t>ue</a:t>
-            </a:r>
-            <a:r>
-              <a:rPr lang="es-ES" sz="900" dirty="0" smtClean="0"/>
-              <a:t> son</a:t>
-            </a:r>
-            <a:endParaRPr lang="es-ES" sz="900" dirty="0"/>
-          </a:p>
-        </p:txBody>
-      </p:sp>
-      <p:cxnSp>
-        <p:nvCxnSpPr>
-          <p:cNvPr id="68" name="Conector angular 67"/>
-          <p:cNvCxnSpPr>
-            <a:stCxn id="44" idx="2"/>
-            <a:endCxn id="67" idx="0"/>
-          </p:cNvCxnSpPr>
-          <p:nvPr/>
-        </p:nvCxnSpPr>
-        <p:spPr>
-          <a:xfrm rot="5400000">
-            <a:off x="1052547" y="2414380"/>
-            <a:ext cx="143025" cy="876"/>
-          </a:xfrm>
-          <a:prstGeom prst="bentConnector3">
-            <a:avLst>
-              <a:gd name="adj1" fmla="val 50000"/>
-            </a:avLst>
-          </a:prstGeom>
-          <a:ln w="12700">
-            <a:solidFill>
-              <a:schemeClr val="tx1"/>
-            </a:solidFill>
-          </a:ln>
-        </p:spPr>
-        <p:style>
-          <a:lnRef idx="1">
-            <a:schemeClr val="accent1"/>
-          </a:lnRef>
-          <a:fillRef idx="0">
-            <a:schemeClr val="accent1"/>
-          </a:fillRef>
-          <a:effectRef idx="0">
-            <a:schemeClr val="accent1"/>
-          </a:effectRef>
-          <a:fontRef idx="minor">
-            <a:schemeClr val="tx1"/>
-          </a:fontRef>
-        </p:style>
-      </p:cxnSp>
-      <p:sp>
-        <p:nvSpPr>
-          <p:cNvPr id="72" name="Rectángulo 71" descr="Nodo de tercer nivel" title="Nodo03"/>
-          <p:cNvSpPr/>
-          <p:nvPr/>
-        </p:nvSpPr>
-        <p:spPr>
-          <a:xfrm>
-            <a:off x="563282" y="2860196"/>
-            <a:ext cx="1122431" cy="611137"/>
-          </a:xfrm>
-          <a:prstGeom prst="rect">
-            <a:avLst/>
-          </a:prstGeom>
-          <a:solidFill>
-            <a:schemeClr val="bg2">
-              <a:lumMod val="90000"/>
-            </a:schemeClr>
-          </a:solidFill>
-          <a:ln>
-            <a:solidFill>
-              <a:schemeClr val="tx1"/>
-            </a:solidFill>
-          </a:ln>
-        </p:spPr>
-        <p:style>
-          <a:lnRef idx="2">
-            <a:schemeClr val="accent6"/>
-          </a:lnRef>
-          <a:fillRef idx="1">
-            <a:schemeClr val="lt1"/>
-          </a:fillRef>
-          <a:effectRef idx="0">
-            <a:schemeClr val="accent6"/>
-          </a:effectRef>
-          <a:fontRef idx="minor">
-            <a:schemeClr val="dk1"/>
-          </a:fontRef>
-        </p:style>
-        <p:txBody>
-          <a:bodyPr rtlCol="0" anchor="ctr"/>
-          <a:lstStyle/>
-          <a:p>
-            <a:pPr algn="ctr"/>
-            <a:endParaRPr lang="es-ES" sz="900" dirty="0" smtClean="0">
-              <a:solidFill>
-                <a:schemeClr val="tx1"/>
-              </a:solidFill>
-            </a:endParaRPr>
-          </a:p>
-          <a:p>
-            <a:pPr algn="ctr"/>
-            <a:r>
-              <a:rPr lang="es-ES" sz="900" dirty="0" err="1" smtClean="0">
-                <a:solidFill>
-                  <a:schemeClr val="tx1"/>
-                </a:solidFill>
-              </a:rPr>
-              <a:t>Clausuratiiva</a:t>
-            </a:r>
-            <a:endParaRPr lang="es-ES" sz="900" dirty="0" smtClean="0">
-              <a:solidFill>
-                <a:schemeClr val="tx1"/>
-              </a:solidFill>
-            </a:endParaRPr>
-          </a:p>
-          <a:p>
-            <a:pPr algn="ctr"/>
-            <a:r>
-              <a:rPr lang="es-ES" sz="900" dirty="0" smtClean="0">
-                <a:solidFill>
-                  <a:schemeClr val="tx1"/>
-                </a:solidFill>
-              </a:rPr>
-              <a:t>Conmutativa</a:t>
-            </a:r>
-          </a:p>
-          <a:p>
-            <a:pPr algn="ctr"/>
-            <a:r>
-              <a:rPr lang="es-ES" sz="900" dirty="0" smtClean="0">
-                <a:solidFill>
-                  <a:schemeClr val="tx1"/>
-                </a:solidFill>
-              </a:rPr>
-              <a:t>Asociativa</a:t>
-            </a:r>
-          </a:p>
-          <a:p>
-            <a:pPr algn="ctr"/>
-            <a:r>
-              <a:rPr lang="es-ES" sz="900" dirty="0" smtClean="0">
-                <a:solidFill>
-                  <a:schemeClr val="tx1"/>
-                </a:solidFill>
-              </a:rPr>
-              <a:t>Elemento neutro</a:t>
-            </a:r>
-            <a:endParaRPr lang="es-ES" sz="900" dirty="0" smtClean="0">
-              <a:solidFill>
-                <a:schemeClr val="tx1"/>
-              </a:solidFill>
-            </a:endParaRPr>
-          </a:p>
-          <a:p>
-            <a:pPr algn="ctr"/>
             <a:endParaRPr lang="es-ES" sz="900" dirty="0">
-              <a:solidFill>
-                <a:schemeClr val="tx1"/>
-              </a:solidFill>
+              <a:latin typeface="Arial" panose="020B0604020202020204" pitchFamily="34" charset="0"/>
+              <a:cs typeface="Arial" panose="020B0604020202020204" pitchFamily="34" charset="0"/>
             </a:endParaRPr>
           </a:p>
         </p:txBody>
       </p:sp>
       <p:sp>
         <p:nvSpPr>
-          <p:cNvPr id="73" name="Rectángulo 72" descr="Nodo de cuarto nivel&#10;" title="Nodo04"/>
+          <p:cNvPr id="72" name="Rectángulo 71" descr="Nodo de tercer nivel" title="Nodo03"/>
           <p:cNvSpPr/>
           <p:nvPr/>
         </p:nvSpPr>
         <p:spPr>
           <a:xfrm>
-            <a:off x="563282" y="4189480"/>
-            <a:ext cx="1122431" cy="353519"/>
+            <a:off x="579071" y="2829429"/>
+            <a:ext cx="1122431" cy="343441"/>
           </a:xfrm>
           <a:prstGeom prst="rect">
             <a:avLst/>
           </a:prstGeom>
           <a:solidFill>
-            <a:schemeClr val="bg1"/>
+            <a:schemeClr val="bg2">
+              <a:lumMod val="90000"/>
+            </a:schemeClr>
           </a:solidFill>
           <a:ln>
             <a:solidFill>
@@ -1941,594 +1954,37 @@
                 <a:solidFill>
                   <a:schemeClr val="tx1"/>
                 </a:solidFill>
+                <a:latin typeface="Arial" panose="020B0604020202020204" pitchFamily="34" charset="0"/>
+                <a:cs typeface="Arial" panose="020B0604020202020204" pitchFamily="34" charset="0"/>
               </a:rPr>
-              <a:t>Sumandos y suma</a:t>
+              <a:t>sumandos y suma</a:t>
             </a:r>
             <a:endParaRPr lang="es-ES" sz="900" dirty="0">
               <a:solidFill>
                 <a:schemeClr val="tx1"/>
               </a:solidFill>
+              <a:latin typeface="Arial" panose="020B0604020202020204" pitchFamily="34" charset="0"/>
+              <a:cs typeface="Arial" panose="020B0604020202020204" pitchFamily="34" charset="0"/>
             </a:endParaRPr>
           </a:p>
         </p:txBody>
       </p:sp>
       <p:sp>
         <p:nvSpPr>
-          <p:cNvPr id="75" name="CuadroTexto 74" descr="Conector entre nodos" title="conector"/>
-          <p:cNvSpPr txBox="1"/>
+          <p:cNvPr id="73" name="Rectángulo 72" descr="Nodo de cuarto nivel&#10;" title="Nodo04"/>
+          <p:cNvSpPr/>
           <p:nvPr/>
         </p:nvSpPr>
         <p:spPr>
           <a:xfrm>
-            <a:off x="565035" y="3805997"/>
-            <a:ext cx="1117174" cy="230832"/>
+            <a:off x="677823" y="3783516"/>
+            <a:ext cx="923090" cy="241524"/>
           </a:xfrm>
           <a:prstGeom prst="rect">
             <a:avLst/>
           </a:prstGeom>
-          <a:noFill/>
-        </p:spPr>
-        <p:txBody>
-          <a:bodyPr wrap="square" rtlCol="0">
-            <a:spAutoFit/>
-          </a:bodyPr>
-          <a:lstStyle/>
-          <a:p>
-            <a:pPr algn="ctr"/>
-            <a:r>
-              <a:rPr lang="en-US" sz="900" dirty="0"/>
-              <a:t>s</a:t>
-            </a:r>
-            <a:r>
-              <a:rPr lang="es-ES" sz="900" dirty="0" err="1" smtClean="0"/>
-              <a:t>us</a:t>
-            </a:r>
-            <a:r>
-              <a:rPr lang="es-ES" sz="900" dirty="0" smtClean="0"/>
-              <a:t> t</a:t>
-            </a:r>
-            <a:r>
-              <a:rPr lang="es-ES" sz="900" dirty="0" smtClean="0"/>
-              <a:t>érminos son</a:t>
-            </a:r>
-            <a:endParaRPr lang="es-ES" sz="900" dirty="0"/>
-          </a:p>
-        </p:txBody>
-      </p:sp>
-      <p:cxnSp>
-        <p:nvCxnSpPr>
-          <p:cNvPr id="76" name="Conector angular 75"/>
-          <p:cNvCxnSpPr>
-            <a:stCxn id="67" idx="2"/>
-            <a:endCxn id="72" idx="0"/>
-          </p:cNvCxnSpPr>
-          <p:nvPr/>
-        </p:nvCxnSpPr>
-        <p:spPr>
-          <a:xfrm rot="16200000" flipH="1">
-            <a:off x="1052545" y="2788242"/>
-            <a:ext cx="143029" cy="877"/>
-          </a:xfrm>
-          <a:prstGeom prst="bentConnector3">
-            <a:avLst>
-              <a:gd name="adj1" fmla="val 50000"/>
-            </a:avLst>
-          </a:prstGeom>
-          <a:ln w="12700">
-            <a:solidFill>
-              <a:schemeClr val="tx1"/>
-            </a:solidFill>
-          </a:ln>
-        </p:spPr>
-        <p:style>
-          <a:lnRef idx="1">
-            <a:schemeClr val="accent1"/>
-          </a:lnRef>
-          <a:fillRef idx="0">
-            <a:schemeClr val="accent1"/>
-          </a:fillRef>
-          <a:effectRef idx="0">
-            <a:schemeClr val="accent1"/>
-          </a:effectRef>
-          <a:fontRef idx="minor">
-            <a:schemeClr val="tx1"/>
-          </a:fontRef>
-        </p:style>
-      </p:cxnSp>
-      <p:cxnSp>
-        <p:nvCxnSpPr>
-          <p:cNvPr id="79" name="Conector angular 78"/>
-          <p:cNvCxnSpPr>
-            <a:endCxn id="75" idx="0"/>
-          </p:cNvCxnSpPr>
-          <p:nvPr/>
-        </p:nvCxnSpPr>
-        <p:spPr>
-          <a:xfrm rot="5400000">
-            <a:off x="944813" y="3624743"/>
-            <a:ext cx="360064" cy="2445"/>
-          </a:xfrm>
-          <a:prstGeom prst="bentConnector3">
-            <a:avLst>
-              <a:gd name="adj1" fmla="val 50000"/>
-            </a:avLst>
-          </a:prstGeom>
-          <a:ln w="12700">
-            <a:solidFill>
-              <a:schemeClr val="tx1"/>
-            </a:solidFill>
-          </a:ln>
-        </p:spPr>
-        <p:style>
-          <a:lnRef idx="1">
-            <a:schemeClr val="accent1"/>
-          </a:lnRef>
-          <a:fillRef idx="0">
-            <a:schemeClr val="accent1"/>
-          </a:fillRef>
-          <a:effectRef idx="0">
-            <a:schemeClr val="accent1"/>
-          </a:effectRef>
-          <a:fontRef idx="minor">
-            <a:schemeClr val="tx1"/>
-          </a:fontRef>
-        </p:style>
-      </p:cxnSp>
-      <p:cxnSp>
-        <p:nvCxnSpPr>
-          <p:cNvPr id="82" name="Conector angular 81"/>
-          <p:cNvCxnSpPr>
-            <a:stCxn id="75" idx="2"/>
-            <a:endCxn id="73" idx="0"/>
-          </p:cNvCxnSpPr>
-          <p:nvPr/>
-        </p:nvCxnSpPr>
-        <p:spPr>
-          <a:xfrm rot="16200000" flipH="1">
-            <a:off x="1047735" y="4112716"/>
-            <a:ext cx="152651" cy="876"/>
-          </a:xfrm>
-          <a:prstGeom prst="bentConnector3">
-            <a:avLst>
-              <a:gd name="adj1" fmla="val 50000"/>
-            </a:avLst>
-          </a:prstGeom>
-          <a:ln w="12700">
-            <a:solidFill>
-              <a:schemeClr val="tx1"/>
-            </a:solidFill>
-          </a:ln>
-        </p:spPr>
-        <p:style>
-          <a:lnRef idx="1">
-            <a:schemeClr val="accent1"/>
-          </a:lnRef>
-          <a:fillRef idx="0">
-            <a:schemeClr val="accent1"/>
-          </a:fillRef>
-          <a:effectRef idx="0">
-            <a:schemeClr val="accent1"/>
-          </a:effectRef>
-          <a:fontRef idx="minor">
-            <a:schemeClr val="tx1"/>
-          </a:fontRef>
-        </p:style>
-      </p:cxnSp>
-      <p:cxnSp>
-        <p:nvCxnSpPr>
-          <p:cNvPr id="132" name="Conector angular 131"/>
-          <p:cNvCxnSpPr/>
-          <p:nvPr/>
-        </p:nvCxnSpPr>
-        <p:spPr>
-          <a:xfrm>
-            <a:off x="3261642" y="906723"/>
-            <a:ext cx="4035" cy="146792"/>
-          </a:xfrm>
-          <a:prstGeom prst="straightConnector1">
-            <a:avLst/>
-          </a:prstGeom>
-          <a:ln w="12700">
-            <a:solidFill>
-              <a:schemeClr val="tx1"/>
-            </a:solidFill>
-          </a:ln>
-        </p:spPr>
-        <p:style>
-          <a:lnRef idx="1">
-            <a:schemeClr val="accent1"/>
-          </a:lnRef>
-          <a:fillRef idx="0">
-            <a:schemeClr val="accent1"/>
-          </a:fillRef>
-          <a:effectRef idx="0">
-            <a:schemeClr val="accent1"/>
-          </a:effectRef>
-          <a:fontRef idx="minor">
-            <a:schemeClr val="tx1"/>
-          </a:fontRef>
-        </p:style>
-      </p:cxnSp>
-      <p:sp>
-        <p:nvSpPr>
-          <p:cNvPr id="335" name="Rectángulo 334" descr="Nodo de primer nivel" title="Nodo01"/>
-          <p:cNvSpPr/>
-          <p:nvPr/>
-        </p:nvSpPr>
-        <p:spPr>
-          <a:xfrm>
-            <a:off x="7347778" y="1043801"/>
-            <a:ext cx="1124746" cy="439782"/>
-          </a:xfrm>
-          <a:prstGeom prst="rect">
-            <a:avLst/>
-          </a:prstGeom>
           <a:solidFill>
             <a:schemeClr val="bg1"/>
-          </a:solidFill>
-          <a:ln>
-            <a:solidFill>
-              <a:schemeClr val="tx1"/>
-            </a:solidFill>
-          </a:ln>
-          <a:effectLst>
-            <a:outerShdw blurRad="50800" dist="38100" dir="2700000" algn="tl" rotWithShape="0">
-              <a:prstClr val="black">
-                <a:alpha val="40000"/>
-              </a:prstClr>
-            </a:outerShdw>
-          </a:effectLst>
-        </p:spPr>
-        <p:style>
-          <a:lnRef idx="2">
-            <a:schemeClr val="accent6"/>
-          </a:lnRef>
-          <a:fillRef idx="1">
-            <a:schemeClr val="lt1"/>
-          </a:fillRef>
-          <a:effectRef idx="0">
-            <a:schemeClr val="accent6"/>
-          </a:effectRef>
-          <a:fontRef idx="minor">
-            <a:schemeClr val="dk1"/>
-          </a:fontRef>
-        </p:style>
-        <p:txBody>
-          <a:bodyPr rtlCol="0" anchor="ctr"/>
-          <a:lstStyle/>
-          <a:p>
-            <a:pPr algn="ctr"/>
-            <a:r>
-              <a:rPr lang="es-ES" sz="1200" b="1" dirty="0" smtClean="0"/>
-              <a:t>Divisi</a:t>
-            </a:r>
-            <a:r>
-              <a:rPr lang="es-ES" sz="1200" b="1" dirty="0" smtClean="0"/>
-              <a:t>ón</a:t>
-            </a:r>
-            <a:endParaRPr lang="es-ES" sz="1200" b="1" dirty="0"/>
-          </a:p>
-        </p:txBody>
-      </p:sp>
-      <p:cxnSp>
-        <p:nvCxnSpPr>
-          <p:cNvPr id="336" name="Conector angular 335"/>
-          <p:cNvCxnSpPr/>
-          <p:nvPr/>
-        </p:nvCxnSpPr>
-        <p:spPr>
-          <a:xfrm rot="16200000" flipH="1">
-            <a:off x="6256919" y="-745999"/>
-            <a:ext cx="244754" cy="3255398"/>
-          </a:xfrm>
-          <a:prstGeom prst="bentConnector3">
-            <a:avLst/>
-          </a:prstGeom>
-          <a:ln w="12700">
-            <a:solidFill>
-              <a:schemeClr val="tx1"/>
-            </a:solidFill>
-          </a:ln>
-        </p:spPr>
-        <p:style>
-          <a:lnRef idx="1">
-            <a:schemeClr val="accent1"/>
-          </a:lnRef>
-          <a:fillRef idx="0">
-            <a:schemeClr val="accent1"/>
-          </a:fillRef>
-          <a:effectRef idx="0">
-            <a:schemeClr val="accent1"/>
-          </a:effectRef>
-          <a:fontRef idx="minor">
-            <a:schemeClr val="tx1"/>
-          </a:fontRef>
-        </p:style>
-      </p:cxnSp>
-      <p:sp>
-        <p:nvSpPr>
-          <p:cNvPr id="337" name="CuadroTexto 336" descr="Conector entre nodos" title="conector"/>
-          <p:cNvSpPr txBox="1"/>
-          <p:nvPr/>
-        </p:nvSpPr>
-        <p:spPr>
-          <a:xfrm>
-            <a:off x="7351283" y="1569164"/>
-            <a:ext cx="1122431" cy="230832"/>
-          </a:xfrm>
-          <a:prstGeom prst="rect">
-            <a:avLst/>
-          </a:prstGeom>
-          <a:noFill/>
-        </p:spPr>
-        <p:txBody>
-          <a:bodyPr wrap="square" rtlCol="0">
-            <a:spAutoFit/>
-          </a:bodyPr>
-          <a:lstStyle/>
-          <a:p>
-            <a:pPr algn="ctr"/>
-            <a:r>
-              <a:rPr lang="en-US" sz="900" dirty="0"/>
-              <a:t>s</a:t>
-            </a:r>
-            <a:r>
-              <a:rPr lang="es-ES" sz="900" dirty="0" err="1" smtClean="0"/>
-              <a:t>olo</a:t>
-            </a:r>
-            <a:r>
-              <a:rPr lang="es-ES" sz="900" dirty="0" smtClean="0"/>
-              <a:t> cumple</a:t>
-            </a:r>
-            <a:endParaRPr lang="es-ES" sz="900" dirty="0"/>
-          </a:p>
-        </p:txBody>
-      </p:sp>
-      <p:cxnSp>
-        <p:nvCxnSpPr>
-          <p:cNvPr id="338" name="Conector angular 337"/>
-          <p:cNvCxnSpPr>
-            <a:stCxn id="335" idx="2"/>
-            <a:endCxn id="337" idx="0"/>
-          </p:cNvCxnSpPr>
-          <p:nvPr/>
-        </p:nvCxnSpPr>
-        <p:spPr>
-          <a:xfrm rot="16200000" flipH="1">
-            <a:off x="7868535" y="1525199"/>
-            <a:ext cx="85581" cy="2348"/>
-          </a:xfrm>
-          <a:prstGeom prst="bentConnector3">
-            <a:avLst>
-              <a:gd name="adj1" fmla="val 50000"/>
-            </a:avLst>
-          </a:prstGeom>
-          <a:ln w="12700">
-            <a:solidFill>
-              <a:schemeClr val="tx1"/>
-            </a:solidFill>
-          </a:ln>
-        </p:spPr>
-        <p:style>
-          <a:lnRef idx="1">
-            <a:schemeClr val="accent1"/>
-          </a:lnRef>
-          <a:fillRef idx="0">
-            <a:schemeClr val="accent1"/>
-          </a:fillRef>
-          <a:effectRef idx="0">
-            <a:schemeClr val="accent1"/>
-          </a:effectRef>
-          <a:fontRef idx="minor">
-            <a:schemeClr val="tx1"/>
-          </a:fontRef>
-        </p:style>
-      </p:cxnSp>
-      <p:sp>
-        <p:nvSpPr>
-          <p:cNvPr id="339" name="Rectángulo 338" descr="Nodo de segundo nivel" title="Nodo02"/>
-          <p:cNvSpPr/>
-          <p:nvPr/>
-        </p:nvSpPr>
-        <p:spPr>
-          <a:xfrm>
-            <a:off x="7350125" y="1943025"/>
-            <a:ext cx="1124746" cy="357473"/>
-          </a:xfrm>
-          <a:prstGeom prst="rect">
-            <a:avLst/>
-          </a:prstGeom>
-          <a:solidFill>
-            <a:schemeClr val="bg2">
-              <a:lumMod val="50000"/>
-            </a:schemeClr>
-          </a:solidFill>
-          <a:ln>
-            <a:solidFill>
-              <a:schemeClr val="tx1"/>
-            </a:solidFill>
-          </a:ln>
-        </p:spPr>
-        <p:style>
-          <a:lnRef idx="2">
-            <a:schemeClr val="accent6"/>
-          </a:lnRef>
-          <a:fillRef idx="1">
-            <a:schemeClr val="lt1"/>
-          </a:fillRef>
-          <a:effectRef idx="0">
-            <a:schemeClr val="accent6"/>
-          </a:effectRef>
-          <a:fontRef idx="minor">
-            <a:schemeClr val="dk1"/>
-          </a:fontRef>
-        </p:style>
-        <p:txBody>
-          <a:bodyPr rtlCol="0" anchor="ctr"/>
-          <a:lstStyle/>
-          <a:p>
-            <a:pPr algn="ctr"/>
-            <a:r>
-              <a:rPr lang="es-ES" sz="1050" dirty="0" smtClean="0">
-                <a:solidFill>
-                  <a:schemeClr val="bg1"/>
-                </a:solidFill>
-              </a:rPr>
-              <a:t>Propiedad de elemento neutro</a:t>
-            </a:r>
-            <a:endParaRPr lang="es-ES" sz="1050" dirty="0">
-              <a:solidFill>
-                <a:schemeClr val="bg1"/>
-              </a:solidFill>
-            </a:endParaRPr>
-          </a:p>
-        </p:txBody>
-      </p:sp>
-      <p:cxnSp>
-        <p:nvCxnSpPr>
-          <p:cNvPr id="340" name="Conector angular 339"/>
-          <p:cNvCxnSpPr>
-            <a:stCxn id="337" idx="2"/>
-            <a:endCxn id="339" idx="0"/>
-          </p:cNvCxnSpPr>
-          <p:nvPr/>
-        </p:nvCxnSpPr>
-        <p:spPr>
-          <a:xfrm rot="5400000">
-            <a:off x="7840985" y="1871510"/>
-            <a:ext cx="143029" cy="1"/>
-          </a:xfrm>
-          <a:prstGeom prst="bentConnector3">
-            <a:avLst>
-              <a:gd name="adj1" fmla="val 50000"/>
-            </a:avLst>
-          </a:prstGeom>
-          <a:ln w="12700">
-            <a:solidFill>
-              <a:schemeClr val="tx1"/>
-            </a:solidFill>
-          </a:ln>
-        </p:spPr>
-        <p:style>
-          <a:lnRef idx="1">
-            <a:schemeClr val="accent1"/>
-          </a:lnRef>
-          <a:fillRef idx="0">
-            <a:schemeClr val="accent1"/>
-          </a:fillRef>
-          <a:effectRef idx="0">
-            <a:schemeClr val="accent1"/>
-          </a:effectRef>
-          <a:fontRef idx="minor">
-            <a:schemeClr val="tx1"/>
-          </a:fontRef>
-        </p:style>
-      </p:cxnSp>
-      <p:sp>
-        <p:nvSpPr>
-          <p:cNvPr id="341" name="CuadroTexto 340" descr="Conector entre nodos" title="conector"/>
-          <p:cNvSpPr txBox="1"/>
-          <p:nvPr/>
-        </p:nvSpPr>
-        <p:spPr>
-          <a:xfrm>
-            <a:off x="7353035" y="2443523"/>
-            <a:ext cx="1117174" cy="230836"/>
-          </a:xfrm>
-          <a:prstGeom prst="rect">
-            <a:avLst/>
-          </a:prstGeom>
-          <a:noFill/>
-        </p:spPr>
-        <p:txBody>
-          <a:bodyPr wrap="square" rtlCol="0">
-            <a:spAutoFit/>
-          </a:bodyPr>
-          <a:lstStyle/>
-          <a:p>
-            <a:pPr algn="ctr"/>
-            <a:r>
-              <a:rPr lang="en-US" sz="900" dirty="0"/>
-              <a:t>s</a:t>
-            </a:r>
-            <a:r>
-              <a:rPr lang="es-ES_tradnl" sz="900" dirty="0" err="1" smtClean="0"/>
-              <a:t>us</a:t>
-            </a:r>
-            <a:r>
-              <a:rPr lang="es-ES_tradnl" sz="900" dirty="0" smtClean="0"/>
-              <a:t> t</a:t>
-            </a:r>
-            <a:r>
-              <a:rPr lang="es-ES_tradnl" sz="900" dirty="0" smtClean="0"/>
-              <a:t>érminos </a:t>
-            </a:r>
-            <a:r>
-              <a:rPr lang="es-ES" sz="900" dirty="0" smtClean="0"/>
-              <a:t>son</a:t>
-            </a:r>
-            <a:endParaRPr lang="es-ES" sz="900" dirty="0"/>
-          </a:p>
-        </p:txBody>
-      </p:sp>
-      <p:cxnSp>
-        <p:nvCxnSpPr>
-          <p:cNvPr id="342" name="Conector angular 341"/>
-          <p:cNvCxnSpPr>
-            <a:stCxn id="339" idx="2"/>
-            <a:endCxn id="341" idx="0"/>
-          </p:cNvCxnSpPr>
-          <p:nvPr/>
-        </p:nvCxnSpPr>
-        <p:spPr>
-          <a:xfrm rot="5400000">
-            <a:off x="7840548" y="2371572"/>
-            <a:ext cx="143025" cy="876"/>
-          </a:xfrm>
-          <a:prstGeom prst="bentConnector3">
-            <a:avLst>
-              <a:gd name="adj1" fmla="val 50000"/>
-            </a:avLst>
-          </a:prstGeom>
-          <a:ln w="12700">
-            <a:solidFill>
-              <a:schemeClr val="tx1"/>
-            </a:solidFill>
-          </a:ln>
-        </p:spPr>
-        <p:style>
-          <a:lnRef idx="1">
-            <a:schemeClr val="accent1"/>
-          </a:lnRef>
-          <a:fillRef idx="0">
-            <a:schemeClr val="accent1"/>
-          </a:fillRef>
-          <a:effectRef idx="0">
-            <a:schemeClr val="accent1"/>
-          </a:effectRef>
-          <a:fontRef idx="minor">
-            <a:schemeClr val="tx1"/>
-          </a:fontRef>
-        </p:style>
-      </p:cxnSp>
-      <p:sp>
-        <p:nvSpPr>
-          <p:cNvPr id="343" name="Rectángulo 342" descr="Nodo de tercer nivel" title="Nodo03"/>
-          <p:cNvSpPr/>
-          <p:nvPr/>
-        </p:nvSpPr>
-        <p:spPr>
-          <a:xfrm>
-            <a:off x="7351283" y="2817388"/>
-            <a:ext cx="1122431" cy="343441"/>
-          </a:xfrm>
-          <a:prstGeom prst="rect">
-            <a:avLst/>
-          </a:prstGeom>
-          <a:solidFill>
-            <a:schemeClr val="bg2">
-              <a:lumMod val="90000"/>
-            </a:schemeClr>
           </a:solidFill>
           <a:ln>
             <a:solidFill>
@@ -2560,33 +2016,933 @@
                 <a:solidFill>
                   <a:schemeClr val="tx1"/>
                 </a:solidFill>
+                <a:latin typeface="Arial" panose="020B0604020202020204" pitchFamily="34" charset="0"/>
+                <a:cs typeface="Arial" panose="020B0604020202020204" pitchFamily="34" charset="0"/>
               </a:rPr>
-              <a:t>Dividendo, divisor, cociente y residuo</a:t>
+              <a:t>propiedades</a:t>
             </a:r>
             <a:endParaRPr lang="es-ES" sz="900" dirty="0">
               <a:solidFill>
                 <a:schemeClr val="tx1"/>
               </a:solidFill>
+              <a:latin typeface="Arial" panose="020B0604020202020204" pitchFamily="34" charset="0"/>
+              <a:cs typeface="Arial" panose="020B0604020202020204" pitchFamily="34" charset="0"/>
             </a:endParaRPr>
           </a:p>
         </p:txBody>
       </p:sp>
       <p:sp>
         <p:nvSpPr>
-          <p:cNvPr id="344" name="Rectángulo 343" descr="Nodo de cuarto nivel&#10;" title="Nodo04"/>
-          <p:cNvSpPr/>
+          <p:cNvPr id="75" name="CuadroTexto 74" descr="Conector entre nodos" title="conector"/>
+          <p:cNvSpPr txBox="1"/>
           <p:nvPr/>
         </p:nvSpPr>
         <p:spPr>
           <a:xfrm>
-            <a:off x="6614678" y="3672520"/>
-            <a:ext cx="1122431" cy="353519"/>
+            <a:off x="581261" y="3356841"/>
+            <a:ext cx="1117174" cy="230832"/>
           </a:xfrm>
           <a:prstGeom prst="rect">
             <a:avLst/>
           </a:prstGeom>
+          <a:noFill/>
+        </p:spPr>
+        <p:txBody>
+          <a:bodyPr wrap="square" rtlCol="0">
+            <a:spAutoFit/>
+          </a:bodyPr>
+          <a:lstStyle/>
+          <a:p>
+            <a:pPr algn="ctr"/>
+            <a:r>
+              <a:rPr lang="es-ES" sz="900" dirty="0" smtClean="0">
+                <a:latin typeface="Arial" panose="020B0604020202020204" pitchFamily="34" charset="0"/>
+                <a:cs typeface="Arial" panose="020B0604020202020204" pitchFamily="34" charset="0"/>
+              </a:rPr>
+              <a:t>cumple</a:t>
+            </a:r>
+            <a:endParaRPr lang="es-ES" sz="900" dirty="0">
+              <a:latin typeface="Arial" panose="020B0604020202020204" pitchFamily="34" charset="0"/>
+              <a:cs typeface="Arial" panose="020B0604020202020204" pitchFamily="34" charset="0"/>
+            </a:endParaRPr>
+          </a:p>
+        </p:txBody>
+      </p:sp>
+      <p:cxnSp>
+        <p:nvCxnSpPr>
+          <p:cNvPr id="79" name="Conector angular 78"/>
+          <p:cNvCxnSpPr>
+            <a:stCxn id="72" idx="2"/>
+            <a:endCxn id="75" idx="0"/>
+          </p:cNvCxnSpPr>
+          <p:nvPr/>
+        </p:nvCxnSpPr>
+        <p:spPr>
+          <a:xfrm rot="5400000">
+            <a:off x="1048083" y="3264636"/>
+            <a:ext cx="183971" cy="439"/>
+          </a:xfrm>
+          <a:prstGeom prst="bentConnector3">
+            <a:avLst>
+              <a:gd name="adj1" fmla="val 50000"/>
+            </a:avLst>
+          </a:prstGeom>
+          <a:ln w="12700">
+            <a:solidFill>
+              <a:schemeClr val="tx1"/>
+            </a:solidFill>
+          </a:ln>
+        </p:spPr>
+        <p:style>
+          <a:lnRef idx="1">
+            <a:schemeClr val="accent1"/>
+          </a:lnRef>
+          <a:fillRef idx="0">
+            <a:schemeClr val="accent1"/>
+          </a:fillRef>
+          <a:effectRef idx="0">
+            <a:schemeClr val="accent1"/>
+          </a:effectRef>
+          <a:fontRef idx="minor">
+            <a:schemeClr val="tx1"/>
+          </a:fontRef>
+        </p:style>
+      </p:cxnSp>
+      <p:cxnSp>
+        <p:nvCxnSpPr>
+          <p:cNvPr id="132" name="Conector angular 131"/>
+          <p:cNvCxnSpPr>
+            <a:endCxn id="5" idx="0"/>
+          </p:cNvCxnSpPr>
+          <p:nvPr/>
+        </p:nvCxnSpPr>
+        <p:spPr>
+          <a:xfrm rot="16200000" flipH="1">
+            <a:off x="1104931" y="1113212"/>
+            <a:ext cx="65734" cy="1157"/>
+          </a:xfrm>
+          <a:prstGeom prst="bentConnector3">
+            <a:avLst>
+              <a:gd name="adj1" fmla="val 50000"/>
+            </a:avLst>
+          </a:prstGeom>
+          <a:ln w="12700">
+            <a:solidFill>
+              <a:schemeClr val="tx1"/>
+            </a:solidFill>
+          </a:ln>
+        </p:spPr>
+        <p:style>
+          <a:lnRef idx="1">
+            <a:schemeClr val="accent1"/>
+          </a:lnRef>
+          <a:fillRef idx="0">
+            <a:schemeClr val="accent1"/>
+          </a:fillRef>
+          <a:effectRef idx="0">
+            <a:schemeClr val="accent1"/>
+          </a:effectRef>
+          <a:fontRef idx="minor">
+            <a:schemeClr val="tx1"/>
+          </a:fontRef>
+        </p:style>
+      </p:cxnSp>
+      <p:cxnSp>
+        <p:nvCxnSpPr>
+          <p:cNvPr id="336" name="Conector angular 335"/>
+          <p:cNvCxnSpPr>
+            <a:endCxn id="419" idx="0"/>
+          </p:cNvCxnSpPr>
+          <p:nvPr/>
+        </p:nvCxnSpPr>
+        <p:spPr>
+          <a:xfrm>
+            <a:off x="4990533" y="1014011"/>
+            <a:ext cx="1842378" cy="132648"/>
+          </a:xfrm>
+          <a:prstGeom prst="bentConnector2">
+            <a:avLst/>
+          </a:prstGeom>
+          <a:ln w="12700">
+            <a:solidFill>
+              <a:schemeClr val="tx1"/>
+            </a:solidFill>
+          </a:ln>
+        </p:spPr>
+        <p:style>
+          <a:lnRef idx="1">
+            <a:schemeClr val="accent1"/>
+          </a:lnRef>
+          <a:fillRef idx="0">
+            <a:schemeClr val="accent1"/>
+          </a:fillRef>
+          <a:effectRef idx="0">
+            <a:schemeClr val="accent1"/>
+          </a:effectRef>
+          <a:fontRef idx="minor">
+            <a:schemeClr val="tx1"/>
+          </a:fontRef>
+        </p:style>
+      </p:cxnSp>
+      <p:sp>
+        <p:nvSpPr>
+          <p:cNvPr id="113" name="CuadroTexto 112" descr="Conector entre nodos" title="conector"/>
+          <p:cNvSpPr txBox="1"/>
+          <p:nvPr/>
+        </p:nvSpPr>
+        <p:spPr>
+          <a:xfrm>
+            <a:off x="3043761" y="714847"/>
+            <a:ext cx="1122431" cy="230832"/>
+          </a:xfrm>
+          <a:prstGeom prst="rect">
+            <a:avLst/>
+          </a:prstGeom>
+          <a:noFill/>
+        </p:spPr>
+        <p:txBody>
+          <a:bodyPr wrap="square" rtlCol="0">
+            <a:spAutoFit/>
+          </a:bodyPr>
+          <a:lstStyle/>
+          <a:p>
+            <a:pPr algn="ctr"/>
+            <a:r>
+              <a:rPr lang="es-ES" sz="900" dirty="0" smtClean="0">
+                <a:latin typeface="Arial" panose="020B0604020202020204" pitchFamily="34" charset="0"/>
+                <a:cs typeface="Arial" panose="020B0604020202020204" pitchFamily="34" charset="0"/>
+              </a:rPr>
+              <a:t>se definen</a:t>
+            </a:r>
+            <a:endParaRPr lang="es-ES" sz="900" dirty="0">
+              <a:latin typeface="Arial" panose="020B0604020202020204" pitchFamily="34" charset="0"/>
+              <a:cs typeface="Arial" panose="020B0604020202020204" pitchFamily="34" charset="0"/>
+            </a:endParaRPr>
+          </a:p>
+        </p:txBody>
+      </p:sp>
+      <mc:AlternateContent xmlns:mc="http://schemas.openxmlformats.org/markup-compatibility/2006" xmlns:a14="http://schemas.microsoft.com/office/drawing/2010/main">
+        <mc:Choice Requires="a14">
+          <p:sp>
+            <p:nvSpPr>
+              <p:cNvPr id="135" name="Rectángulo 134" descr="Nodo de cuarto nivel&#10;" title="Nodo04"/>
+              <p:cNvSpPr/>
+              <p:nvPr/>
+            </p:nvSpPr>
+            <p:spPr>
+              <a:xfrm>
+                <a:off x="217287" y="4532136"/>
+                <a:ext cx="966151" cy="362108"/>
+              </a:xfrm>
+              <a:prstGeom prst="rect">
+                <a:avLst/>
+              </a:prstGeom>
+              <a:solidFill>
+                <a:schemeClr val="bg1"/>
+              </a:solidFill>
+              <a:ln>
+                <a:solidFill>
+                  <a:schemeClr val="tx1"/>
+                </a:solidFill>
+              </a:ln>
+            </p:spPr>
+            <p:style>
+              <a:lnRef idx="2">
+                <a:schemeClr val="accent6"/>
+              </a:lnRef>
+              <a:fillRef idx="1">
+                <a:schemeClr val="lt1"/>
+              </a:fillRef>
+              <a:effectRef idx="0">
+                <a:schemeClr val="accent6"/>
+              </a:effectRef>
+              <a:fontRef idx="minor">
+                <a:schemeClr val="dk1"/>
+              </a:fontRef>
+            </p:style>
+            <p:txBody>
+              <a:bodyPr rtlCol="0" anchor="ctr"/>
+              <a:lstStyle/>
+              <a:p>
+                <a:pPr algn="ctr"/>
+                <a:endParaRPr lang="es-ES" sz="900" dirty="0" smtClean="0">
+                  <a:solidFill>
+                    <a:schemeClr val="tx1"/>
+                  </a:solidFill>
+                  <a:latin typeface="Arial" panose="020B0604020202020204" pitchFamily="34" charset="0"/>
+                  <a:cs typeface="Arial" panose="020B0604020202020204" pitchFamily="34" charset="0"/>
+                </a:endParaRPr>
+              </a:p>
+              <a:p>
+                <a:pPr algn="ctr"/>
+                <a:endParaRPr lang="es-ES" sz="900" dirty="0" smtClean="0">
+                  <a:solidFill>
+                    <a:schemeClr val="tx1"/>
+                  </a:solidFill>
+                  <a:latin typeface="Arial" panose="020B0604020202020204" pitchFamily="34" charset="0"/>
+                  <a:cs typeface="Arial" panose="020B0604020202020204" pitchFamily="34" charset="0"/>
+                </a:endParaRPr>
+              </a:p>
+              <a:p>
+                <a:pPr algn="ctr"/>
+                <a:endParaRPr lang="es-ES" sz="900" dirty="0" smtClean="0">
+                  <a:solidFill>
+                    <a:schemeClr val="tx1"/>
+                  </a:solidFill>
+                  <a:latin typeface="Arial" panose="020B0604020202020204" pitchFamily="34" charset="0"/>
+                  <a:cs typeface="Arial" panose="020B0604020202020204" pitchFamily="34" charset="0"/>
+                </a:endParaRPr>
+              </a:p>
+              <a:p>
+                <a:pPr algn="ctr"/>
+                <a:endParaRPr lang="es-ES" sz="800" dirty="0" smtClean="0">
+                  <a:solidFill>
+                    <a:schemeClr val="tx1"/>
+                  </a:solidFill>
+                  <a:latin typeface="Arial" panose="020B0604020202020204" pitchFamily="34" charset="0"/>
+                  <a:cs typeface="Arial" panose="020B0604020202020204" pitchFamily="34" charset="0"/>
+                </a:endParaRPr>
+              </a:p>
+              <a:p>
+                <a:pPr algn="ctr"/>
+                <a:r>
+                  <a:rPr lang="es-ES" sz="800" dirty="0" err="1" smtClean="0">
+                    <a:solidFill>
+                      <a:schemeClr val="tx1"/>
+                    </a:solidFill>
+                    <a:latin typeface="Arial" panose="020B0604020202020204" pitchFamily="34" charset="0"/>
+                    <a:cs typeface="Arial" panose="020B0604020202020204" pitchFamily="34" charset="0"/>
+                  </a:rPr>
+                  <a:t>clausurativa</a:t>
+                </a:r>
+                <a:endParaRPr lang="es-ES" sz="800" dirty="0" smtClean="0">
+                  <a:solidFill>
+                    <a:schemeClr val="tx1"/>
+                  </a:solidFill>
+                  <a:latin typeface="Arial" panose="020B0604020202020204" pitchFamily="34" charset="0"/>
+                  <a:cs typeface="Arial" panose="020B0604020202020204" pitchFamily="34" charset="0"/>
+                </a:endParaRPr>
+              </a:p>
+              <a:p>
+                <a:pPr algn="ctr"/>
+                <a:r>
+                  <a:rPr lang="es-ES" sz="800" i="1" dirty="0" smtClean="0">
+                    <a:solidFill>
+                      <a:schemeClr val="tx1"/>
+                    </a:solidFill>
+                    <a:latin typeface="Arial" panose="020B0604020202020204" pitchFamily="34" charset="0"/>
+                    <a:cs typeface="Arial" panose="020B0604020202020204" pitchFamily="34" charset="0"/>
+                  </a:rPr>
+                  <a:t>m</a:t>
+                </a:r>
+                <a:r>
+                  <a:rPr lang="es-ES" sz="800" dirty="0" smtClean="0">
+                    <a:solidFill>
+                      <a:schemeClr val="tx1"/>
+                    </a:solidFill>
+                    <a:latin typeface="Arial" panose="020B0604020202020204" pitchFamily="34" charset="0"/>
+                    <a:cs typeface="Arial" panose="020B0604020202020204" pitchFamily="34" charset="0"/>
+                  </a:rPr>
+                  <a:t> + </a:t>
+                </a:r>
+                <a:r>
+                  <a:rPr lang="es-ES" sz="800" i="1" dirty="0" smtClean="0">
+                    <a:solidFill>
+                      <a:schemeClr val="tx1"/>
+                    </a:solidFill>
+                    <a:latin typeface="Arial" panose="020B0604020202020204" pitchFamily="34" charset="0"/>
+                    <a:cs typeface="Arial" panose="020B0604020202020204" pitchFamily="34" charset="0"/>
+                  </a:rPr>
+                  <a:t>n</a:t>
+                </a:r>
+                <a:r>
+                  <a:rPr lang="es-ES" sz="800" dirty="0" smtClean="0">
+                    <a:solidFill>
+                      <a:schemeClr val="tx1"/>
+                    </a:solidFill>
+                    <a:latin typeface="Arial" panose="020B0604020202020204" pitchFamily="34" charset="0"/>
+                    <a:cs typeface="Arial" panose="020B0604020202020204" pitchFamily="34" charset="0"/>
+                  </a:rPr>
+                  <a:t> = </a:t>
+                </a:r>
+                <a:r>
+                  <a:rPr lang="es-ES" sz="800" i="1" dirty="0" smtClean="0">
+                    <a:solidFill>
+                      <a:schemeClr val="tx1"/>
+                    </a:solidFill>
+                    <a:latin typeface="Arial" panose="020B0604020202020204" pitchFamily="34" charset="0"/>
+                    <a:cs typeface="Arial" panose="020B0604020202020204" pitchFamily="34" charset="0"/>
+                  </a:rPr>
+                  <a:t>k</a:t>
+                </a:r>
+                <a:r>
+                  <a:rPr lang="es-ES" sz="800" dirty="0" smtClean="0">
+                    <a:solidFill>
+                      <a:schemeClr val="tx1"/>
+                    </a:solidFill>
+                    <a:latin typeface="Arial" panose="020B0604020202020204" pitchFamily="34" charset="0"/>
+                    <a:cs typeface="Arial" panose="020B0604020202020204" pitchFamily="34" charset="0"/>
+                  </a:rPr>
+                  <a:t>; </a:t>
+                </a:r>
+                <a:r>
+                  <a:rPr lang="es-ES" sz="800" i="1" dirty="0" smtClean="0">
+                    <a:solidFill>
+                      <a:schemeClr val="tx1"/>
+                    </a:solidFill>
+                    <a:latin typeface="Arial" panose="020B0604020202020204" pitchFamily="34" charset="0"/>
+                    <a:cs typeface="Arial" panose="020B0604020202020204" pitchFamily="34" charset="0"/>
+                  </a:rPr>
+                  <a:t>k</a:t>
+                </a:r>
+                <a:r>
+                  <a:rPr lang="es-ES" sz="800" dirty="0" smtClean="0">
+                    <a:solidFill>
+                      <a:schemeClr val="tx1"/>
+                    </a:solidFill>
+                    <a:latin typeface="Arial" panose="020B0604020202020204" pitchFamily="34" charset="0"/>
+                    <a:cs typeface="Arial" panose="020B0604020202020204" pitchFamily="34" charset="0"/>
+                  </a:rPr>
+                  <a:t> </a:t>
+                </a:r>
+                <a14:m>
+                  <m:oMath xmlns:m="http://schemas.openxmlformats.org/officeDocument/2006/math">
+                    <m:r>
+                      <a:rPr lang="es-ES" sz="800" i="1">
+                        <a:solidFill>
+                          <a:schemeClr val="tx1"/>
+                        </a:solidFill>
+                        <a:latin typeface="Cambria Math" panose="02040503050406030204" pitchFamily="18" charset="0"/>
+                        <a:ea typeface="Cambria Math" panose="02040503050406030204" pitchFamily="18" charset="0"/>
+                        <a:cs typeface="Arial" panose="020B0604020202020204" pitchFamily="34" charset="0"/>
+                      </a:rPr>
+                      <m:t>∈</m:t>
+                    </m:r>
+                    <m:r>
+                      <a:rPr lang="es-CO" sz="800" i="1">
+                        <a:solidFill>
+                          <a:schemeClr val="tx1"/>
+                        </a:solidFill>
+                        <a:latin typeface="Cambria Math" panose="02040503050406030204" pitchFamily="18" charset="0"/>
+                        <a:ea typeface="Cambria Math" panose="02040503050406030204" pitchFamily="18" charset="0"/>
+                        <a:cs typeface="Arial" panose="020B0604020202020204" pitchFamily="34" charset="0"/>
+                      </a:rPr>
+                      <m:t> </m:t>
+                    </m:r>
+                    <m:r>
+                      <a:rPr lang="es-ES" sz="800" i="1">
+                        <a:solidFill>
+                          <a:schemeClr val="tx1"/>
+                        </a:solidFill>
+                        <a:latin typeface="Cambria Math" panose="02040503050406030204" pitchFamily="18" charset="0"/>
+                        <a:ea typeface="Cambria Math" panose="02040503050406030204" pitchFamily="18" charset="0"/>
+                        <a:cs typeface="Arial" panose="020B0604020202020204" pitchFamily="34" charset="0"/>
+                      </a:rPr>
+                      <m:t>ℕ</m:t>
+                    </m:r>
+                  </m:oMath>
+                </a14:m>
+                <a:endParaRPr lang="es-ES" sz="800" dirty="0">
+                  <a:solidFill>
+                    <a:schemeClr val="tx1"/>
+                  </a:solidFill>
+                  <a:latin typeface="Arial" panose="020B0604020202020204" pitchFamily="34" charset="0"/>
+                  <a:cs typeface="Arial" panose="020B0604020202020204" pitchFamily="34" charset="0"/>
+                </a:endParaRPr>
+              </a:p>
+              <a:p>
+                <a:pPr algn="ctr"/>
+                <a:endParaRPr lang="es-ES" sz="900" dirty="0" smtClean="0">
+                  <a:solidFill>
+                    <a:schemeClr val="tx1"/>
+                  </a:solidFill>
+                  <a:latin typeface="Arial" panose="020B0604020202020204" pitchFamily="34" charset="0"/>
+                  <a:cs typeface="Arial" panose="020B0604020202020204" pitchFamily="34" charset="0"/>
+                </a:endParaRPr>
+              </a:p>
+              <a:p>
+                <a:pPr algn="ctr"/>
+                <a:r>
+                  <a:rPr lang="es-ES" sz="900" dirty="0" smtClean="0">
+                    <a:solidFill>
+                      <a:schemeClr val="tx1"/>
+                    </a:solidFill>
+                    <a:latin typeface="Arial" panose="020B0604020202020204" pitchFamily="34" charset="0"/>
+                    <a:cs typeface="Arial" panose="020B0604020202020204" pitchFamily="34" charset="0"/>
+                  </a:rPr>
+                  <a:t> </a:t>
+                </a:r>
+              </a:p>
+              <a:p>
+                <a:pPr algn="ctr"/>
+                <a:endParaRPr lang="es-ES" sz="900" dirty="0">
+                  <a:solidFill>
+                    <a:schemeClr val="tx1"/>
+                  </a:solidFill>
+                  <a:latin typeface="Arial" panose="020B0604020202020204" pitchFamily="34" charset="0"/>
+                  <a:cs typeface="Arial" panose="020B0604020202020204" pitchFamily="34" charset="0"/>
+                </a:endParaRPr>
+              </a:p>
+              <a:p>
+                <a:pPr algn="ctr"/>
+                <a:endParaRPr lang="es-ES" sz="900" dirty="0">
+                  <a:solidFill>
+                    <a:schemeClr val="tx1"/>
+                  </a:solidFill>
+                  <a:latin typeface="Arial" panose="020B0604020202020204" pitchFamily="34" charset="0"/>
+                  <a:cs typeface="Arial" panose="020B0604020202020204" pitchFamily="34" charset="0"/>
+                </a:endParaRPr>
+              </a:p>
+            </p:txBody>
+          </p:sp>
+        </mc:Choice>
+        <mc:Fallback xmlns="">
+          <p:sp>
+            <p:nvSpPr>
+              <p:cNvPr id="135" name="Rectángulo 134" descr="Nodo de cuarto nivel&#10;" title="Nodo04"/>
+              <p:cNvSpPr>
+                <a:spLocks noRot="1" noChangeAspect="1" noMove="1" noResize="1" noEditPoints="1" noAdjustHandles="1" noChangeArrowheads="1" noChangeShapeType="1" noTextEdit="1"/>
+              </p:cNvSpPr>
+              <p:nvPr/>
+            </p:nvSpPr>
+            <p:spPr>
+              <a:xfrm>
+                <a:off x="217287" y="4532136"/>
+                <a:ext cx="966151" cy="362108"/>
+              </a:xfrm>
+              <a:prstGeom prst="rect">
+                <a:avLst/>
+              </a:prstGeom>
+              <a:blipFill rotWithShape="0">
+                <a:blip r:embed="rId4"/>
+                <a:stretch>
+                  <a:fillRect/>
+                </a:stretch>
+              </a:blipFill>
+              <a:ln>
+                <a:solidFill>
+                  <a:schemeClr val="tx1"/>
+                </a:solidFill>
+              </a:ln>
+            </p:spPr>
+            <p:txBody>
+              <a:bodyPr/>
+              <a:lstStyle/>
+              <a:p>
+                <a:r>
+                  <a:rPr lang="es-CO">
+                    <a:noFill/>
+                  </a:rPr>
+                  <a:t> </a:t>
+                </a:r>
+              </a:p>
+            </p:txBody>
+          </p:sp>
+        </mc:Fallback>
+      </mc:AlternateContent>
+      <p:sp>
+        <p:nvSpPr>
+          <p:cNvPr id="156" name="Rectángulo 155" descr="Nodo de primer nivel" title="Nodo01"/>
+          <p:cNvSpPr/>
+          <p:nvPr/>
+        </p:nvSpPr>
+        <p:spPr>
+          <a:xfrm>
+            <a:off x="2006454" y="1111403"/>
+            <a:ext cx="1124746" cy="439782"/>
+          </a:xfrm>
+          <a:prstGeom prst="rect">
+            <a:avLst/>
+          </a:prstGeom>
           <a:solidFill>
             <a:schemeClr val="bg1"/>
+          </a:solidFill>
+          <a:ln>
+            <a:solidFill>
+              <a:schemeClr val="tx1"/>
+            </a:solidFill>
+          </a:ln>
+          <a:effectLst>
+            <a:outerShdw blurRad="50800" dist="38100" dir="2700000" algn="tl" rotWithShape="0">
+              <a:prstClr val="black">
+                <a:alpha val="40000"/>
+              </a:prstClr>
+            </a:outerShdw>
+          </a:effectLst>
+        </p:spPr>
+        <p:style>
+          <a:lnRef idx="2">
+            <a:schemeClr val="accent6"/>
+          </a:lnRef>
+          <a:fillRef idx="1">
+            <a:schemeClr val="lt1"/>
+          </a:fillRef>
+          <a:effectRef idx="0">
+            <a:schemeClr val="accent6"/>
+          </a:effectRef>
+          <a:fontRef idx="minor">
+            <a:schemeClr val="dk1"/>
+          </a:fontRef>
+        </p:style>
+        <p:txBody>
+          <a:bodyPr rtlCol="0" anchor="ctr"/>
+          <a:lstStyle/>
+          <a:p>
+            <a:pPr algn="ctr"/>
+            <a:r>
+              <a:rPr lang="es-ES" sz="1200" b="1" dirty="0" smtClean="0">
+                <a:latin typeface="Arial" panose="020B0604020202020204" pitchFamily="34" charset="0"/>
+                <a:cs typeface="Arial" panose="020B0604020202020204" pitchFamily="34" charset="0"/>
+              </a:rPr>
+              <a:t>Sustracción</a:t>
+            </a:r>
+            <a:endParaRPr lang="es-ES" sz="1200" b="1" dirty="0">
+              <a:latin typeface="Arial" panose="020B0604020202020204" pitchFamily="34" charset="0"/>
+              <a:cs typeface="Arial" panose="020B0604020202020204" pitchFamily="34" charset="0"/>
+            </a:endParaRPr>
+          </a:p>
+        </p:txBody>
+      </p:sp>
+      <p:sp>
+        <p:nvSpPr>
+          <p:cNvPr id="157" name="CuadroTexto 156" descr="Conector entre nodos" title="conector"/>
+          <p:cNvSpPr txBox="1"/>
+          <p:nvPr/>
+        </p:nvSpPr>
+        <p:spPr>
+          <a:xfrm>
+            <a:off x="1990998" y="1681658"/>
+            <a:ext cx="1122431" cy="230832"/>
+          </a:xfrm>
+          <a:prstGeom prst="rect">
+            <a:avLst/>
+          </a:prstGeom>
+          <a:noFill/>
+        </p:spPr>
+        <p:txBody>
+          <a:bodyPr wrap="square" rtlCol="0">
+            <a:spAutoFit/>
+          </a:bodyPr>
+          <a:lstStyle/>
+          <a:p>
+            <a:pPr algn="ctr"/>
+            <a:r>
+              <a:rPr lang="es-ES" sz="900" dirty="0">
+                <a:latin typeface="Arial" panose="020B0604020202020204" pitchFamily="34" charset="0"/>
+                <a:cs typeface="Arial" panose="020B0604020202020204" pitchFamily="34" charset="0"/>
+              </a:rPr>
+              <a:t>d</a:t>
+            </a:r>
+            <a:r>
+              <a:rPr lang="es-ES" sz="900" dirty="0" smtClean="0">
+                <a:latin typeface="Arial" panose="020B0604020202020204" pitchFamily="34" charset="0"/>
+                <a:cs typeface="Arial" panose="020B0604020202020204" pitchFamily="34" charset="0"/>
+              </a:rPr>
+              <a:t>efinida así</a:t>
+            </a:r>
+            <a:endParaRPr lang="es-ES" sz="900" dirty="0">
+              <a:latin typeface="Arial" panose="020B0604020202020204" pitchFamily="34" charset="0"/>
+              <a:cs typeface="Arial" panose="020B0604020202020204" pitchFamily="34" charset="0"/>
+            </a:endParaRPr>
+          </a:p>
+        </p:txBody>
+      </p:sp>
+      <p:cxnSp>
+        <p:nvCxnSpPr>
+          <p:cNvPr id="158" name="Conector angular 157"/>
+          <p:cNvCxnSpPr>
+            <a:stCxn id="156" idx="2"/>
+            <a:endCxn id="157" idx="0"/>
+          </p:cNvCxnSpPr>
+          <p:nvPr/>
+        </p:nvCxnSpPr>
+        <p:spPr>
+          <a:xfrm rot="5400000">
+            <a:off x="2495285" y="1608115"/>
+            <a:ext cx="130473" cy="16613"/>
+          </a:xfrm>
+          <a:prstGeom prst="bentConnector3">
+            <a:avLst>
+              <a:gd name="adj1" fmla="val 2548"/>
+            </a:avLst>
+          </a:prstGeom>
+          <a:ln w="12700">
+            <a:solidFill>
+              <a:schemeClr val="tx1"/>
+            </a:solidFill>
+          </a:ln>
+        </p:spPr>
+        <p:style>
+          <a:lnRef idx="1">
+            <a:schemeClr val="accent1"/>
+          </a:lnRef>
+          <a:fillRef idx="0">
+            <a:schemeClr val="accent1"/>
+          </a:fillRef>
+          <a:effectRef idx="0">
+            <a:schemeClr val="accent1"/>
+          </a:effectRef>
+          <a:fontRef idx="minor">
+            <a:schemeClr val="tx1"/>
+          </a:fontRef>
+        </p:style>
+      </p:cxnSp>
+      <p:sp>
+        <p:nvSpPr>
+          <p:cNvPr id="159" name="Rectángulo 158" descr="Nodo de segundo nivel" title="Nodo02"/>
+          <p:cNvSpPr/>
+          <p:nvPr/>
+        </p:nvSpPr>
+        <p:spPr>
+          <a:xfrm>
+            <a:off x="2009067" y="1989589"/>
+            <a:ext cx="1119818" cy="421504"/>
+          </a:xfrm>
+          <a:prstGeom prst="rect">
+            <a:avLst/>
+          </a:prstGeom>
+          <a:solidFill>
+            <a:schemeClr val="bg2">
+              <a:lumMod val="50000"/>
+            </a:schemeClr>
+          </a:solidFill>
+          <a:ln>
+            <a:solidFill>
+              <a:schemeClr val="tx1"/>
+            </a:solidFill>
+          </a:ln>
+        </p:spPr>
+        <p:style>
+          <a:lnRef idx="2">
+            <a:schemeClr val="accent6"/>
+          </a:lnRef>
+          <a:fillRef idx="1">
+            <a:schemeClr val="lt1"/>
+          </a:fillRef>
+          <a:effectRef idx="0">
+            <a:schemeClr val="accent6"/>
+          </a:effectRef>
+          <a:fontRef idx="minor">
+            <a:schemeClr val="dk1"/>
+          </a:fontRef>
+        </p:style>
+        <p:txBody>
+          <a:bodyPr rtlCol="0" anchor="ctr"/>
+          <a:lstStyle/>
+          <a:p>
+            <a:pPr algn="ctr"/>
+            <a:r>
+              <a:rPr lang="es-ES" sz="1000" i="1" dirty="0" smtClean="0">
+                <a:solidFill>
+                  <a:schemeClr val="bg1"/>
+                </a:solidFill>
+                <a:latin typeface="Arial" panose="020B0604020202020204" pitchFamily="34" charset="0"/>
+                <a:cs typeface="Arial" panose="020B0604020202020204" pitchFamily="34" charset="0"/>
+              </a:rPr>
+              <a:t> m  – </a:t>
+            </a:r>
+            <a:r>
+              <a:rPr lang="es-ES" sz="1000" dirty="0" smtClean="0">
+                <a:solidFill>
+                  <a:schemeClr val="bg1"/>
+                </a:solidFill>
+                <a:latin typeface="Arial" panose="020B0604020202020204" pitchFamily="34" charset="0"/>
+                <a:cs typeface="Arial" panose="020B0604020202020204" pitchFamily="34" charset="0"/>
+              </a:rPr>
+              <a:t> </a:t>
+            </a:r>
+            <a:r>
+              <a:rPr lang="es-ES" sz="1000" i="1" dirty="0" smtClean="0">
+                <a:solidFill>
+                  <a:schemeClr val="bg1"/>
+                </a:solidFill>
+                <a:latin typeface="Arial" panose="020B0604020202020204" pitchFamily="34" charset="0"/>
+                <a:cs typeface="Arial" panose="020B0604020202020204" pitchFamily="34" charset="0"/>
+              </a:rPr>
+              <a:t>n</a:t>
+            </a:r>
+          </a:p>
+          <a:p>
+            <a:pPr algn="ctr"/>
+            <a:r>
+              <a:rPr lang="es-ES" sz="1000" dirty="0" smtClean="0">
+                <a:solidFill>
+                  <a:schemeClr val="bg1"/>
+                </a:solidFill>
+                <a:latin typeface="Arial" panose="020B0604020202020204" pitchFamily="34" charset="0"/>
+                <a:cs typeface="Arial" panose="020B0604020202020204" pitchFamily="34" charset="0"/>
+              </a:rPr>
+              <a:t>si </a:t>
+            </a:r>
+            <a:r>
+              <a:rPr lang="es-ES" sz="1000" i="1" dirty="0" smtClean="0">
+                <a:solidFill>
+                  <a:schemeClr val="bg1"/>
+                </a:solidFill>
+                <a:latin typeface="Arial" panose="020B0604020202020204" pitchFamily="34" charset="0"/>
+                <a:cs typeface="Arial" panose="020B0604020202020204" pitchFamily="34" charset="0"/>
+              </a:rPr>
+              <a:t>m</a:t>
+            </a:r>
+            <a:r>
+              <a:rPr lang="es-ES" sz="1000" dirty="0" smtClean="0">
+                <a:solidFill>
+                  <a:schemeClr val="bg1"/>
+                </a:solidFill>
+                <a:latin typeface="Arial" panose="020B0604020202020204" pitchFamily="34" charset="0"/>
+                <a:cs typeface="Arial" panose="020B0604020202020204" pitchFamily="34" charset="0"/>
+              </a:rPr>
+              <a:t> &gt; </a:t>
+            </a:r>
+            <a:r>
+              <a:rPr lang="es-ES" sz="1000" i="1" dirty="0" smtClean="0">
+                <a:solidFill>
+                  <a:schemeClr val="bg1"/>
+                </a:solidFill>
+                <a:latin typeface="Arial" panose="020B0604020202020204" pitchFamily="34" charset="0"/>
+                <a:cs typeface="Arial" panose="020B0604020202020204" pitchFamily="34" charset="0"/>
+              </a:rPr>
+              <a:t>n</a:t>
+            </a:r>
+            <a:endParaRPr lang="es-ES" sz="1000" i="1" dirty="0">
+              <a:solidFill>
+                <a:schemeClr val="bg1"/>
+              </a:solidFill>
+              <a:latin typeface="Arial" panose="020B0604020202020204" pitchFamily="34" charset="0"/>
+              <a:cs typeface="Arial" panose="020B0604020202020204" pitchFamily="34" charset="0"/>
+            </a:endParaRPr>
+          </a:p>
+        </p:txBody>
+      </p:sp>
+      <p:cxnSp>
+        <p:nvCxnSpPr>
+          <p:cNvPr id="160" name="Conector angular 159"/>
+          <p:cNvCxnSpPr/>
+          <p:nvPr/>
+        </p:nvCxnSpPr>
+        <p:spPr>
+          <a:xfrm rot="5400000">
+            <a:off x="2480698" y="1924033"/>
+            <a:ext cx="143029" cy="1"/>
+          </a:xfrm>
+          <a:prstGeom prst="bentConnector3">
+            <a:avLst>
+              <a:gd name="adj1" fmla="val 50000"/>
+            </a:avLst>
+          </a:prstGeom>
+          <a:ln w="12700">
+            <a:solidFill>
+              <a:schemeClr val="tx1"/>
+            </a:solidFill>
+          </a:ln>
+        </p:spPr>
+        <p:style>
+          <a:lnRef idx="1">
+            <a:schemeClr val="accent1"/>
+          </a:lnRef>
+          <a:fillRef idx="0">
+            <a:schemeClr val="accent1"/>
+          </a:fillRef>
+          <a:effectRef idx="0">
+            <a:schemeClr val="accent1"/>
+          </a:effectRef>
+          <a:fontRef idx="minor">
+            <a:schemeClr val="tx1"/>
+          </a:fontRef>
+        </p:style>
+      </p:cxnSp>
+      <p:sp>
+        <p:nvSpPr>
+          <p:cNvPr id="161" name="CuadroTexto 160" descr="Conector entre nodos" title="conector"/>
+          <p:cNvSpPr txBox="1"/>
+          <p:nvPr/>
+        </p:nvSpPr>
+        <p:spPr>
+          <a:xfrm>
+            <a:off x="1993625" y="2495172"/>
+            <a:ext cx="1117174" cy="230836"/>
+          </a:xfrm>
+          <a:prstGeom prst="rect">
+            <a:avLst/>
+          </a:prstGeom>
+          <a:noFill/>
+        </p:spPr>
+        <p:txBody>
+          <a:bodyPr wrap="square" rtlCol="0">
+            <a:spAutoFit/>
+          </a:bodyPr>
+          <a:lstStyle/>
+          <a:p>
+            <a:pPr algn="ctr"/>
+            <a:r>
+              <a:rPr lang="es-ES" sz="900" dirty="0" smtClean="0">
+                <a:latin typeface="Arial" panose="020B0604020202020204" pitchFamily="34" charset="0"/>
+                <a:cs typeface="Arial" panose="020B0604020202020204" pitchFamily="34" charset="0"/>
+              </a:rPr>
+              <a:t>sus términos son</a:t>
+            </a:r>
+            <a:endParaRPr lang="es-ES" sz="900" dirty="0">
+              <a:latin typeface="Arial" panose="020B0604020202020204" pitchFamily="34" charset="0"/>
+              <a:cs typeface="Arial" panose="020B0604020202020204" pitchFamily="34" charset="0"/>
+            </a:endParaRPr>
+          </a:p>
+        </p:txBody>
+      </p:sp>
+      <p:cxnSp>
+        <p:nvCxnSpPr>
+          <p:cNvPr id="162" name="Conector angular 161"/>
+          <p:cNvCxnSpPr/>
+          <p:nvPr/>
+        </p:nvCxnSpPr>
+        <p:spPr>
+          <a:xfrm rot="16200000" flipH="1">
+            <a:off x="2530275" y="2466769"/>
+            <a:ext cx="78992" cy="1589"/>
+          </a:xfrm>
+          <a:prstGeom prst="bentConnector3">
+            <a:avLst>
+              <a:gd name="adj1" fmla="val 134407"/>
+            </a:avLst>
+          </a:prstGeom>
+          <a:ln w="12700">
+            <a:solidFill>
+              <a:schemeClr val="tx1"/>
+            </a:solidFill>
+          </a:ln>
+        </p:spPr>
+        <p:style>
+          <a:lnRef idx="1">
+            <a:schemeClr val="accent1"/>
+          </a:lnRef>
+          <a:fillRef idx="0">
+            <a:schemeClr val="accent1"/>
+          </a:fillRef>
+          <a:effectRef idx="0">
+            <a:schemeClr val="accent1"/>
+          </a:effectRef>
+          <a:fontRef idx="minor">
+            <a:schemeClr val="tx1"/>
+          </a:fontRef>
+        </p:style>
+      </p:cxnSp>
+      <p:sp>
+        <p:nvSpPr>
+          <p:cNvPr id="163" name="Rectángulo 162" descr="Nodo de tercer nivel" title="Nodo03"/>
+          <p:cNvSpPr/>
+          <p:nvPr/>
+        </p:nvSpPr>
+        <p:spPr>
+          <a:xfrm>
+            <a:off x="1999305" y="2828716"/>
+            <a:ext cx="1155365" cy="408903"/>
+          </a:xfrm>
+          <a:prstGeom prst="rect">
+            <a:avLst/>
+          </a:prstGeom>
+          <a:solidFill>
+            <a:schemeClr val="bg2">
+              <a:lumMod val="90000"/>
+            </a:schemeClr>
           </a:solidFill>
           <a:ln>
             <a:solidFill>
@@ -2618,153 +2974,35 @@
                 <a:solidFill>
                   <a:schemeClr val="tx1"/>
                 </a:solidFill>
+                <a:latin typeface="Arial" panose="020B0604020202020204" pitchFamily="34" charset="0"/>
+                <a:cs typeface="Arial" panose="020B0604020202020204" pitchFamily="34" charset="0"/>
               </a:rPr>
-              <a:t>Exacta</a:t>
+              <a:t>minuendo, sustraendo y diferencia</a:t>
             </a:r>
             <a:endParaRPr lang="es-ES" sz="900" dirty="0">
               <a:solidFill>
                 <a:schemeClr val="tx1"/>
               </a:solidFill>
+              <a:latin typeface="Arial" panose="020B0604020202020204" pitchFamily="34" charset="0"/>
+              <a:cs typeface="Arial" panose="020B0604020202020204" pitchFamily="34" charset="0"/>
             </a:endParaRPr>
-          </a:p>
-        </p:txBody>
-      </p:sp>
-      <p:sp>
-        <p:nvSpPr>
-          <p:cNvPr id="346" name="CuadroTexto 345" descr="Conector entre nodos" title="conector"/>
-          <p:cNvSpPr txBox="1"/>
-          <p:nvPr/>
-        </p:nvSpPr>
-        <p:spPr>
-          <a:xfrm>
-            <a:off x="7353036" y="3297504"/>
-            <a:ext cx="1117174" cy="230832"/>
-          </a:xfrm>
-          <a:prstGeom prst="rect">
-            <a:avLst/>
-          </a:prstGeom>
-          <a:noFill/>
-        </p:spPr>
-        <p:txBody>
-          <a:bodyPr wrap="square" rtlCol="0">
-            <a:spAutoFit/>
-          </a:bodyPr>
-          <a:lstStyle/>
-          <a:p>
-            <a:pPr algn="ctr"/>
-            <a:r>
-              <a:rPr lang="en-US" sz="900" dirty="0"/>
-              <a:t>p</a:t>
-            </a:r>
-            <a:r>
-              <a:rPr lang="es-ES" sz="900" dirty="0" err="1" smtClean="0"/>
-              <a:t>uede</a:t>
-            </a:r>
-            <a:r>
-              <a:rPr lang="es-ES" sz="900" dirty="0" smtClean="0"/>
-              <a:t> ser</a:t>
-            </a:r>
-            <a:endParaRPr lang="es-ES" sz="900" dirty="0"/>
           </a:p>
         </p:txBody>
       </p:sp>
       <p:cxnSp>
         <p:nvCxnSpPr>
-          <p:cNvPr id="347" name="Conector angular 346"/>
-          <p:cNvCxnSpPr>
-            <a:stCxn id="341" idx="2"/>
-            <a:endCxn id="343" idx="0"/>
-          </p:cNvCxnSpPr>
+          <p:cNvPr id="169" name="Conector angular 168"/>
+          <p:cNvCxnSpPr/>
           <p:nvPr/>
         </p:nvCxnSpPr>
         <p:spPr>
-          <a:xfrm rot="16200000" flipH="1">
-            <a:off x="7840546" y="2745434"/>
-            <a:ext cx="143029" cy="877"/>
+          <a:xfrm rot="5400000">
+            <a:off x="2532170" y="1074743"/>
+            <a:ext cx="73317" cy="3"/>
           </a:xfrm>
           <a:prstGeom prst="bentConnector3">
             <a:avLst>
-              <a:gd name="adj1" fmla="val 50000"/>
-            </a:avLst>
-          </a:prstGeom>
-          <a:ln w="12700">
-            <a:solidFill>
-              <a:schemeClr val="tx1"/>
-            </a:solidFill>
-          </a:ln>
-        </p:spPr>
-        <p:style>
-          <a:lnRef idx="1">
-            <a:schemeClr val="accent1"/>
-          </a:lnRef>
-          <a:fillRef idx="0">
-            <a:schemeClr val="accent1"/>
-          </a:fillRef>
-          <a:effectRef idx="0">
-            <a:schemeClr val="accent1"/>
-          </a:effectRef>
-          <a:fontRef idx="minor">
-            <a:schemeClr val="tx1"/>
-          </a:fontRef>
-        </p:style>
-      </p:cxnSp>
-      <p:cxnSp>
-        <p:nvCxnSpPr>
-          <p:cNvPr id="348" name="Conector angular 347"/>
-          <p:cNvCxnSpPr>
-            <a:stCxn id="343" idx="2"/>
-            <a:endCxn id="346" idx="0"/>
-          </p:cNvCxnSpPr>
-          <p:nvPr/>
-        </p:nvCxnSpPr>
-        <p:spPr>
-          <a:xfrm rot="5400000">
-            <a:off x="7843724" y="3228728"/>
-            <a:ext cx="136675" cy="876"/>
-          </a:xfrm>
-          <a:prstGeom prst="bentConnector3">
-            <a:avLst>
-              <a:gd name="adj1" fmla="val 50000"/>
-            </a:avLst>
-          </a:prstGeom>
-          <a:ln w="12700">
-            <a:solidFill>
-              <a:schemeClr val="tx1"/>
-            </a:solidFill>
-          </a:ln>
-        </p:spPr>
-        <p:style>
-          <a:lnRef idx="1">
-            <a:schemeClr val="accent1"/>
-          </a:lnRef>
-          <a:fillRef idx="0">
-            <a:schemeClr val="accent1"/>
-          </a:fillRef>
-          <a:effectRef idx="0">
-            <a:schemeClr val="accent1"/>
-          </a:effectRef>
-          <a:fontRef idx="minor">
-            <a:schemeClr val="tx1"/>
-          </a:fontRef>
-        </p:style>
-      </p:cxnSp>
-      <p:cxnSp>
-        <p:nvCxnSpPr>
-          <p:cNvPr id="349" name="Conector angular 348"/>
-          <p:cNvCxnSpPr>
-            <a:stCxn id="346" idx="2"/>
-            <a:endCxn id="344" idx="0"/>
-          </p:cNvCxnSpPr>
-          <p:nvPr/>
-        </p:nvCxnSpPr>
-        <p:spPr>
-          <a:xfrm rot="5400000">
-            <a:off x="7471667" y="3232564"/>
-            <a:ext cx="144184" cy="735729"/>
-          </a:xfrm>
-          <a:prstGeom prst="bentConnector3">
-            <a:avLst>
-              <a:gd name="adj1" fmla="val 50000"/>
+              <a:gd name="adj1" fmla="val -8461"/>
             </a:avLst>
           </a:prstGeom>
           <a:ln w="12700">
@@ -2790,83 +3028,13 @@
       </p:cxnSp>
       <p:sp>
         <p:nvSpPr>
-          <p:cNvPr id="125" name="CuadroTexto 217" descr="Conector entre nodos" title="conector"/>
-          <p:cNvSpPr txBox="1"/>
+          <p:cNvPr id="277" name="Rectángulo 276" descr="Nodo de primer nivel" title="Nodo01"/>
+          <p:cNvSpPr/>
           <p:nvPr/>
         </p:nvSpPr>
         <p:spPr>
           <a:xfrm>
-            <a:off x="4183745" y="522978"/>
-            <a:ext cx="1122431" cy="230832"/>
-          </a:xfrm>
-          <a:prstGeom prst="rect">
-            <a:avLst/>
-          </a:prstGeom>
-          <a:noFill/>
-        </p:spPr>
-        <p:txBody>
-          <a:bodyPr wrap="square" rtlCol="0">
-            <a:spAutoFit/>
-          </a:bodyPr>
-          <a:lstStyle/>
-          <a:p>
-            <a:pPr algn="ctr"/>
-            <a:r>
-              <a:rPr lang="es-ES" sz="900" dirty="0" smtClean="0"/>
-              <a:t>son</a:t>
-            </a:r>
-            <a:endParaRPr lang="es-ES" sz="900" dirty="0"/>
-          </a:p>
-        </p:txBody>
-      </p:sp>
-      <p:cxnSp>
-        <p:nvCxnSpPr>
-          <p:cNvPr id="126" name="Conector angular 218"/>
-          <p:cNvCxnSpPr>
-            <a:endCxn id="125" idx="0"/>
-          </p:cNvCxnSpPr>
-          <p:nvPr/>
-        </p:nvCxnSpPr>
-        <p:spPr>
-          <a:xfrm rot="16200000" flipH="1">
-            <a:off x="4700997" y="479013"/>
-            <a:ext cx="85581" cy="2348"/>
-          </a:xfrm>
-          <a:prstGeom prst="bentConnector3">
-            <a:avLst>
-              <a:gd name="adj1" fmla="val 50000"/>
-            </a:avLst>
-          </a:prstGeom>
-          <a:ln w="12700">
-            <a:solidFill>
-              <a:schemeClr val="tx1"/>
-            </a:solidFill>
-          </a:ln>
-        </p:spPr>
-        <p:style>
-          <a:lnRef idx="1">
-            <a:schemeClr val="accent1"/>
-          </a:lnRef>
-          <a:fillRef idx="0">
-            <a:schemeClr val="accent1"/>
-          </a:fillRef>
-          <a:effectRef idx="0">
-            <a:schemeClr val="accent1"/>
-          </a:effectRef>
-          <a:fontRef idx="minor">
-            <a:schemeClr val="tx1"/>
-          </a:fontRef>
-        </p:style>
-      </p:cxnSp>
-      <p:sp>
-        <p:nvSpPr>
-          <p:cNvPr id="127" name="Rectángulo 334" descr="Nodo de primer nivel" title="Nodo01"/>
-          <p:cNvSpPr/>
-          <p:nvPr/>
-        </p:nvSpPr>
-        <p:spPr>
-          <a:xfrm>
-            <a:off x="2703304" y="1082053"/>
+            <a:off x="3986410" y="1121190"/>
             <a:ext cx="1124746" cy="439782"/>
           </a:xfrm>
           <a:prstGeom prst="rect">
@@ -2908,26 +3076,28 @@
           <a:p>
             <a:pPr algn="ctr"/>
             <a:r>
-              <a:rPr lang="es-ES" sz="1200" b="1" dirty="0" smtClean="0"/>
-              <a:t>Sustracci</a:t>
+              <a:rPr lang="es-ES" sz="1100" b="1" dirty="0" smtClean="0">
+                <a:latin typeface="Arial" panose="020B0604020202020204" pitchFamily="34" charset="0"/>
+                <a:cs typeface="Arial" panose="020B0604020202020204" pitchFamily="34" charset="0"/>
+              </a:rPr>
+              <a:t>Multiplicación</a:t>
             </a:r>
-            <a:r>
-              <a:rPr lang="es-ES" sz="1200" b="1" dirty="0" smtClean="0"/>
-              <a:t>ón</a:t>
-            </a:r>
-            <a:endParaRPr lang="es-ES" sz="1200" b="1" dirty="0"/>
+            <a:endParaRPr lang="es-ES" sz="1100" b="1" dirty="0">
+              <a:latin typeface="Arial" panose="020B0604020202020204" pitchFamily="34" charset="0"/>
+              <a:cs typeface="Arial" panose="020B0604020202020204" pitchFamily="34" charset="0"/>
+            </a:endParaRPr>
           </a:p>
         </p:txBody>
       </p:sp>
       <p:sp>
         <p:nvSpPr>
-          <p:cNvPr id="128" name="CuadroTexto 336" descr="Conector entre nodos" title="conector"/>
+          <p:cNvPr id="278" name="CuadroTexto 277" descr="Conector entre nodos" title="conector"/>
           <p:cNvSpPr txBox="1"/>
           <p:nvPr/>
         </p:nvSpPr>
         <p:spPr>
           <a:xfrm>
-            <a:off x="2706809" y="1607416"/>
+            <a:off x="3989915" y="1646553"/>
             <a:ext cx="1122431" cy="230832"/>
           </a:xfrm>
           <a:prstGeom prst="rect">
@@ -2943,30 +3113,38 @@
           <a:p>
             <a:pPr algn="ctr"/>
             <a:r>
-              <a:rPr lang="en-US" sz="900" dirty="0"/>
-              <a:t>s</a:t>
+              <a:rPr lang="es-ES" sz="900" dirty="0">
+                <a:latin typeface="Arial" panose="020B0604020202020204" pitchFamily="34" charset="0"/>
+                <a:cs typeface="Arial" panose="020B0604020202020204" pitchFamily="34" charset="0"/>
+              </a:rPr>
+              <a:t>d</a:t>
             </a:r>
             <a:r>
-              <a:rPr lang="es-ES" sz="900" dirty="0" err="1" smtClean="0"/>
-              <a:t>olo</a:t>
+              <a:rPr lang="es-ES" sz="900" dirty="0" smtClean="0">
+                <a:latin typeface="Arial" panose="020B0604020202020204" pitchFamily="34" charset="0"/>
+                <a:cs typeface="Arial" panose="020B0604020202020204" pitchFamily="34" charset="0"/>
+              </a:rPr>
+              <a:t>efinida como</a:t>
             </a:r>
-            <a:r>
-              <a:rPr lang="es-ES" sz="900" dirty="0" smtClean="0"/>
-              <a:t> cumple</a:t>
-            </a:r>
-            <a:endParaRPr lang="es-ES" sz="900" dirty="0"/>
+            <a:endParaRPr lang="es-ES" sz="900" dirty="0">
+              <a:latin typeface="Arial" panose="020B0604020202020204" pitchFamily="34" charset="0"/>
+              <a:cs typeface="Arial" panose="020B0604020202020204" pitchFamily="34" charset="0"/>
+            </a:endParaRPr>
           </a:p>
         </p:txBody>
       </p:sp>
       <p:cxnSp>
         <p:nvCxnSpPr>
-          <p:cNvPr id="129" name="Conector angular 337"/>
-          <p:cNvCxnSpPr/>
+          <p:cNvPr id="279" name="Conector angular 278"/>
+          <p:cNvCxnSpPr>
+            <a:stCxn id="277" idx="2"/>
+            <a:endCxn id="278" idx="0"/>
+          </p:cNvCxnSpPr>
           <p:nvPr/>
         </p:nvCxnSpPr>
         <p:spPr>
           <a:xfrm rot="16200000" flipH="1">
-            <a:off x="3209790" y="1563451"/>
+            <a:off x="4507167" y="1602588"/>
             <a:ext cx="85581" cy="2348"/>
           </a:xfrm>
           <a:prstGeom prst="bentConnector3">
@@ -2995,112 +3173,209 @@
           </a:fontRef>
         </p:style>
       </p:cxnSp>
+      <mc:AlternateContent xmlns:mc="http://schemas.openxmlformats.org/markup-compatibility/2006" xmlns:a14="http://schemas.microsoft.com/office/drawing/2010/main">
+        <mc:Choice Requires="a14">
+          <p:sp>
+            <p:nvSpPr>
+              <p:cNvPr id="294" name="Rectángulo 293" descr="Nodo de segundo nivel" title="Nodo02"/>
+              <p:cNvSpPr/>
+              <p:nvPr/>
+            </p:nvSpPr>
+            <p:spPr>
+              <a:xfrm>
+                <a:off x="3986336" y="1980880"/>
+                <a:ext cx="1205543" cy="452243"/>
+              </a:xfrm>
+              <a:prstGeom prst="rect">
+                <a:avLst/>
+              </a:prstGeom>
+              <a:solidFill>
+                <a:schemeClr val="bg2">
+                  <a:lumMod val="50000"/>
+                </a:schemeClr>
+              </a:solidFill>
+              <a:ln>
+                <a:solidFill>
+                  <a:schemeClr val="tx1"/>
+                </a:solidFill>
+              </a:ln>
+            </p:spPr>
+            <p:style>
+              <a:lnRef idx="2">
+                <a:schemeClr val="accent6"/>
+              </a:lnRef>
+              <a:fillRef idx="1">
+                <a:schemeClr val="lt1"/>
+              </a:fillRef>
+              <a:effectRef idx="0">
+                <a:schemeClr val="accent6"/>
+              </a:effectRef>
+              <a:fontRef idx="minor">
+                <a:schemeClr val="dk1"/>
+              </a:fontRef>
+            </p:style>
+            <p:txBody>
+              <a:bodyPr rtlCol="0" anchor="ctr"/>
+              <a:lstStyle/>
+              <a:p>
+                <a:pPr algn="ctr"/>
+                <a:r>
+                  <a:rPr lang="es-ES" sz="1000" dirty="0" smtClean="0">
+                    <a:solidFill>
+                      <a:schemeClr val="bg1"/>
+                    </a:solidFill>
+                    <a:latin typeface="Arial" panose="020B0604020202020204" pitchFamily="34" charset="0"/>
+                    <a:cs typeface="Arial" panose="020B0604020202020204" pitchFamily="34" charset="0"/>
+                  </a:rPr>
+                  <a:t> </a:t>
+                </a:r>
+                <a:r>
+                  <a:rPr lang="es-ES" sz="1000" i="1" dirty="0" smtClean="0">
+                    <a:solidFill>
+                      <a:schemeClr val="bg1"/>
+                    </a:solidFill>
+                    <a:latin typeface="Arial" panose="020B0604020202020204" pitchFamily="34" charset="0"/>
+                    <a:cs typeface="Arial" panose="020B0604020202020204" pitchFamily="34" charset="0"/>
+                  </a:rPr>
+                  <a:t>m</a:t>
+                </a:r>
+                <a:r>
+                  <a:rPr lang="es-ES" sz="1000" dirty="0" smtClean="0">
+                    <a:solidFill>
+                      <a:schemeClr val="bg1"/>
+                    </a:solidFill>
+                    <a:latin typeface="Arial" panose="020B0604020202020204" pitchFamily="34" charset="0"/>
+                    <a:cs typeface="Arial" panose="020B0604020202020204" pitchFamily="34" charset="0"/>
+                  </a:rPr>
+                  <a:t> </a:t>
+                </a:r>
+                <a14:m>
+                  <m:oMath xmlns:m="http://schemas.openxmlformats.org/officeDocument/2006/math">
+                    <m:r>
+                      <a:rPr lang="es-ES" sz="1000" i="1" dirty="0" smtClean="0">
+                        <a:solidFill>
+                          <a:schemeClr val="bg1"/>
+                        </a:solidFill>
+                        <a:latin typeface="Cambria Math" panose="02040503050406030204" pitchFamily="18" charset="0"/>
+                        <a:ea typeface="Cambria Math" panose="02040503050406030204" pitchFamily="18" charset="0"/>
+                        <a:cs typeface="Arial" panose="020B0604020202020204" pitchFamily="34" charset="0"/>
+                      </a:rPr>
+                      <m:t>×</m:t>
+                    </m:r>
+                  </m:oMath>
+                </a14:m>
+                <a:r>
+                  <a:rPr lang="es-ES" sz="1000" dirty="0" smtClean="0">
+                    <a:solidFill>
+                      <a:schemeClr val="bg1"/>
+                    </a:solidFill>
+                    <a:latin typeface="Arial" panose="020B0604020202020204" pitchFamily="34" charset="0"/>
+                    <a:cs typeface="Arial" panose="020B0604020202020204" pitchFamily="34" charset="0"/>
+                  </a:rPr>
+                  <a:t> </a:t>
+                </a:r>
+                <a:r>
+                  <a:rPr lang="es-ES" sz="1000" i="1" dirty="0" smtClean="0">
+                    <a:solidFill>
+                      <a:schemeClr val="bg1"/>
+                    </a:solidFill>
+                    <a:latin typeface="Arial" panose="020B0604020202020204" pitchFamily="34" charset="0"/>
+                    <a:cs typeface="Arial" panose="020B0604020202020204" pitchFamily="34" charset="0"/>
+                  </a:rPr>
+                  <a:t>n</a:t>
+                </a:r>
+              </a:p>
+              <a:p>
+                <a:pPr algn="ctr"/>
+                <a:r>
+                  <a:rPr lang="es-ES" sz="1000" dirty="0" smtClean="0">
+                    <a:solidFill>
+                      <a:schemeClr val="bg1"/>
+                    </a:solidFill>
+                    <a:latin typeface="Arial" panose="020B0604020202020204" pitchFamily="34" charset="0"/>
+                    <a:cs typeface="Arial" panose="020B0604020202020204" pitchFamily="34" charset="0"/>
+                  </a:rPr>
+                  <a:t>para cualquier número </a:t>
+                </a:r>
+                <a14:m>
+                  <m:oMath xmlns:m="http://schemas.openxmlformats.org/officeDocument/2006/math">
+                    <m:r>
+                      <a:rPr lang="es-ES" sz="1000" i="1" smtClean="0">
+                        <a:solidFill>
+                          <a:schemeClr val="bg1"/>
+                        </a:solidFill>
+                        <a:latin typeface="Cambria Math" panose="02040503050406030204" pitchFamily="18" charset="0"/>
+                        <a:ea typeface="Cambria Math" panose="02040503050406030204" pitchFamily="18" charset="0"/>
+                        <a:cs typeface="Arial" panose="020B0604020202020204" pitchFamily="34" charset="0"/>
+                      </a:rPr>
+                      <m:t>ℕ</m:t>
+                    </m:r>
+                  </m:oMath>
+                </a14:m>
+                <a:endParaRPr lang="es-ES" sz="1000" dirty="0">
+                  <a:solidFill>
+                    <a:schemeClr val="bg1"/>
+                  </a:solidFill>
+                  <a:latin typeface="Arial" panose="020B0604020202020204" pitchFamily="34" charset="0"/>
+                  <a:cs typeface="Arial" panose="020B0604020202020204" pitchFamily="34" charset="0"/>
+                </a:endParaRPr>
+              </a:p>
+            </p:txBody>
+          </p:sp>
+        </mc:Choice>
+        <mc:Fallback xmlns="">
+          <p:sp>
+            <p:nvSpPr>
+              <p:cNvPr id="294" name="Rectángulo 293" descr="Nodo de segundo nivel" title="Nodo02"/>
+              <p:cNvSpPr>
+                <a:spLocks noRot="1" noChangeAspect="1" noMove="1" noResize="1" noEditPoints="1" noAdjustHandles="1" noChangeArrowheads="1" noChangeShapeType="1" noTextEdit="1"/>
+              </p:cNvSpPr>
+              <p:nvPr/>
+            </p:nvSpPr>
+            <p:spPr>
+              <a:xfrm>
+                <a:off x="3986336" y="1980880"/>
+                <a:ext cx="1205543" cy="452243"/>
+              </a:xfrm>
+              <a:prstGeom prst="rect">
+                <a:avLst/>
+              </a:prstGeom>
+              <a:blipFill rotWithShape="0">
+                <a:blip r:embed="rId5"/>
+                <a:stretch>
+                  <a:fillRect t="-9211" b="-15789"/>
+                </a:stretch>
+              </a:blipFill>
+              <a:ln>
+                <a:solidFill>
+                  <a:schemeClr val="tx1"/>
+                </a:solidFill>
+              </a:ln>
+            </p:spPr>
+            <p:txBody>
+              <a:bodyPr/>
+              <a:lstStyle/>
+              <a:p>
+                <a:r>
+                  <a:rPr lang="es-CO">
+                    <a:noFill/>
+                  </a:rPr>
+                  <a:t> </a:t>
+                </a:r>
+              </a:p>
+            </p:txBody>
+          </p:sp>
+        </mc:Fallback>
+      </mc:AlternateContent>
       <p:sp>
         <p:nvSpPr>
-          <p:cNvPr id="131" name="Rectángulo 338" descr="Nodo de segundo nivel" title="Nodo02"/>
-          <p:cNvSpPr/>
+          <p:cNvPr id="296" name="CuadroTexto 295" descr="Conector entre nodos" title="conector"/>
+          <p:cNvSpPr txBox="1"/>
           <p:nvPr/>
         </p:nvSpPr>
         <p:spPr>
           <a:xfrm>
-            <a:off x="2705651" y="1981277"/>
-            <a:ext cx="1124746" cy="357473"/>
-          </a:xfrm>
-          <a:prstGeom prst="rect">
-            <a:avLst/>
-          </a:prstGeom>
-          <a:solidFill>
-            <a:schemeClr val="bg2">
-              <a:lumMod val="50000"/>
-            </a:schemeClr>
-          </a:solidFill>
-          <a:ln>
-            <a:solidFill>
-              <a:schemeClr val="tx1"/>
-            </a:solidFill>
-          </a:ln>
-        </p:spPr>
-        <p:style>
-          <a:lnRef idx="2">
-            <a:schemeClr val="accent6"/>
-          </a:lnRef>
-          <a:fillRef idx="1">
-            <a:schemeClr val="lt1"/>
-          </a:fillRef>
-          <a:effectRef idx="0">
-            <a:schemeClr val="accent6"/>
-          </a:effectRef>
-          <a:fontRef idx="minor">
-            <a:schemeClr val="dk1"/>
-          </a:fontRef>
-        </p:style>
-        <p:txBody>
-          <a:bodyPr rtlCol="0" anchor="ctr"/>
-          <a:lstStyle/>
-          <a:p>
-            <a:pPr algn="ctr"/>
-            <a:r>
-              <a:rPr lang="es-ES" sz="1050" dirty="0" smtClean="0">
-                <a:solidFill>
-                  <a:schemeClr val="bg1"/>
-                </a:solidFill>
-              </a:rPr>
-              <a:t>Propiedad de elemento neutro</a:t>
-            </a:r>
-            <a:endParaRPr lang="es-ES" sz="1050" dirty="0">
-              <a:solidFill>
-                <a:schemeClr val="bg1"/>
-              </a:solidFill>
-            </a:endParaRPr>
-          </a:p>
-        </p:txBody>
-      </p:sp>
-      <p:cxnSp>
-        <p:nvCxnSpPr>
-          <p:cNvPr id="135" name="Conector angular 339"/>
-          <p:cNvCxnSpPr/>
-          <p:nvPr/>
-        </p:nvCxnSpPr>
-        <p:spPr>
-          <a:xfrm rot="5400000">
-            <a:off x="3182240" y="1909762"/>
-            <a:ext cx="143029" cy="1"/>
-          </a:xfrm>
-          <a:prstGeom prst="bentConnector3">
-            <a:avLst>
-              <a:gd name="adj1" fmla="val 50000"/>
-            </a:avLst>
-          </a:prstGeom>
-          <a:ln w="12700">
-            <a:solidFill>
-              <a:schemeClr val="tx1"/>
-            </a:solidFill>
-          </a:ln>
-        </p:spPr>
-        <p:style>
-          <a:lnRef idx="1">
-            <a:schemeClr val="accent1"/>
-          </a:lnRef>
-          <a:fillRef idx="0">
-            <a:schemeClr val="accent1"/>
-          </a:fillRef>
-          <a:effectRef idx="0">
-            <a:schemeClr val="accent1"/>
-          </a:effectRef>
-          <a:fontRef idx="minor">
-            <a:schemeClr val="tx1"/>
-          </a:fontRef>
-        </p:style>
-      </p:cxnSp>
-      <p:sp>
-        <p:nvSpPr>
-          <p:cNvPr id="136" name="CuadroTexto 340" descr="Conector entre nodos" title="conector"/>
-          <p:cNvSpPr txBox="1"/>
-          <p:nvPr/>
-        </p:nvSpPr>
-        <p:spPr>
-          <a:xfrm>
-            <a:off x="2708561" y="2481775"/>
+            <a:off x="3991667" y="2520912"/>
             <a:ext cx="1117174" cy="230836"/>
           </a:xfrm>
           <a:prstGeom prst="rect">
@@ -3116,72 +3391,29 @@
           <a:p>
             <a:pPr algn="ctr"/>
             <a:r>
-              <a:rPr lang="en-US" sz="900" dirty="0"/>
-              <a:t>s</a:t>
+              <a:rPr lang="es-ES" sz="900" dirty="0" smtClean="0">
+                <a:latin typeface="Arial" panose="020B0604020202020204" pitchFamily="34" charset="0"/>
+                <a:cs typeface="Arial" panose="020B0604020202020204" pitchFamily="34" charset="0"/>
+              </a:rPr>
+              <a:t>sus términos</a:t>
             </a:r>
-            <a:r>
-              <a:rPr lang="es-ES" sz="900" dirty="0" err="1" smtClean="0"/>
-              <a:t>us</a:t>
-            </a:r>
-            <a:r>
-              <a:rPr lang="es-ES" sz="900" dirty="0" smtClean="0"/>
-              <a:t> t</a:t>
-            </a:r>
-            <a:r>
-              <a:rPr lang="es-ES" sz="900" dirty="0" smtClean="0"/>
-              <a:t>érminos son</a:t>
-            </a:r>
-            <a:endParaRPr lang="es-ES" sz="900" dirty="0"/>
+            <a:endParaRPr lang="es-ES" sz="900" dirty="0">
+              <a:latin typeface="Arial" panose="020B0604020202020204" pitchFamily="34" charset="0"/>
+              <a:cs typeface="Arial" panose="020B0604020202020204" pitchFamily="34" charset="0"/>
+            </a:endParaRPr>
           </a:p>
         </p:txBody>
       </p:sp>
-      <p:cxnSp>
-        <p:nvCxnSpPr>
-          <p:cNvPr id="138" name="Conector angular 341"/>
-          <p:cNvCxnSpPr/>
-          <p:nvPr/>
-        </p:nvCxnSpPr>
-        <p:spPr>
-          <a:xfrm rot="5400000">
-            <a:off x="3181803" y="2409824"/>
-            <a:ext cx="143025" cy="876"/>
-          </a:xfrm>
-          <a:prstGeom prst="bentConnector3">
-            <a:avLst>
-              <a:gd name="adj1" fmla="val 50000"/>
-            </a:avLst>
-          </a:prstGeom>
-          <a:ln w="12700">
-            <a:solidFill>
-              <a:schemeClr val="tx1"/>
-            </a:solidFill>
-          </a:ln>
-        </p:spPr>
-        <p:style>
-          <a:lnRef idx="1">
-            <a:schemeClr val="accent1"/>
-          </a:lnRef>
-          <a:fillRef idx="0">
-            <a:schemeClr val="accent1"/>
-          </a:fillRef>
-          <a:effectRef idx="0">
-            <a:schemeClr val="accent1"/>
-          </a:effectRef>
-          <a:fontRef idx="minor">
-            <a:schemeClr val="tx1"/>
-          </a:fontRef>
-        </p:style>
-      </p:cxnSp>
       <p:sp>
         <p:nvSpPr>
-          <p:cNvPr id="139" name="Rectángulo 342" descr="Nodo de tercer nivel" title="Nodo03"/>
+          <p:cNvPr id="298" name="Rectángulo 297" descr="Nodo de tercer nivel" title="Nodo03"/>
           <p:cNvSpPr/>
           <p:nvPr/>
         </p:nvSpPr>
         <p:spPr>
           <a:xfrm>
-            <a:off x="2706809" y="2855640"/>
-            <a:ext cx="1122431" cy="556427"/>
+            <a:off x="4008547" y="2848909"/>
+            <a:ext cx="1122431" cy="343441"/>
           </a:xfrm>
           <a:prstGeom prst="rect">
             <a:avLst/>
@@ -3221,31 +3453,75 @@
                 <a:solidFill>
                   <a:schemeClr val="tx1"/>
                 </a:solidFill>
+                <a:latin typeface="Arial" panose="020B0604020202020204" pitchFamily="34" charset="0"/>
+                <a:cs typeface="Arial" panose="020B0604020202020204" pitchFamily="34" charset="0"/>
               </a:rPr>
-              <a:t>Minuendo, sustraendo, diferencia</a:t>
+              <a:t>factores y producto</a:t>
             </a:r>
             <a:endParaRPr lang="es-ES" sz="900" dirty="0">
               <a:solidFill>
                 <a:schemeClr val="tx1"/>
               </a:solidFill>
+              <a:latin typeface="Arial" panose="020B0604020202020204" pitchFamily="34" charset="0"/>
+              <a:cs typeface="Arial" panose="020B0604020202020204" pitchFamily="34" charset="0"/>
+            </a:endParaRPr>
+          </a:p>
+        </p:txBody>
+      </p:sp>
+      <p:sp>
+        <p:nvSpPr>
+          <p:cNvPr id="300" name="CuadroTexto 299" descr="Conector entre nodos" title="conector"/>
+          <p:cNvSpPr txBox="1"/>
+          <p:nvPr/>
+        </p:nvSpPr>
+        <p:spPr>
+          <a:xfrm>
+            <a:off x="4217469" y="3343603"/>
+            <a:ext cx="713682" cy="230832"/>
+          </a:xfrm>
+          <a:prstGeom prst="rect">
+            <a:avLst/>
+          </a:prstGeom>
+          <a:noFill/>
+        </p:spPr>
+        <p:txBody>
+          <a:bodyPr wrap="square" rtlCol="0">
+            <a:spAutoFit/>
+          </a:bodyPr>
+          <a:lstStyle/>
+          <a:p>
+            <a:pPr algn="ctr"/>
+            <a:r>
+              <a:rPr lang="es-ES" sz="900" dirty="0" smtClean="0">
+                <a:latin typeface="Arial" panose="020B0604020202020204" pitchFamily="34" charset="0"/>
+                <a:cs typeface="Arial" panose="020B0604020202020204" pitchFamily="34" charset="0"/>
+              </a:rPr>
+              <a:t>cumple</a:t>
+            </a:r>
+            <a:endParaRPr lang="es-ES" sz="900" dirty="0">
+              <a:latin typeface="Arial" panose="020B0604020202020204" pitchFamily="34" charset="0"/>
+              <a:cs typeface="Arial" panose="020B0604020202020204" pitchFamily="34" charset="0"/>
             </a:endParaRPr>
           </a:p>
         </p:txBody>
       </p:sp>
       <p:cxnSp>
         <p:nvCxnSpPr>
-          <p:cNvPr id="143" name="Conector angular 346"/>
-          <p:cNvCxnSpPr/>
+          <p:cNvPr id="303" name="Conector angular 302"/>
+          <p:cNvCxnSpPr>
+            <a:stCxn id="300" idx="2"/>
+            <a:endCxn id="206" idx="0"/>
+          </p:cNvCxnSpPr>
           <p:nvPr/>
         </p:nvCxnSpPr>
         <p:spPr>
-          <a:xfrm rot="16200000" flipH="1">
-            <a:off x="3181801" y="2783686"/>
-            <a:ext cx="143029" cy="877"/>
+          <a:xfrm rot="5400000">
+            <a:off x="4467744" y="3675579"/>
+            <a:ext cx="207710" cy="5423"/>
           </a:xfrm>
           <a:prstGeom prst="bentConnector3">
             <a:avLst>
-              <a:gd name="adj1" fmla="val 50000"/>
+              <a:gd name="adj1" fmla="val 98914"/>
             </a:avLst>
           </a:prstGeom>
           <a:ln w="12700">
@@ -3269,15 +3545,489 @@
           </a:fontRef>
         </p:style>
       </p:cxnSp>
+      <p:cxnSp>
+        <p:nvCxnSpPr>
+          <p:cNvPr id="304" name="Conector angular 303"/>
+          <p:cNvCxnSpPr>
+            <a:endCxn id="277" idx="0"/>
+          </p:cNvCxnSpPr>
+          <p:nvPr/>
+        </p:nvCxnSpPr>
+        <p:spPr>
+          <a:xfrm rot="16200000" flipH="1">
+            <a:off x="4515337" y="1087744"/>
+            <a:ext cx="65734" cy="1157"/>
+          </a:xfrm>
+          <a:prstGeom prst="bentConnector3">
+            <a:avLst>
+              <a:gd name="adj1" fmla="val -22454"/>
+            </a:avLst>
+          </a:prstGeom>
+          <a:ln w="12700">
+            <a:solidFill>
+              <a:schemeClr val="tx1"/>
+            </a:solidFill>
+          </a:ln>
+        </p:spPr>
+        <p:style>
+          <a:lnRef idx="1">
+            <a:schemeClr val="accent1"/>
+          </a:lnRef>
+          <a:fillRef idx="0">
+            <a:schemeClr val="accent1"/>
+          </a:fillRef>
+          <a:effectRef idx="0">
+            <a:schemeClr val="accent1"/>
+          </a:effectRef>
+          <a:fontRef idx="minor">
+            <a:schemeClr val="tx1"/>
+          </a:fontRef>
+        </p:style>
+      </p:cxnSp>
+      <mc:AlternateContent xmlns:mc="http://schemas.openxmlformats.org/markup-compatibility/2006" xmlns:a14="http://schemas.microsoft.com/office/drawing/2010/main">
+        <mc:Choice Requires="a14">
+          <p:sp>
+            <p:nvSpPr>
+              <p:cNvPr id="318" name="Rectángulo 317" descr="Nodo de cuarto nivel&#10;" title="Nodo04"/>
+              <p:cNvSpPr/>
+              <p:nvPr/>
+            </p:nvSpPr>
+            <p:spPr>
+              <a:xfrm>
+                <a:off x="5851927" y="5080881"/>
+                <a:ext cx="682926" cy="429206"/>
+              </a:xfrm>
+              <a:prstGeom prst="rect">
+                <a:avLst/>
+              </a:prstGeom>
+              <a:solidFill>
+                <a:schemeClr val="bg1"/>
+              </a:solidFill>
+              <a:ln>
+                <a:solidFill>
+                  <a:schemeClr val="tx1"/>
+                </a:solidFill>
+              </a:ln>
+            </p:spPr>
+            <p:style>
+              <a:lnRef idx="2">
+                <a:schemeClr val="accent6"/>
+              </a:lnRef>
+              <a:fillRef idx="1">
+                <a:schemeClr val="lt1"/>
+              </a:fillRef>
+              <a:effectRef idx="0">
+                <a:schemeClr val="accent6"/>
+              </a:effectRef>
+              <a:fontRef idx="minor">
+                <a:schemeClr val="dk1"/>
+              </a:fontRef>
+            </p:style>
+            <p:txBody>
+              <a:bodyPr rtlCol="0" anchor="ctr"/>
+              <a:lstStyle/>
+              <a:p>
+                <a:pPr algn="ctr"/>
+                <a:endParaRPr lang="es-ES" sz="900" dirty="0" smtClean="0">
+                  <a:solidFill>
+                    <a:schemeClr val="tx1"/>
+                  </a:solidFill>
+                  <a:latin typeface="Arial" panose="020B0604020202020204" pitchFamily="34" charset="0"/>
+                  <a:cs typeface="Arial" panose="020B0604020202020204" pitchFamily="34" charset="0"/>
+                </a:endParaRPr>
+              </a:p>
+              <a:p>
+                <a:pPr algn="ctr"/>
+                <a:r>
+                  <a:rPr lang="es-ES" sz="800" dirty="0" smtClean="0">
+                    <a:solidFill>
+                      <a:schemeClr val="tx1"/>
+                    </a:solidFill>
+                    <a:latin typeface="Arial" panose="020B0604020202020204" pitchFamily="34" charset="0"/>
+                    <a:cs typeface="Arial" panose="020B0604020202020204" pitchFamily="34" charset="0"/>
+                  </a:rPr>
+                  <a:t>elemento neutro</a:t>
+                </a:r>
+              </a:p>
+              <a:p>
+                <a:pPr algn="ctr"/>
+                <a:r>
+                  <a:rPr lang="es-ES" sz="800" i="1" dirty="0">
+                    <a:solidFill>
+                      <a:schemeClr val="tx1"/>
+                    </a:solidFill>
+                    <a:latin typeface="Arial" panose="020B0604020202020204" pitchFamily="34" charset="0"/>
+                    <a:cs typeface="Arial" panose="020B0604020202020204" pitchFamily="34" charset="0"/>
+                  </a:rPr>
+                  <a:t>m</a:t>
+                </a:r>
+                <a:r>
+                  <a:rPr lang="es-ES" sz="800" dirty="0">
+                    <a:solidFill>
+                      <a:schemeClr val="tx1"/>
+                    </a:solidFill>
+                    <a:latin typeface="Arial" panose="020B0604020202020204" pitchFamily="34" charset="0"/>
+                    <a:cs typeface="Arial" panose="020B0604020202020204" pitchFamily="34" charset="0"/>
+                  </a:rPr>
+                  <a:t> </a:t>
+                </a:r>
+                <a14:m>
+                  <m:oMath xmlns:m="http://schemas.openxmlformats.org/officeDocument/2006/math">
+                    <m:r>
+                      <a:rPr lang="es-ES" sz="800" i="1" dirty="0">
+                        <a:solidFill>
+                          <a:schemeClr val="tx1"/>
+                        </a:solidFill>
+                        <a:latin typeface="Cambria Math" panose="02040503050406030204" pitchFamily="18" charset="0"/>
+                        <a:ea typeface="Cambria Math" panose="02040503050406030204" pitchFamily="18" charset="0"/>
+                        <a:cs typeface="Arial" panose="020B0604020202020204" pitchFamily="34" charset="0"/>
+                      </a:rPr>
+                      <m:t>×</m:t>
+                    </m:r>
+                  </m:oMath>
+                </a14:m>
+                <a:r>
+                  <a:rPr lang="es-ES" sz="800" dirty="0">
+                    <a:solidFill>
+                      <a:schemeClr val="tx1"/>
+                    </a:solidFill>
+                    <a:latin typeface="Arial" panose="020B0604020202020204" pitchFamily="34" charset="0"/>
+                    <a:cs typeface="Arial" panose="020B0604020202020204" pitchFamily="34" charset="0"/>
+                  </a:rPr>
+                  <a:t> 1 = </a:t>
+                </a:r>
+                <a:r>
+                  <a:rPr lang="es-ES" sz="800" i="1" dirty="0">
+                    <a:solidFill>
+                      <a:schemeClr val="tx1"/>
+                    </a:solidFill>
+                    <a:latin typeface="Arial" panose="020B0604020202020204" pitchFamily="34" charset="0"/>
+                    <a:cs typeface="Arial" panose="020B0604020202020204" pitchFamily="34" charset="0"/>
+                  </a:rPr>
+                  <a:t>m</a:t>
+                </a:r>
+              </a:p>
+              <a:p>
+                <a:pPr algn="ctr"/>
+                <a:endParaRPr lang="es-ES" sz="900" dirty="0">
+                  <a:solidFill>
+                    <a:schemeClr val="tx1"/>
+                  </a:solidFill>
+                  <a:latin typeface="Arial" panose="020B0604020202020204" pitchFamily="34" charset="0"/>
+                  <a:cs typeface="Arial" panose="020B0604020202020204" pitchFamily="34" charset="0"/>
+                </a:endParaRPr>
+              </a:p>
+            </p:txBody>
+          </p:sp>
+        </mc:Choice>
+        <mc:Fallback xmlns="">
+          <p:sp>
+            <p:nvSpPr>
+              <p:cNvPr id="318" name="Rectángulo 317" descr="Nodo de cuarto nivel&#10;" title="Nodo04"/>
+              <p:cNvSpPr>
+                <a:spLocks noRot="1" noChangeAspect="1" noMove="1" noResize="1" noEditPoints="1" noAdjustHandles="1" noChangeArrowheads="1" noChangeShapeType="1" noTextEdit="1"/>
+              </p:cNvSpPr>
+              <p:nvPr/>
+            </p:nvSpPr>
+            <p:spPr>
+              <a:xfrm>
+                <a:off x="5851927" y="5080881"/>
+                <a:ext cx="682926" cy="429206"/>
+              </a:xfrm>
+              <a:prstGeom prst="rect">
+                <a:avLst/>
+              </a:prstGeom>
+              <a:blipFill rotWithShape="0">
+                <a:blip r:embed="rId6"/>
+                <a:stretch>
+                  <a:fillRect b="-6849"/>
+                </a:stretch>
+              </a:blipFill>
+              <a:ln>
+                <a:solidFill>
+                  <a:schemeClr val="tx1"/>
+                </a:solidFill>
+              </a:ln>
+            </p:spPr>
+            <p:txBody>
+              <a:bodyPr/>
+              <a:lstStyle/>
+              <a:p>
+                <a:r>
+                  <a:rPr lang="es-CO">
+                    <a:noFill/>
+                  </a:rPr>
+                  <a:t> </a:t>
+                </a:r>
+              </a:p>
+            </p:txBody>
+          </p:sp>
+        </mc:Fallback>
+      </mc:AlternateContent>
+      <mc:AlternateContent xmlns:mc="http://schemas.openxmlformats.org/markup-compatibility/2006" xmlns:a14="http://schemas.microsoft.com/office/drawing/2010/main">
+        <mc:Choice Requires="a14">
+          <p:sp>
+            <p:nvSpPr>
+              <p:cNvPr id="321" name="Rectángulo 320" descr="Nodo de cuarto nivel&#10;" title="Nodo04"/>
+              <p:cNvSpPr/>
+              <p:nvPr/>
+            </p:nvSpPr>
+            <p:spPr>
+              <a:xfrm>
+                <a:off x="4931151" y="4554143"/>
+                <a:ext cx="925616" cy="331262"/>
+              </a:xfrm>
+              <a:prstGeom prst="rect">
+                <a:avLst/>
+              </a:prstGeom>
+              <a:solidFill>
+                <a:schemeClr val="bg1"/>
+              </a:solidFill>
+              <a:ln>
+                <a:solidFill>
+                  <a:schemeClr val="tx1"/>
+                </a:solidFill>
+              </a:ln>
+            </p:spPr>
+            <p:style>
+              <a:lnRef idx="2">
+                <a:schemeClr val="accent6"/>
+              </a:lnRef>
+              <a:fillRef idx="1">
+                <a:schemeClr val="lt1"/>
+              </a:fillRef>
+              <a:effectRef idx="0">
+                <a:schemeClr val="accent6"/>
+              </a:effectRef>
+              <a:fontRef idx="minor">
+                <a:schemeClr val="dk1"/>
+              </a:fontRef>
+            </p:style>
+            <p:txBody>
+              <a:bodyPr rtlCol="0" anchor="ctr"/>
+              <a:lstStyle/>
+              <a:p>
+                <a:pPr algn="ctr"/>
+                <a:endParaRPr lang="es-ES" sz="800" dirty="0" smtClean="0">
+                  <a:solidFill>
+                    <a:schemeClr val="tx1"/>
+                  </a:solidFill>
+                  <a:latin typeface="Arial" panose="020B0604020202020204" pitchFamily="34" charset="0"/>
+                  <a:cs typeface="Arial" panose="020B0604020202020204" pitchFamily="34" charset="0"/>
+                </a:endParaRPr>
+              </a:p>
+              <a:p>
+                <a:pPr algn="ctr"/>
+                <a:r>
+                  <a:rPr lang="es-ES" sz="800" dirty="0" smtClean="0">
+                    <a:solidFill>
+                      <a:schemeClr val="tx1"/>
+                    </a:solidFill>
+                    <a:latin typeface="Arial" panose="020B0604020202020204" pitchFamily="34" charset="0"/>
+                    <a:cs typeface="Arial" panose="020B0604020202020204" pitchFamily="34" charset="0"/>
+                  </a:rPr>
+                  <a:t>conmutativa</a:t>
+                </a:r>
+              </a:p>
+              <a:p>
+                <a:pPr algn="ctr"/>
+                <a:r>
+                  <a:rPr lang="es-ES" sz="800" i="1" dirty="0">
+                    <a:solidFill>
+                      <a:schemeClr val="tx1"/>
+                    </a:solidFill>
+                    <a:latin typeface="Arial" panose="020B0604020202020204" pitchFamily="34" charset="0"/>
+                    <a:cs typeface="Arial" panose="020B0604020202020204" pitchFamily="34" charset="0"/>
+                  </a:rPr>
+                  <a:t>m</a:t>
+                </a:r>
+                <a:r>
+                  <a:rPr lang="es-ES" sz="800" dirty="0">
+                    <a:solidFill>
+                      <a:schemeClr val="tx1"/>
+                    </a:solidFill>
+                    <a:latin typeface="Arial" panose="020B0604020202020204" pitchFamily="34" charset="0"/>
+                    <a:cs typeface="Arial" panose="020B0604020202020204" pitchFamily="34" charset="0"/>
+                  </a:rPr>
+                  <a:t> </a:t>
+                </a:r>
+                <a14:m>
+                  <m:oMath xmlns:m="http://schemas.openxmlformats.org/officeDocument/2006/math">
+                    <m:r>
+                      <a:rPr lang="es-ES" sz="800" i="1" dirty="0" smtClean="0">
+                        <a:solidFill>
+                          <a:schemeClr val="tx1"/>
+                        </a:solidFill>
+                        <a:latin typeface="Cambria Math" panose="02040503050406030204" pitchFamily="18" charset="0"/>
+                        <a:ea typeface="Cambria Math" panose="02040503050406030204" pitchFamily="18" charset="0"/>
+                        <a:cs typeface="Arial" panose="020B0604020202020204" pitchFamily="34" charset="0"/>
+                      </a:rPr>
+                      <m:t>×</m:t>
+                    </m:r>
+                  </m:oMath>
+                </a14:m>
+                <a:r>
+                  <a:rPr lang="es-ES" sz="800" dirty="0">
+                    <a:solidFill>
+                      <a:schemeClr val="tx1"/>
+                    </a:solidFill>
+                    <a:latin typeface="Arial" panose="020B0604020202020204" pitchFamily="34" charset="0"/>
+                    <a:cs typeface="Arial" panose="020B0604020202020204" pitchFamily="34" charset="0"/>
+                  </a:rPr>
+                  <a:t> </a:t>
+                </a:r>
+                <a:r>
+                  <a:rPr lang="es-ES" sz="800" i="1" dirty="0" smtClean="0">
+                    <a:solidFill>
+                      <a:schemeClr val="tx1"/>
+                    </a:solidFill>
+                    <a:latin typeface="Arial" panose="020B0604020202020204" pitchFamily="34" charset="0"/>
+                    <a:cs typeface="Arial" panose="020B0604020202020204" pitchFamily="34" charset="0"/>
+                  </a:rPr>
+                  <a:t>n</a:t>
+                </a:r>
+                <a:r>
+                  <a:rPr lang="es-ES" sz="800" dirty="0" smtClean="0">
+                    <a:solidFill>
+                      <a:schemeClr val="tx1"/>
+                    </a:solidFill>
+                    <a:latin typeface="Arial" panose="020B0604020202020204" pitchFamily="34" charset="0"/>
+                    <a:cs typeface="Arial" panose="020B0604020202020204" pitchFamily="34" charset="0"/>
+                  </a:rPr>
+                  <a:t> </a:t>
+                </a:r>
+                <a:r>
+                  <a:rPr lang="es-ES" sz="800" dirty="0">
+                    <a:solidFill>
+                      <a:schemeClr val="tx1"/>
+                    </a:solidFill>
+                    <a:latin typeface="Arial" panose="020B0604020202020204" pitchFamily="34" charset="0"/>
+                    <a:cs typeface="Arial" panose="020B0604020202020204" pitchFamily="34" charset="0"/>
+                  </a:rPr>
+                  <a:t>= </a:t>
+                </a:r>
+                <a:r>
+                  <a:rPr lang="es-ES" sz="800" i="1" dirty="0">
+                    <a:solidFill>
+                      <a:schemeClr val="tx1"/>
+                    </a:solidFill>
+                    <a:latin typeface="Arial" panose="020B0604020202020204" pitchFamily="34" charset="0"/>
+                    <a:cs typeface="Arial" panose="020B0604020202020204" pitchFamily="34" charset="0"/>
+                  </a:rPr>
+                  <a:t>n</a:t>
+                </a:r>
+                <a:r>
+                  <a:rPr lang="es-ES" sz="800" dirty="0">
+                    <a:solidFill>
+                      <a:schemeClr val="tx1"/>
+                    </a:solidFill>
+                    <a:latin typeface="Arial" panose="020B0604020202020204" pitchFamily="34" charset="0"/>
+                    <a:cs typeface="Arial" panose="020B0604020202020204" pitchFamily="34" charset="0"/>
+                  </a:rPr>
+                  <a:t> </a:t>
+                </a:r>
+                <a14:m>
+                  <m:oMath xmlns:m="http://schemas.openxmlformats.org/officeDocument/2006/math">
+                    <m:r>
+                      <a:rPr lang="es-ES" sz="800" i="1" dirty="0">
+                        <a:solidFill>
+                          <a:schemeClr val="tx1"/>
+                        </a:solidFill>
+                        <a:latin typeface="Cambria Math" panose="02040503050406030204" pitchFamily="18" charset="0"/>
+                        <a:ea typeface="Cambria Math" panose="02040503050406030204" pitchFamily="18" charset="0"/>
+                        <a:cs typeface="Arial" panose="020B0604020202020204" pitchFamily="34" charset="0"/>
+                      </a:rPr>
+                      <m:t>×</m:t>
+                    </m:r>
+                  </m:oMath>
+                </a14:m>
+                <a:r>
+                  <a:rPr lang="es-ES" sz="800" dirty="0">
+                    <a:solidFill>
+                      <a:schemeClr val="tx1"/>
+                    </a:solidFill>
+                    <a:latin typeface="Arial" panose="020B0604020202020204" pitchFamily="34" charset="0"/>
+                    <a:cs typeface="Arial" panose="020B0604020202020204" pitchFamily="34" charset="0"/>
+                  </a:rPr>
+                  <a:t> </a:t>
+                </a:r>
+                <a:r>
+                  <a:rPr lang="es-ES" sz="800" i="1" dirty="0">
+                    <a:solidFill>
+                      <a:schemeClr val="tx1"/>
+                    </a:solidFill>
+                    <a:latin typeface="Arial" panose="020B0604020202020204" pitchFamily="34" charset="0"/>
+                    <a:cs typeface="Arial" panose="020B0604020202020204" pitchFamily="34" charset="0"/>
+                  </a:rPr>
+                  <a:t>m</a:t>
+                </a:r>
+              </a:p>
+              <a:p>
+                <a:pPr algn="ctr"/>
+                <a:endParaRPr lang="es-ES" sz="900" dirty="0">
+                  <a:solidFill>
+                    <a:schemeClr val="tx1"/>
+                  </a:solidFill>
+                  <a:latin typeface="Arial" panose="020B0604020202020204" pitchFamily="34" charset="0"/>
+                  <a:cs typeface="Arial" panose="020B0604020202020204" pitchFamily="34" charset="0"/>
+                </a:endParaRPr>
+              </a:p>
+            </p:txBody>
+          </p:sp>
+        </mc:Choice>
+        <mc:Fallback xmlns="">
+          <p:sp>
+            <p:nvSpPr>
+              <p:cNvPr id="321" name="Rectángulo 320" descr="Nodo de cuarto nivel&#10;" title="Nodo04"/>
+              <p:cNvSpPr>
+                <a:spLocks noRot="1" noChangeAspect="1" noMove="1" noResize="1" noEditPoints="1" noAdjustHandles="1" noChangeArrowheads="1" noChangeShapeType="1" noTextEdit="1"/>
+              </p:cNvSpPr>
+              <p:nvPr/>
+            </p:nvSpPr>
+            <p:spPr>
+              <a:xfrm>
+                <a:off x="4931151" y="4554143"/>
+                <a:ext cx="925616" cy="331262"/>
+              </a:xfrm>
+              <a:prstGeom prst="rect">
+                <a:avLst/>
+              </a:prstGeom>
+              <a:blipFill rotWithShape="0">
+                <a:blip r:embed="rId7"/>
+                <a:stretch>
+                  <a:fillRect b="-1786"/>
+                </a:stretch>
+              </a:blipFill>
+              <a:ln>
+                <a:solidFill>
+                  <a:schemeClr val="tx1"/>
+                </a:solidFill>
+              </a:ln>
+            </p:spPr>
+            <p:txBody>
+              <a:bodyPr/>
+              <a:lstStyle/>
+              <a:p>
+                <a:r>
+                  <a:rPr lang="es-CO">
+                    <a:noFill/>
+                  </a:rPr>
+                  <a:t> </a:t>
+                </a:r>
+              </a:p>
+            </p:txBody>
+          </p:sp>
+        </mc:Fallback>
+      </mc:AlternateContent>
       <p:sp>
         <p:nvSpPr>
-          <p:cNvPr id="152" name="Rectángulo 334" descr="Nodo de primer nivel" title="Nodo01"/>
+          <p:cNvPr id="419" name="Rectángulo 418" descr="Nodo de primer nivel" title="Nodo01"/>
           <p:cNvSpPr/>
           <p:nvPr/>
         </p:nvSpPr>
         <p:spPr>
           <a:xfrm>
-            <a:off x="5016939" y="1091764"/>
+            <a:off x="6270538" y="1146659"/>
             <a:ext cx="1124746" cy="439782"/>
           </a:xfrm>
           <a:prstGeom prst="rect">
@@ -3319,27 +4069,29 @@
           <a:p>
             <a:pPr algn="ctr"/>
             <a:r>
-              <a:rPr lang="es-ES" sz="1200" b="1" dirty="0" smtClean="0"/>
-              <a:t>Multiplicaci</a:t>
+              <a:rPr lang="es-ES" sz="1200" b="1" dirty="0" smtClean="0">
+                <a:latin typeface="Arial" panose="020B0604020202020204" pitchFamily="34" charset="0"/>
+                <a:cs typeface="Arial" panose="020B0604020202020204" pitchFamily="34" charset="0"/>
+              </a:rPr>
+              <a:t>División</a:t>
             </a:r>
-            <a:r>
-              <a:rPr lang="es-ES" sz="1200" b="1" dirty="0" smtClean="0"/>
-              <a:t>ón</a:t>
-            </a:r>
-            <a:endParaRPr lang="es-ES" sz="1200" b="1" dirty="0"/>
+            <a:endParaRPr lang="es-ES" sz="1200" b="1" dirty="0">
+              <a:latin typeface="Arial" panose="020B0604020202020204" pitchFamily="34" charset="0"/>
+              <a:cs typeface="Arial" panose="020B0604020202020204" pitchFamily="34" charset="0"/>
+            </a:endParaRPr>
           </a:p>
         </p:txBody>
       </p:sp>
       <p:sp>
         <p:nvSpPr>
-          <p:cNvPr id="153" name="CuadroTexto 336" descr="Conector entre nodos" title="conector"/>
+          <p:cNvPr id="420" name="CuadroTexto 419" descr="Conector entre nodos" title="conector"/>
           <p:cNvSpPr txBox="1"/>
           <p:nvPr/>
         </p:nvSpPr>
         <p:spPr>
           <a:xfrm>
-            <a:off x="5020444" y="1617127"/>
-            <a:ext cx="1122431" cy="230832"/>
+            <a:off x="6444185" y="1717232"/>
+            <a:ext cx="938444" cy="230832"/>
           </a:xfrm>
           <a:prstGeom prst="rect">
             <a:avLst/>
@@ -3354,27 +4106,276 @@
           <a:p>
             <a:pPr algn="ctr"/>
             <a:r>
-              <a:rPr lang="es-ES" sz="900" dirty="0" smtClean="0"/>
-              <a:t>tiene</a:t>
+              <a:rPr lang="es-ES" sz="900" dirty="0">
+                <a:latin typeface="Arial" panose="020B0604020202020204" pitchFamily="34" charset="0"/>
+                <a:cs typeface="Arial" panose="020B0604020202020204" pitchFamily="34" charset="0"/>
+              </a:rPr>
+              <a:t>d</a:t>
             </a:r>
-            <a:endParaRPr lang="es-ES" sz="900" dirty="0"/>
+            <a:r>
+              <a:rPr lang="es-ES" sz="900" dirty="0" smtClean="0">
+                <a:latin typeface="Arial" panose="020B0604020202020204" pitchFamily="34" charset="0"/>
+                <a:cs typeface="Arial" panose="020B0604020202020204" pitchFamily="34" charset="0"/>
+              </a:rPr>
+              <a:t>efinida así</a:t>
+            </a:r>
+            <a:endParaRPr lang="es-ES" sz="900" dirty="0">
+              <a:latin typeface="Arial" panose="020B0604020202020204" pitchFamily="34" charset="0"/>
+              <a:cs typeface="Arial" panose="020B0604020202020204" pitchFamily="34" charset="0"/>
+            </a:endParaRPr>
           </a:p>
         </p:txBody>
       </p:sp>
       <p:cxnSp>
         <p:nvCxnSpPr>
-          <p:cNvPr id="154" name="Conector angular 337"/>
+          <p:cNvPr id="421" name="Conector angular 420"/>
           <p:cNvCxnSpPr/>
           <p:nvPr/>
         </p:nvCxnSpPr>
         <p:spPr>
           <a:xfrm rot="16200000" flipH="1">
-            <a:off x="5523425" y="1573162"/>
-            <a:ext cx="85581" cy="2348"/>
+            <a:off x="6789085" y="1651504"/>
+            <a:ext cx="146575" cy="2867"/>
           </a:xfrm>
           <a:prstGeom prst="bentConnector3">
             <a:avLst>
               <a:gd name="adj1" fmla="val 50000"/>
+            </a:avLst>
+          </a:prstGeom>
+          <a:ln w="12700">
+            <a:solidFill>
+              <a:schemeClr val="tx1"/>
+            </a:solidFill>
+          </a:ln>
+        </p:spPr>
+        <p:style>
+          <a:lnRef idx="1">
+            <a:schemeClr val="accent1"/>
+          </a:lnRef>
+          <a:fillRef idx="0">
+            <a:schemeClr val="accent1"/>
+          </a:fillRef>
+          <a:effectRef idx="0">
+            <a:schemeClr val="accent1"/>
+          </a:effectRef>
+          <a:fontRef idx="minor">
+            <a:schemeClr val="tx1"/>
+          </a:fontRef>
+        </p:style>
+      </p:cxnSp>
+      <mc:AlternateContent xmlns:mc="http://schemas.openxmlformats.org/markup-compatibility/2006" xmlns:a14="http://schemas.microsoft.com/office/drawing/2010/main">
+        <mc:Choice Requires="a14">
+          <p:sp>
+            <p:nvSpPr>
+              <p:cNvPr id="422" name="Rectángulo 421" descr="Nodo de segundo nivel" title="Nodo02"/>
+              <p:cNvSpPr/>
+              <p:nvPr/>
+            </p:nvSpPr>
+            <p:spPr>
+              <a:xfrm>
+                <a:off x="6507583" y="2037747"/>
+                <a:ext cx="771899" cy="357473"/>
+              </a:xfrm>
+              <a:prstGeom prst="rect">
+                <a:avLst/>
+              </a:prstGeom>
+              <a:solidFill>
+                <a:schemeClr val="bg2">
+                  <a:lumMod val="50000"/>
+                </a:schemeClr>
+              </a:solidFill>
+              <a:ln>
+                <a:solidFill>
+                  <a:schemeClr val="tx1"/>
+                </a:solidFill>
+              </a:ln>
+            </p:spPr>
+            <p:style>
+              <a:lnRef idx="2">
+                <a:schemeClr val="accent6"/>
+              </a:lnRef>
+              <a:fillRef idx="1">
+                <a:schemeClr val="lt1"/>
+              </a:fillRef>
+              <a:effectRef idx="0">
+                <a:schemeClr val="accent6"/>
+              </a:effectRef>
+              <a:fontRef idx="minor">
+                <a:schemeClr val="dk1"/>
+              </a:fontRef>
+            </p:style>
+            <p:txBody>
+              <a:bodyPr rtlCol="0" anchor="ctr"/>
+              <a:lstStyle/>
+              <a:p>
+                <a:pPr algn="ctr"/>
+                <a:r>
+                  <a:rPr lang="es-ES" sz="1000" i="1" dirty="0" smtClean="0">
+                    <a:solidFill>
+                      <a:schemeClr val="bg1"/>
+                    </a:solidFill>
+                    <a:latin typeface="Arial" panose="020B0604020202020204" pitchFamily="34" charset="0"/>
+                    <a:cs typeface="Arial" panose="020B0604020202020204" pitchFamily="34" charset="0"/>
+                  </a:rPr>
+                  <a:t> m</a:t>
+                </a:r>
+                <a:r>
+                  <a:rPr lang="es-ES" sz="1000" dirty="0" smtClean="0">
+                    <a:solidFill>
+                      <a:schemeClr val="bg1"/>
+                    </a:solidFill>
+                    <a:latin typeface="Arial" panose="020B0604020202020204" pitchFamily="34" charset="0"/>
+                    <a:cs typeface="Arial" panose="020B0604020202020204" pitchFamily="34" charset="0"/>
+                  </a:rPr>
+                  <a:t> </a:t>
+                </a:r>
+                <a14:m>
+                  <m:oMath xmlns:m="http://schemas.openxmlformats.org/officeDocument/2006/math">
+                    <m:r>
+                      <a:rPr lang="es-ES" sz="1000" i="1" smtClean="0">
+                        <a:solidFill>
+                          <a:schemeClr val="bg1"/>
+                        </a:solidFill>
+                        <a:latin typeface="Cambria Math" panose="02040503050406030204" pitchFamily="18" charset="0"/>
+                        <a:ea typeface="Cambria Math" panose="02040503050406030204" pitchFamily="18" charset="0"/>
+                        <a:cs typeface="Arial" panose="020B0604020202020204" pitchFamily="34" charset="0"/>
+                      </a:rPr>
+                      <m:t>÷</m:t>
+                    </m:r>
+                  </m:oMath>
+                </a14:m>
+                <a:r>
+                  <a:rPr lang="es-ES" sz="1000" dirty="0" smtClean="0">
+                    <a:solidFill>
+                      <a:schemeClr val="bg1"/>
+                    </a:solidFill>
+                    <a:latin typeface="Arial" panose="020B0604020202020204" pitchFamily="34" charset="0"/>
+                    <a:cs typeface="Arial" panose="020B0604020202020204" pitchFamily="34" charset="0"/>
+                  </a:rPr>
+                  <a:t> </a:t>
+                </a:r>
+                <a:r>
+                  <a:rPr lang="es-ES" sz="1000" i="1" dirty="0" smtClean="0">
+                    <a:solidFill>
+                      <a:schemeClr val="bg1"/>
+                    </a:solidFill>
+                    <a:latin typeface="Arial" panose="020B0604020202020204" pitchFamily="34" charset="0"/>
+                    <a:cs typeface="Arial" panose="020B0604020202020204" pitchFamily="34" charset="0"/>
+                  </a:rPr>
+                  <a:t>n</a:t>
+                </a:r>
+              </a:p>
+              <a:p>
+                <a:pPr algn="ctr"/>
+                <a:r>
+                  <a:rPr lang="es-ES" sz="1000" dirty="0" smtClean="0">
+                    <a:solidFill>
+                      <a:schemeClr val="bg1"/>
+                    </a:solidFill>
+                    <a:latin typeface="Arial" panose="020B0604020202020204" pitchFamily="34" charset="0"/>
+                    <a:cs typeface="Arial" panose="020B0604020202020204" pitchFamily="34" charset="0"/>
+                  </a:rPr>
+                  <a:t>si </a:t>
+                </a:r>
+                <a:r>
+                  <a:rPr lang="es-ES" sz="1000" i="1" dirty="0" smtClean="0">
+                    <a:solidFill>
+                      <a:schemeClr val="bg1"/>
+                    </a:solidFill>
+                    <a:latin typeface="Arial" panose="020B0604020202020204" pitchFamily="34" charset="0"/>
+                    <a:cs typeface="Arial" panose="020B0604020202020204" pitchFamily="34" charset="0"/>
+                  </a:rPr>
+                  <a:t>m</a:t>
+                </a:r>
+                <a:r>
+                  <a:rPr lang="es-ES" sz="1000" dirty="0" smtClean="0">
+                    <a:solidFill>
+                      <a:schemeClr val="bg1"/>
+                    </a:solidFill>
+                    <a:latin typeface="Arial" panose="020B0604020202020204" pitchFamily="34" charset="0"/>
+                    <a:cs typeface="Arial" panose="020B0604020202020204" pitchFamily="34" charset="0"/>
+                  </a:rPr>
+                  <a:t> &gt; </a:t>
+                </a:r>
+                <a:r>
+                  <a:rPr lang="es-ES" sz="1000" i="1" dirty="0" smtClean="0">
+                    <a:solidFill>
+                      <a:schemeClr val="bg1"/>
+                    </a:solidFill>
+                    <a:latin typeface="Arial" panose="020B0604020202020204" pitchFamily="34" charset="0"/>
+                    <a:cs typeface="Arial" panose="020B0604020202020204" pitchFamily="34" charset="0"/>
+                  </a:rPr>
+                  <a:t>n</a:t>
+                </a:r>
+                <a:endParaRPr lang="es-ES" sz="1000" i="1" dirty="0">
+                  <a:solidFill>
+                    <a:schemeClr val="bg1"/>
+                  </a:solidFill>
+                  <a:latin typeface="Arial" panose="020B0604020202020204" pitchFamily="34" charset="0"/>
+                  <a:cs typeface="Arial" panose="020B0604020202020204" pitchFamily="34" charset="0"/>
+                </a:endParaRPr>
+              </a:p>
+            </p:txBody>
+          </p:sp>
+        </mc:Choice>
+        <mc:Fallback xmlns="">
+          <p:sp>
+            <p:nvSpPr>
+              <p:cNvPr id="422" name="Rectángulo 421" descr="Nodo de segundo nivel" title="Nodo02"/>
+              <p:cNvSpPr>
+                <a:spLocks noRot="1" noChangeAspect="1" noMove="1" noResize="1" noEditPoints="1" noAdjustHandles="1" noChangeArrowheads="1" noChangeShapeType="1" noTextEdit="1"/>
+              </p:cNvSpPr>
+              <p:nvPr/>
+            </p:nvSpPr>
+            <p:spPr>
+              <a:xfrm>
+                <a:off x="6507583" y="2037747"/>
+                <a:ext cx="771899" cy="357473"/>
+              </a:xfrm>
+              <a:prstGeom prst="rect">
+                <a:avLst/>
+              </a:prstGeom>
+              <a:blipFill rotWithShape="0">
+                <a:blip r:embed="rId8"/>
+                <a:stretch>
+                  <a:fillRect t="-3279" b="-11475"/>
+                </a:stretch>
+              </a:blipFill>
+              <a:ln>
+                <a:solidFill>
+                  <a:schemeClr val="tx1"/>
+                </a:solidFill>
+              </a:ln>
+            </p:spPr>
+            <p:txBody>
+              <a:bodyPr/>
+              <a:lstStyle/>
+              <a:p>
+                <a:r>
+                  <a:rPr lang="es-CO">
+                    <a:noFill/>
+                  </a:rPr>
+                  <a:t> </a:t>
+                </a:r>
+              </a:p>
+            </p:txBody>
+          </p:sp>
+        </mc:Fallback>
+      </mc:AlternateContent>
+      <p:cxnSp>
+        <p:nvCxnSpPr>
+          <p:cNvPr id="423" name="Conector angular 422"/>
+          <p:cNvCxnSpPr/>
+          <p:nvPr/>
+        </p:nvCxnSpPr>
+        <p:spPr>
+          <a:xfrm rot="5400000">
+            <a:off x="6789425" y="1978413"/>
+            <a:ext cx="143029" cy="1"/>
+          </a:xfrm>
+          <a:prstGeom prst="bentConnector3">
+            <a:avLst>
+              <a:gd name="adj1" fmla="val 61119"/>
             </a:avLst>
           </a:prstGeom>
           <a:ln w="12700">
@@ -3400,110 +4401,13 @@
       </p:cxnSp>
       <p:sp>
         <p:nvSpPr>
-          <p:cNvPr id="155" name="Rectángulo 338" descr="Nodo de segundo nivel" title="Nodo02"/>
-          <p:cNvSpPr/>
+          <p:cNvPr id="424" name="CuadroTexto 423" descr="Conector entre nodos" title="conector"/>
+          <p:cNvSpPr txBox="1"/>
           <p:nvPr/>
         </p:nvSpPr>
         <p:spPr>
           <a:xfrm>
-            <a:off x="5019286" y="1990988"/>
-            <a:ext cx="1124746" cy="357473"/>
-          </a:xfrm>
-          <a:prstGeom prst="rect">
-            <a:avLst/>
-          </a:prstGeom>
-          <a:solidFill>
-            <a:schemeClr val="bg2">
-              <a:lumMod val="50000"/>
-            </a:schemeClr>
-          </a:solidFill>
-          <a:ln>
-            <a:solidFill>
-              <a:schemeClr val="tx1"/>
-            </a:solidFill>
-          </a:ln>
-        </p:spPr>
-        <p:style>
-          <a:lnRef idx="2">
-            <a:schemeClr val="accent6"/>
-          </a:lnRef>
-          <a:fillRef idx="1">
-            <a:schemeClr val="lt1"/>
-          </a:fillRef>
-          <a:effectRef idx="0">
-            <a:schemeClr val="accent6"/>
-          </a:effectRef>
-          <a:fontRef idx="minor">
-            <a:schemeClr val="dk1"/>
-          </a:fontRef>
-        </p:style>
-        <p:txBody>
-          <a:bodyPr rtlCol="0" anchor="ctr"/>
-          <a:lstStyle/>
-          <a:p>
-            <a:pPr algn="ctr"/>
-            <a:r>
-              <a:rPr lang="es-ES" sz="1050" dirty="0" smtClean="0">
-                <a:solidFill>
-                  <a:schemeClr val="bg1"/>
-                </a:solidFill>
-              </a:rPr>
-              <a:t>Propiedades</a:t>
-            </a:r>
-            <a:endParaRPr lang="es-ES" sz="1050" dirty="0">
-              <a:solidFill>
-                <a:schemeClr val="bg1"/>
-              </a:solidFill>
-            </a:endParaRPr>
-          </a:p>
-        </p:txBody>
-      </p:sp>
-      <p:cxnSp>
-        <p:nvCxnSpPr>
-          <p:cNvPr id="156" name="Conector angular 339"/>
-          <p:cNvCxnSpPr/>
-          <p:nvPr/>
-        </p:nvCxnSpPr>
-        <p:spPr>
-          <a:xfrm rot="5400000">
-            <a:off x="5495875" y="1919473"/>
-            <a:ext cx="143029" cy="1"/>
-          </a:xfrm>
-          <a:prstGeom prst="bentConnector3">
-            <a:avLst>
-              <a:gd name="adj1" fmla="val 50000"/>
-            </a:avLst>
-          </a:prstGeom>
-          <a:ln w="12700">
-            <a:solidFill>
-              <a:schemeClr val="tx1"/>
-            </a:solidFill>
-          </a:ln>
-        </p:spPr>
-        <p:style>
-          <a:lnRef idx="1">
-            <a:schemeClr val="accent1"/>
-          </a:lnRef>
-          <a:fillRef idx="0">
-            <a:schemeClr val="accent1"/>
-          </a:fillRef>
-          <a:effectRef idx="0">
-            <a:schemeClr val="accent1"/>
-          </a:effectRef>
-          <a:fontRef idx="minor">
-            <a:schemeClr val="tx1"/>
-          </a:fontRef>
-        </p:style>
-      </p:cxnSp>
-      <p:sp>
-        <p:nvSpPr>
-          <p:cNvPr id="157" name="CuadroTexto 340" descr="Conector entre nodos" title="conector"/>
-          <p:cNvSpPr txBox="1"/>
-          <p:nvPr/>
-        </p:nvSpPr>
-        <p:spPr>
-          <a:xfrm>
-            <a:off x="5022196" y="2491486"/>
+            <a:off x="6302352" y="2537762"/>
             <a:ext cx="1117174" cy="230836"/>
           </a:xfrm>
           <a:prstGeom prst="rect">
@@ -3519,74 +4423,37 @@
           <a:p>
             <a:pPr algn="ctr"/>
             <a:r>
-              <a:rPr lang="en-US" sz="900" dirty="0"/>
-              <a:t>q</a:t>
+              <a:rPr lang="es-ES" sz="900" dirty="0" smtClean="0">
+                <a:latin typeface="Arial" panose="020B0604020202020204" pitchFamily="34" charset="0"/>
+                <a:cs typeface="Arial" panose="020B0604020202020204" pitchFamily="34" charset="0"/>
+              </a:rPr>
+              <a:t>sus términos</a:t>
             </a:r>
-            <a:r>
-              <a:rPr lang="es-ES" sz="900" dirty="0" err="1" smtClean="0"/>
-              <a:t>ue</a:t>
-            </a:r>
-            <a:r>
-              <a:rPr lang="es-ES" sz="900" dirty="0" smtClean="0"/>
-              <a:t> son</a:t>
-            </a:r>
-            <a:endParaRPr lang="es-ES" sz="900" dirty="0"/>
+            <a:endParaRPr lang="es-ES" sz="900" dirty="0">
+              <a:latin typeface="Arial" panose="020B0604020202020204" pitchFamily="34" charset="0"/>
+              <a:cs typeface="Arial" panose="020B0604020202020204" pitchFamily="34" charset="0"/>
+            </a:endParaRPr>
           </a:p>
         </p:txBody>
       </p:sp>
-      <p:cxnSp>
-        <p:nvCxnSpPr>
-          <p:cNvPr id="158" name="Conector angular 341"/>
-          <p:cNvCxnSpPr/>
-          <p:nvPr/>
-        </p:nvCxnSpPr>
-        <p:spPr>
-          <a:xfrm rot="5400000">
-            <a:off x="5495438" y="2419535"/>
-            <a:ext cx="143025" cy="876"/>
-          </a:xfrm>
-          <a:prstGeom prst="bentConnector3">
-            <a:avLst>
-              <a:gd name="adj1" fmla="val 50000"/>
-            </a:avLst>
-          </a:prstGeom>
-          <a:ln w="12700">
-            <a:solidFill>
-              <a:schemeClr val="tx1"/>
-            </a:solidFill>
-          </a:ln>
-        </p:spPr>
-        <p:style>
-          <a:lnRef idx="1">
-            <a:schemeClr val="accent1"/>
-          </a:lnRef>
-          <a:fillRef idx="0">
-            <a:schemeClr val="accent1"/>
-          </a:fillRef>
-          <a:effectRef idx="0">
-            <a:schemeClr val="accent1"/>
-          </a:effectRef>
-          <a:fontRef idx="minor">
-            <a:schemeClr val="tx1"/>
-          </a:fontRef>
-        </p:style>
-      </p:cxnSp>
       <p:sp>
         <p:nvSpPr>
-          <p:cNvPr id="160" name="Rectángulo 343" descr="Nodo de cuarto nivel&#10;" title="Nodo04"/>
+          <p:cNvPr id="426" name="Rectángulo 425" descr="Nodo de tercer nivel" title="Nodo03"/>
           <p:cNvSpPr/>
           <p:nvPr/>
         </p:nvSpPr>
         <p:spPr>
           <a:xfrm>
-            <a:off x="5020444" y="4296239"/>
-            <a:ext cx="1122431" cy="353519"/>
+            <a:off x="6427768" y="3056006"/>
+            <a:ext cx="1122431" cy="343441"/>
           </a:xfrm>
           <a:prstGeom prst="rect">
             <a:avLst/>
           </a:prstGeom>
           <a:solidFill>
-            <a:schemeClr val="bg1"/>
+            <a:schemeClr val="bg2">
+              <a:lumMod val="90000"/>
+            </a:schemeClr>
           </a:solidFill>
           <a:ln>
             <a:solidFill>
@@ -3618,26 +4485,30 @@
                 <a:solidFill>
                   <a:schemeClr val="tx1"/>
                 </a:solidFill>
+                <a:latin typeface="Arial" panose="020B0604020202020204" pitchFamily="34" charset="0"/>
+                <a:cs typeface="Arial" panose="020B0604020202020204" pitchFamily="34" charset="0"/>
               </a:rPr>
-              <a:t>Factores y producto</a:t>
+              <a:t>dividendo, divisor, cociente y residuo</a:t>
             </a:r>
             <a:endParaRPr lang="es-ES" sz="900" dirty="0">
               <a:solidFill>
                 <a:schemeClr val="tx1"/>
               </a:solidFill>
+              <a:latin typeface="Arial" panose="020B0604020202020204" pitchFamily="34" charset="0"/>
+              <a:cs typeface="Arial" panose="020B0604020202020204" pitchFamily="34" charset="0"/>
             </a:endParaRPr>
           </a:p>
         </p:txBody>
       </p:sp>
       <p:sp>
         <p:nvSpPr>
-          <p:cNvPr id="162" name="CuadroTexto 345" descr="Conector entre nodos" title="conector"/>
+          <p:cNvPr id="430" name="CuadroTexto 429" descr="Conector entre nodos" title="conector"/>
           <p:cNvSpPr txBox="1"/>
           <p:nvPr/>
         </p:nvSpPr>
         <p:spPr>
           <a:xfrm>
-            <a:off x="5022197" y="3861954"/>
+            <a:off x="6495445" y="3451320"/>
             <a:ext cx="1117174" cy="230832"/>
           </a:xfrm>
           <a:prstGeom prst="rect">
@@ -3653,155 +4524,34 @@
           <a:p>
             <a:pPr algn="ctr"/>
             <a:r>
-              <a:rPr lang="en-US" sz="900" dirty="0"/>
-              <a:t>s</a:t>
+              <a:rPr lang="es-ES" sz="900" dirty="0" smtClean="0">
+                <a:latin typeface="Arial" panose="020B0604020202020204" pitchFamily="34" charset="0"/>
+                <a:cs typeface="Arial" panose="020B0604020202020204" pitchFamily="34" charset="0"/>
+              </a:rPr>
+              <a:t>puede ser</a:t>
             </a:r>
-            <a:r>
-              <a:rPr lang="es-ES" sz="900" dirty="0" err="1" smtClean="0"/>
-              <a:t>us</a:t>
-            </a:r>
-            <a:r>
-              <a:rPr lang="es-ES" sz="900" dirty="0" smtClean="0"/>
-              <a:t> t</a:t>
-            </a:r>
-            <a:r>
-              <a:rPr lang="es-ES" sz="900" dirty="0" smtClean="0"/>
-              <a:t>érminos</a:t>
-            </a:r>
-            <a:r>
-              <a:rPr lang="es-ES" sz="900" dirty="0" smtClean="0"/>
-              <a:t> son</a:t>
-            </a:r>
-            <a:endParaRPr lang="es-ES" sz="900" dirty="0"/>
+            <a:endParaRPr lang="es-ES" sz="900" dirty="0">
+              <a:latin typeface="Arial" panose="020B0604020202020204" pitchFamily="34" charset="0"/>
+              <a:cs typeface="Arial" panose="020B0604020202020204" pitchFamily="34" charset="0"/>
+            </a:endParaRPr>
           </a:p>
         </p:txBody>
       </p:sp>
       <p:cxnSp>
         <p:nvCxnSpPr>
-          <p:cNvPr id="163" name="Conector angular 346"/>
+          <p:cNvPr id="431" name="Conector angular 430"/>
           <p:cNvCxnSpPr/>
           <p:nvPr/>
         </p:nvCxnSpPr>
         <p:spPr>
-          <a:xfrm rot="16200000" flipH="1">
-            <a:off x="5495436" y="2793397"/>
-            <a:ext cx="143029" cy="877"/>
+          <a:xfrm rot="5400000">
+            <a:off x="6953746" y="3466154"/>
+            <a:ext cx="136675" cy="876"/>
           </a:xfrm>
           <a:prstGeom prst="bentConnector3">
             <a:avLst>
               <a:gd name="adj1" fmla="val 50000"/>
             </a:avLst>
-          </a:prstGeom>
-          <a:ln w="12700">
-            <a:solidFill>
-              <a:schemeClr val="tx1"/>
-            </a:solidFill>
-          </a:ln>
-        </p:spPr>
-        <p:style>
-          <a:lnRef idx="1">
-            <a:schemeClr val="accent1"/>
-          </a:lnRef>
-          <a:fillRef idx="0">
-            <a:schemeClr val="accent1"/>
-          </a:fillRef>
-          <a:effectRef idx="0">
-            <a:schemeClr val="accent1"/>
-          </a:effectRef>
-          <a:fontRef idx="minor">
-            <a:schemeClr val="tx1"/>
-          </a:fontRef>
-        </p:style>
-      </p:cxnSp>
-      <p:cxnSp>
-        <p:nvCxnSpPr>
-          <p:cNvPr id="164" name="Conector angular 347"/>
-          <p:cNvCxnSpPr/>
-          <p:nvPr/>
-        </p:nvCxnSpPr>
-        <p:spPr>
-          <a:xfrm rot="5400000">
-            <a:off x="5498614" y="3827046"/>
-            <a:ext cx="136675" cy="876"/>
-          </a:xfrm>
-          <a:prstGeom prst="bentConnector3">
-            <a:avLst>
-              <a:gd name="adj1" fmla="val 50000"/>
-            </a:avLst>
-          </a:prstGeom>
-          <a:ln w="12700">
-            <a:solidFill>
-              <a:schemeClr val="tx1"/>
-            </a:solidFill>
-          </a:ln>
-        </p:spPr>
-        <p:style>
-          <a:lnRef idx="1">
-            <a:schemeClr val="accent1"/>
-          </a:lnRef>
-          <a:fillRef idx="0">
-            <a:schemeClr val="accent1"/>
-          </a:fillRef>
-          <a:effectRef idx="0">
-            <a:schemeClr val="accent1"/>
-          </a:effectRef>
-          <a:fontRef idx="minor">
-            <a:schemeClr val="tx1"/>
-          </a:fontRef>
-        </p:style>
-      </p:cxnSp>
-      <p:cxnSp>
-        <p:nvCxnSpPr>
-          <p:cNvPr id="165" name="Conector angular 348"/>
-          <p:cNvCxnSpPr/>
-          <p:nvPr/>
-        </p:nvCxnSpPr>
-        <p:spPr>
-          <a:xfrm rot="16200000" flipH="1">
-            <a:off x="5490626" y="4219475"/>
-            <a:ext cx="152651" cy="876"/>
-          </a:xfrm>
-          <a:prstGeom prst="bentConnector3">
-            <a:avLst>
-              <a:gd name="adj1" fmla="val 50000"/>
-            </a:avLst>
-          </a:prstGeom>
-          <a:ln w="12700">
-            <a:solidFill>
-              <a:schemeClr val="tx1"/>
-            </a:solidFill>
-          </a:ln>
-        </p:spPr>
-        <p:style>
-          <a:lnRef idx="1">
-            <a:schemeClr val="accent1"/>
-          </a:lnRef>
-          <a:fillRef idx="0">
-            <a:schemeClr val="accent1"/>
-          </a:fillRef>
-          <a:effectRef idx="0">
-            <a:schemeClr val="accent1"/>
-          </a:effectRef>
-          <a:fontRef idx="minor">
-            <a:schemeClr val="tx1"/>
-          </a:fontRef>
-        </p:style>
-      </p:cxnSp>
-      <p:cxnSp>
-        <p:nvCxnSpPr>
-          <p:cNvPr id="171" name="Conector angular 131"/>
-          <p:cNvCxnSpPr>
-            <a:endCxn id="152" idx="0"/>
-          </p:cNvCxnSpPr>
-          <p:nvPr/>
-        </p:nvCxnSpPr>
-        <p:spPr>
-          <a:xfrm>
-            <a:off x="5571954" y="870406"/>
-            <a:ext cx="7358" cy="221358"/>
-          </a:xfrm>
-          <a:prstGeom prst="straightConnector1">
-            <a:avLst/>
           </a:prstGeom>
           <a:ln w="12700">
             <a:solidFill>
@@ -3826,134 +4576,14 @@
       </p:cxnSp>
       <p:sp>
         <p:nvSpPr>
-          <p:cNvPr id="177" name="Rectángulo 71" descr="Nodo de tercer nivel" title="Nodo03"/>
+          <p:cNvPr id="437" name="Rectángulo 436" descr="Nodo de cuarto nivel&#10;" title="Nodo04"/>
           <p:cNvSpPr/>
           <p:nvPr/>
         </p:nvSpPr>
         <p:spPr>
           <a:xfrm>
-            <a:off x="4991349" y="2877130"/>
-            <a:ext cx="1122431" cy="865137"/>
-          </a:xfrm>
-          <a:prstGeom prst="rect">
-            <a:avLst/>
-          </a:prstGeom>
-          <a:solidFill>
-            <a:schemeClr val="bg2">
-              <a:lumMod val="90000"/>
-            </a:schemeClr>
-          </a:solidFill>
-          <a:ln>
-            <a:solidFill>
-              <a:schemeClr val="tx1"/>
-            </a:solidFill>
-          </a:ln>
-        </p:spPr>
-        <p:style>
-          <a:lnRef idx="2">
-            <a:schemeClr val="accent6"/>
-          </a:lnRef>
-          <a:fillRef idx="1">
-            <a:schemeClr val="lt1"/>
-          </a:fillRef>
-          <a:effectRef idx="0">
-            <a:schemeClr val="accent6"/>
-          </a:effectRef>
-          <a:fontRef idx="minor">
-            <a:schemeClr val="dk1"/>
-          </a:fontRef>
-        </p:style>
-        <p:txBody>
-          <a:bodyPr rtlCol="0" anchor="ctr"/>
-          <a:lstStyle/>
-          <a:p>
-            <a:pPr algn="ctr"/>
-            <a:endParaRPr lang="es-ES" sz="900" dirty="0" smtClean="0">
-              <a:solidFill>
-                <a:schemeClr val="tx1"/>
-              </a:solidFill>
-            </a:endParaRPr>
-          </a:p>
-          <a:p>
-            <a:pPr algn="ctr"/>
-            <a:r>
-              <a:rPr lang="es-ES" sz="900" dirty="0" err="1" smtClean="0">
-                <a:solidFill>
-                  <a:schemeClr val="tx1"/>
-                </a:solidFill>
-              </a:rPr>
-              <a:t>Clausuratiiva</a:t>
-            </a:r>
-            <a:endParaRPr lang="es-ES" sz="900" dirty="0" smtClean="0">
-              <a:solidFill>
-                <a:schemeClr val="tx1"/>
-              </a:solidFill>
-            </a:endParaRPr>
-          </a:p>
-          <a:p>
-            <a:pPr algn="ctr"/>
-            <a:r>
-              <a:rPr lang="es-ES" sz="900" dirty="0" smtClean="0">
-                <a:solidFill>
-                  <a:schemeClr val="tx1"/>
-                </a:solidFill>
-              </a:rPr>
-              <a:t>Conmutativa</a:t>
-            </a:r>
-          </a:p>
-          <a:p>
-            <a:pPr algn="ctr"/>
-            <a:r>
-              <a:rPr lang="es-ES" sz="900" dirty="0" smtClean="0">
-                <a:solidFill>
-                  <a:schemeClr val="tx1"/>
-                </a:solidFill>
-              </a:rPr>
-              <a:t>Asociativa</a:t>
-            </a:r>
-          </a:p>
-          <a:p>
-            <a:pPr algn="ctr"/>
-            <a:r>
-              <a:rPr lang="es-ES" sz="900" dirty="0" smtClean="0">
-                <a:solidFill>
-                  <a:schemeClr val="tx1"/>
-                </a:solidFill>
-              </a:rPr>
-              <a:t>Elemento neutro</a:t>
-            </a:r>
-          </a:p>
-          <a:p>
-            <a:pPr algn="ctr"/>
-            <a:r>
-              <a:rPr lang="es-ES" sz="900" dirty="0" smtClean="0">
-                <a:solidFill>
-                  <a:schemeClr val="tx1"/>
-                </a:solidFill>
-              </a:rPr>
-              <a:t>Distributiva</a:t>
-            </a:r>
-          </a:p>
-          <a:p>
-            <a:pPr algn="ctr"/>
-            <a:endParaRPr lang="es-ES" sz="900" dirty="0">
-              <a:solidFill>
-                <a:schemeClr val="tx1"/>
-              </a:solidFill>
-            </a:endParaRPr>
-          </a:p>
-        </p:txBody>
-      </p:sp>
-      <p:sp>
-        <p:nvSpPr>
-          <p:cNvPr id="178" name="Rectángulo 343" descr="Nodo de cuarto nivel&#10;" title="Nodo04"/>
-          <p:cNvSpPr/>
-          <p:nvPr/>
-        </p:nvSpPr>
-        <p:spPr>
-          <a:xfrm>
-            <a:off x="7918550" y="3664053"/>
-            <a:ext cx="1122431" cy="353519"/>
+            <a:off x="6485423" y="3825073"/>
+            <a:ext cx="568609" cy="262867"/>
           </a:xfrm>
           <a:prstGeom prst="rect">
             <a:avLst/>
@@ -3991,31 +4621,3629 @@
                 <a:solidFill>
                   <a:schemeClr val="tx1"/>
                 </a:solidFill>
+                <a:latin typeface="Arial" panose="020B0604020202020204" pitchFamily="34" charset="0"/>
+                <a:cs typeface="Arial" panose="020B0604020202020204" pitchFamily="34" charset="0"/>
               </a:rPr>
-              <a:t>Inexacta</a:t>
+              <a:t>exacta</a:t>
             </a:r>
             <a:endParaRPr lang="es-ES" sz="900" dirty="0">
               <a:solidFill>
                 <a:schemeClr val="tx1"/>
               </a:solidFill>
+              <a:latin typeface="Arial" panose="020B0604020202020204" pitchFamily="34" charset="0"/>
+              <a:cs typeface="Arial" panose="020B0604020202020204" pitchFamily="34" charset="0"/>
+            </a:endParaRPr>
+          </a:p>
+        </p:txBody>
+      </p:sp>
+      <p:sp>
+        <p:nvSpPr>
+          <p:cNvPr id="438" name="Rectángulo 437" descr="Nodo de quinto nivel" title="Nodo05"/>
+          <p:cNvSpPr/>
+          <p:nvPr/>
+        </p:nvSpPr>
+        <p:spPr>
+          <a:xfrm>
+            <a:off x="7488950" y="4521736"/>
+            <a:ext cx="850275" cy="353519"/>
+          </a:xfrm>
+          <a:prstGeom prst="rect">
+            <a:avLst/>
+          </a:prstGeom>
+          <a:solidFill>
+            <a:schemeClr val="bg1"/>
+          </a:solidFill>
+          <a:ln>
+            <a:solidFill>
+              <a:schemeClr val="tx1"/>
+            </a:solidFill>
+          </a:ln>
+        </p:spPr>
+        <p:style>
+          <a:lnRef idx="2">
+            <a:schemeClr val="accent6"/>
+          </a:lnRef>
+          <a:fillRef idx="1">
+            <a:schemeClr val="lt1"/>
+          </a:fillRef>
+          <a:effectRef idx="0">
+            <a:schemeClr val="accent6"/>
+          </a:effectRef>
+          <a:fontRef idx="minor">
+            <a:schemeClr val="dk1"/>
+          </a:fontRef>
+        </p:style>
+        <p:txBody>
+          <a:bodyPr rtlCol="0" anchor="ctr"/>
+          <a:lstStyle/>
+          <a:p>
+            <a:pPr algn="ctr"/>
+            <a:r>
+              <a:rPr lang="es-ES" sz="800" dirty="0" smtClean="0">
+                <a:solidFill>
+                  <a:schemeClr val="tx1"/>
+                </a:solidFill>
+                <a:latin typeface="Arial" panose="020B0604020202020204" pitchFamily="34" charset="0"/>
+                <a:cs typeface="Arial" panose="020B0604020202020204" pitchFamily="34" charset="0"/>
+              </a:rPr>
+              <a:t>su residuo es diferente de 0</a:t>
+            </a:r>
+            <a:endParaRPr lang="es-ES" sz="800" dirty="0">
+              <a:solidFill>
+                <a:schemeClr val="tx1"/>
+              </a:solidFill>
+              <a:latin typeface="Arial" panose="020B0604020202020204" pitchFamily="34" charset="0"/>
+              <a:cs typeface="Arial" panose="020B0604020202020204" pitchFamily="34" charset="0"/>
+            </a:endParaRPr>
+          </a:p>
+        </p:txBody>
+      </p:sp>
+      <p:sp>
+        <p:nvSpPr>
+          <p:cNvPr id="440" name="Rectángulo 439" descr="Nodo de cuarto nivel&#10;" title="Nodo04"/>
+          <p:cNvSpPr/>
+          <p:nvPr/>
+        </p:nvSpPr>
+        <p:spPr>
+          <a:xfrm>
+            <a:off x="7524902" y="3802029"/>
+            <a:ext cx="690971" cy="257599"/>
+          </a:xfrm>
+          <a:prstGeom prst="rect">
+            <a:avLst/>
+          </a:prstGeom>
+          <a:solidFill>
+            <a:schemeClr val="bg1"/>
+          </a:solidFill>
+          <a:ln>
+            <a:solidFill>
+              <a:schemeClr val="tx1"/>
+            </a:solidFill>
+          </a:ln>
+        </p:spPr>
+        <p:style>
+          <a:lnRef idx="2">
+            <a:schemeClr val="accent6"/>
+          </a:lnRef>
+          <a:fillRef idx="1">
+            <a:schemeClr val="lt1"/>
+          </a:fillRef>
+          <a:effectRef idx="0">
+            <a:schemeClr val="accent6"/>
+          </a:effectRef>
+          <a:fontRef idx="minor">
+            <a:schemeClr val="dk1"/>
+          </a:fontRef>
+        </p:style>
+        <p:txBody>
+          <a:bodyPr rtlCol="0" anchor="ctr"/>
+          <a:lstStyle/>
+          <a:p>
+            <a:pPr algn="ctr"/>
+            <a:r>
+              <a:rPr lang="es-ES" sz="900" dirty="0" smtClean="0">
+                <a:solidFill>
+                  <a:schemeClr val="tx1"/>
+                </a:solidFill>
+                <a:latin typeface="Arial" panose="020B0604020202020204" pitchFamily="34" charset="0"/>
+                <a:cs typeface="Arial" panose="020B0604020202020204" pitchFamily="34" charset="0"/>
+              </a:rPr>
+              <a:t>inexacta</a:t>
+            </a:r>
+            <a:endParaRPr lang="es-ES" sz="900" dirty="0">
+              <a:solidFill>
+                <a:schemeClr val="tx1"/>
+              </a:solidFill>
+              <a:latin typeface="Arial" panose="020B0604020202020204" pitchFamily="34" charset="0"/>
+              <a:cs typeface="Arial" panose="020B0604020202020204" pitchFamily="34" charset="0"/>
             </a:endParaRPr>
           </a:p>
         </p:txBody>
       </p:sp>
       <p:cxnSp>
         <p:nvCxnSpPr>
-          <p:cNvPr id="183" name="Conector angular 348"/>
+          <p:cNvPr id="452" name="Conector angular 451"/>
           <p:cNvCxnSpPr/>
           <p:nvPr/>
         </p:nvCxnSpPr>
         <p:spPr>
-          <a:xfrm>
-            <a:off x="7903157" y="3604538"/>
-            <a:ext cx="1037643" cy="120798"/>
+          <a:xfrm rot="10800000" flipV="1">
+            <a:off x="3738500" y="631810"/>
+            <a:ext cx="2113427" cy="106227"/>
+          </a:xfrm>
+          <a:prstGeom prst="bentConnector2">
+            <a:avLst/>
+          </a:prstGeom>
+          <a:ln w="12700"/>
+        </p:spPr>
+        <p:style>
+          <a:lnRef idx="1">
+            <a:schemeClr val="dk1"/>
+          </a:lnRef>
+          <a:fillRef idx="0">
+            <a:schemeClr val="dk1"/>
+          </a:fillRef>
+          <a:effectRef idx="0">
+            <a:schemeClr val="dk1"/>
+          </a:effectRef>
+          <a:fontRef idx="minor">
+            <a:schemeClr val="tx1"/>
+          </a:fontRef>
+        </p:style>
+      </p:cxnSp>
+      <p:cxnSp>
+        <p:nvCxnSpPr>
+          <p:cNvPr id="454" name="Conector angular 453"/>
+          <p:cNvCxnSpPr/>
+          <p:nvPr/>
+        </p:nvCxnSpPr>
+        <p:spPr>
+          <a:xfrm rot="10800000">
+            <a:off x="4365374" y="631828"/>
+            <a:ext cx="3771595" cy="137225"/>
           </a:xfrm>
           <a:prstGeom prst="bentConnector3">
             <a:avLst>
-              <a:gd name="adj1" fmla="val 101405"/>
+              <a:gd name="adj1" fmla="val 299"/>
+            </a:avLst>
+          </a:prstGeom>
+          <a:ln w="12700"/>
+        </p:spPr>
+        <p:style>
+          <a:lnRef idx="1">
+            <a:schemeClr val="dk1"/>
+          </a:lnRef>
+          <a:fillRef idx="0">
+            <a:schemeClr val="dk1"/>
+          </a:fillRef>
+          <a:effectRef idx="0">
+            <a:schemeClr val="dk1"/>
+          </a:effectRef>
+          <a:fontRef idx="minor">
+            <a:schemeClr val="tx1"/>
+          </a:fontRef>
+        </p:style>
+      </p:cxnSp>
+      <p:sp>
+        <p:nvSpPr>
+          <p:cNvPr id="455" name="CuadroTexto 454" descr="Conector entre nodos" title="conector"/>
+          <p:cNvSpPr txBox="1"/>
+          <p:nvPr/>
+        </p:nvSpPr>
+        <p:spPr>
+          <a:xfrm>
+            <a:off x="7368214" y="755709"/>
+            <a:ext cx="1426935" cy="230832"/>
+          </a:xfrm>
+          <a:prstGeom prst="rect">
+            <a:avLst/>
+          </a:prstGeom>
+          <a:noFill/>
+        </p:spPr>
+        <p:txBody>
+          <a:bodyPr wrap="square" rtlCol="0">
+            <a:spAutoFit/>
+          </a:bodyPr>
+          <a:lstStyle/>
+          <a:p>
+            <a:pPr algn="ctr"/>
+            <a:r>
+              <a:rPr lang="es-ES" sz="900" dirty="0" smtClean="0">
+                <a:latin typeface="Arial" panose="020B0604020202020204" pitchFamily="34" charset="0"/>
+                <a:cs typeface="Arial" panose="020B0604020202020204" pitchFamily="34" charset="0"/>
+              </a:rPr>
+              <a:t>se pueden establecer</a:t>
+            </a:r>
+            <a:endParaRPr lang="es-ES" sz="900" dirty="0">
+              <a:latin typeface="Arial" panose="020B0604020202020204" pitchFamily="34" charset="0"/>
+              <a:cs typeface="Arial" panose="020B0604020202020204" pitchFamily="34" charset="0"/>
+            </a:endParaRPr>
+          </a:p>
+        </p:txBody>
+      </p:sp>
+      <p:cxnSp>
+        <p:nvCxnSpPr>
+          <p:cNvPr id="457" name="Conector angular 456"/>
+          <p:cNvCxnSpPr/>
+          <p:nvPr/>
+        </p:nvCxnSpPr>
+        <p:spPr>
+          <a:xfrm rot="5400000">
+            <a:off x="5112784" y="546461"/>
+            <a:ext cx="164445" cy="6253"/>
+          </a:xfrm>
+          <a:prstGeom prst="bentConnector3">
+            <a:avLst>
+              <a:gd name="adj1" fmla="val 4355"/>
+            </a:avLst>
+          </a:prstGeom>
+          <a:ln w="12700">
+            <a:solidFill>
+              <a:schemeClr val="tx1"/>
+            </a:solidFill>
+          </a:ln>
+        </p:spPr>
+        <p:style>
+          <a:lnRef idx="1">
+            <a:schemeClr val="accent1"/>
+          </a:lnRef>
+          <a:fillRef idx="0">
+            <a:schemeClr val="accent1"/>
+          </a:fillRef>
+          <a:effectRef idx="0">
+            <a:schemeClr val="accent1"/>
+          </a:effectRef>
+          <a:fontRef idx="minor">
+            <a:schemeClr val="tx1"/>
+          </a:fontRef>
+        </p:style>
+      </p:cxnSp>
+      <p:cxnSp>
+        <p:nvCxnSpPr>
+          <p:cNvPr id="458" name="Conector angular 457"/>
+          <p:cNvCxnSpPr/>
+          <p:nvPr/>
+        </p:nvCxnSpPr>
+        <p:spPr>
+          <a:xfrm rot="5400000">
+            <a:off x="3664327" y="945798"/>
+            <a:ext cx="143029" cy="1"/>
+          </a:xfrm>
+          <a:prstGeom prst="bentConnector3">
+            <a:avLst>
+              <a:gd name="adj1" fmla="val 50000"/>
+            </a:avLst>
+          </a:prstGeom>
+          <a:ln w="12700">
+            <a:solidFill>
+              <a:schemeClr val="tx1"/>
+            </a:solidFill>
+          </a:ln>
+        </p:spPr>
+        <p:style>
+          <a:lnRef idx="1">
+            <a:schemeClr val="accent1"/>
+          </a:lnRef>
+          <a:fillRef idx="0">
+            <a:schemeClr val="accent1"/>
+          </a:fillRef>
+          <a:effectRef idx="0">
+            <a:schemeClr val="accent1"/>
+          </a:effectRef>
+          <a:fontRef idx="minor">
+            <a:schemeClr val="tx1"/>
+          </a:fontRef>
+        </p:style>
+      </p:cxnSp>
+      <p:sp>
+        <p:nvSpPr>
+          <p:cNvPr id="470" name="Rectángulo 469" descr="Nodo de primer nivel" title="Nodo01"/>
+          <p:cNvSpPr/>
+          <p:nvPr/>
+        </p:nvSpPr>
+        <p:spPr>
+          <a:xfrm>
+            <a:off x="7639097" y="1135855"/>
+            <a:ext cx="1124746" cy="386390"/>
+          </a:xfrm>
+          <a:prstGeom prst="rect">
+            <a:avLst/>
+          </a:prstGeom>
+          <a:solidFill>
+            <a:schemeClr val="bg1"/>
+          </a:solidFill>
+          <a:ln>
+            <a:solidFill>
+              <a:schemeClr val="tx1"/>
+            </a:solidFill>
+          </a:ln>
+          <a:effectLst>
+            <a:outerShdw blurRad="50800" dist="38100" dir="2700000" algn="tl" rotWithShape="0">
+              <a:prstClr val="black">
+                <a:alpha val="40000"/>
+              </a:prstClr>
+            </a:outerShdw>
+          </a:effectLst>
+        </p:spPr>
+        <p:style>
+          <a:lnRef idx="2">
+            <a:schemeClr val="accent6"/>
+          </a:lnRef>
+          <a:fillRef idx="1">
+            <a:schemeClr val="lt1"/>
+          </a:fillRef>
+          <a:effectRef idx="0">
+            <a:schemeClr val="accent6"/>
+          </a:effectRef>
+          <a:fontRef idx="minor">
+            <a:schemeClr val="dk1"/>
+          </a:fontRef>
+        </p:style>
+        <p:txBody>
+          <a:bodyPr rtlCol="0" anchor="ctr"/>
+          <a:lstStyle/>
+          <a:p>
+            <a:pPr algn="ctr"/>
+            <a:r>
+              <a:rPr lang="es-ES" sz="1200" b="1" dirty="0" smtClean="0">
+                <a:latin typeface="Arial" panose="020B0604020202020204" pitchFamily="34" charset="0"/>
+                <a:cs typeface="Arial" panose="020B0604020202020204" pitchFamily="34" charset="0"/>
+              </a:rPr>
+              <a:t>Ecuaciones</a:t>
+            </a:r>
+            <a:endParaRPr lang="es-ES" sz="1200" b="1" dirty="0">
+              <a:latin typeface="Arial" panose="020B0604020202020204" pitchFamily="34" charset="0"/>
+              <a:cs typeface="Arial" panose="020B0604020202020204" pitchFamily="34" charset="0"/>
+            </a:endParaRPr>
+          </a:p>
+        </p:txBody>
+      </p:sp>
+      <p:cxnSp>
+        <p:nvCxnSpPr>
+          <p:cNvPr id="472" name="Conector angular 471"/>
+          <p:cNvCxnSpPr/>
+          <p:nvPr/>
+        </p:nvCxnSpPr>
+        <p:spPr>
+          <a:xfrm rot="5400000">
+            <a:off x="8049832" y="1044416"/>
+            <a:ext cx="143029" cy="1"/>
+          </a:xfrm>
+          <a:prstGeom prst="bentConnector3">
+            <a:avLst>
+              <a:gd name="adj1" fmla="val 50000"/>
+            </a:avLst>
+          </a:prstGeom>
+          <a:ln w="12700">
+            <a:solidFill>
+              <a:schemeClr val="tx1"/>
+            </a:solidFill>
+          </a:ln>
+        </p:spPr>
+        <p:style>
+          <a:lnRef idx="1">
+            <a:schemeClr val="accent1"/>
+          </a:lnRef>
+          <a:fillRef idx="0">
+            <a:schemeClr val="accent1"/>
+          </a:fillRef>
+          <a:effectRef idx="0">
+            <a:schemeClr val="accent1"/>
+          </a:effectRef>
+          <a:fontRef idx="minor">
+            <a:schemeClr val="tx1"/>
+          </a:fontRef>
+        </p:style>
+      </p:cxnSp>
+      <p:sp>
+        <p:nvSpPr>
+          <p:cNvPr id="486" name="CuadroTexto 485" descr="Conector entre nodos" title="conector"/>
+          <p:cNvSpPr txBox="1"/>
+          <p:nvPr/>
+        </p:nvSpPr>
+        <p:spPr>
+          <a:xfrm>
+            <a:off x="7589164" y="1621737"/>
+            <a:ext cx="1122431" cy="230832"/>
+          </a:xfrm>
+          <a:prstGeom prst="rect">
+            <a:avLst/>
+          </a:prstGeom>
+          <a:noFill/>
+        </p:spPr>
+        <p:txBody>
+          <a:bodyPr wrap="square" rtlCol="0">
+            <a:spAutoFit/>
+          </a:bodyPr>
+          <a:lstStyle/>
+          <a:p>
+            <a:pPr algn="ctr"/>
+            <a:r>
+              <a:rPr lang="es-ES" sz="900" dirty="0" smtClean="0">
+                <a:latin typeface="Arial" panose="020B0604020202020204" pitchFamily="34" charset="0"/>
+                <a:cs typeface="Arial" panose="020B0604020202020204" pitchFamily="34" charset="0"/>
+              </a:rPr>
+              <a:t>pueden ser</a:t>
+            </a:r>
+            <a:endParaRPr lang="es-ES" sz="900" dirty="0">
+              <a:latin typeface="Arial" panose="020B0604020202020204" pitchFamily="34" charset="0"/>
+              <a:cs typeface="Arial" panose="020B0604020202020204" pitchFamily="34" charset="0"/>
+            </a:endParaRPr>
+          </a:p>
+        </p:txBody>
+      </p:sp>
+      <p:cxnSp>
+        <p:nvCxnSpPr>
+          <p:cNvPr id="487" name="Conector angular 486"/>
+          <p:cNvCxnSpPr>
+            <a:endCxn id="486" idx="0"/>
+          </p:cNvCxnSpPr>
+          <p:nvPr/>
+        </p:nvCxnSpPr>
+        <p:spPr>
+          <a:xfrm rot="16200000" flipH="1">
+            <a:off x="8106416" y="1577772"/>
+            <a:ext cx="85581" cy="2348"/>
+          </a:xfrm>
+          <a:prstGeom prst="bentConnector3">
+            <a:avLst>
+              <a:gd name="adj1" fmla="val 50000"/>
+            </a:avLst>
+          </a:prstGeom>
+          <a:ln w="12700">
+            <a:solidFill>
+              <a:schemeClr val="tx1"/>
+            </a:solidFill>
+          </a:ln>
+        </p:spPr>
+        <p:style>
+          <a:lnRef idx="1">
+            <a:schemeClr val="accent1"/>
+          </a:lnRef>
+          <a:fillRef idx="0">
+            <a:schemeClr val="accent1"/>
+          </a:fillRef>
+          <a:effectRef idx="0">
+            <a:schemeClr val="accent1"/>
+          </a:effectRef>
+          <a:fontRef idx="minor">
+            <a:schemeClr val="tx1"/>
+          </a:fontRef>
+        </p:style>
+      </p:cxnSp>
+      <p:sp>
+        <p:nvSpPr>
+          <p:cNvPr id="488" name="Rectángulo 487" descr="Nodo de segundo nivel" title="Nodo02"/>
+          <p:cNvSpPr/>
+          <p:nvPr/>
+        </p:nvSpPr>
+        <p:spPr>
+          <a:xfrm>
+            <a:off x="7477121" y="2204265"/>
+            <a:ext cx="681497" cy="232846"/>
+          </a:xfrm>
+          <a:prstGeom prst="rect">
+            <a:avLst/>
+          </a:prstGeom>
+          <a:solidFill>
+            <a:schemeClr val="bg2">
+              <a:lumMod val="50000"/>
+            </a:schemeClr>
+          </a:solidFill>
+          <a:ln>
+            <a:solidFill>
+              <a:schemeClr val="tx1"/>
+            </a:solidFill>
+          </a:ln>
+        </p:spPr>
+        <p:style>
+          <a:lnRef idx="2">
+            <a:schemeClr val="accent6"/>
+          </a:lnRef>
+          <a:fillRef idx="1">
+            <a:schemeClr val="lt1"/>
+          </a:fillRef>
+          <a:effectRef idx="0">
+            <a:schemeClr val="accent6"/>
+          </a:effectRef>
+          <a:fontRef idx="minor">
+            <a:schemeClr val="dk1"/>
+          </a:fontRef>
+        </p:style>
+        <p:txBody>
+          <a:bodyPr rtlCol="0" anchor="ctr"/>
+          <a:lstStyle/>
+          <a:p>
+            <a:pPr algn="ctr"/>
+            <a:r>
+              <a:rPr lang="es-ES" sz="1000" dirty="0" smtClean="0">
+                <a:solidFill>
+                  <a:schemeClr val="bg1"/>
+                </a:solidFill>
+                <a:latin typeface="Arial" panose="020B0604020202020204" pitchFamily="34" charset="0"/>
+                <a:cs typeface="Arial" panose="020B0604020202020204" pitchFamily="34" charset="0"/>
+              </a:rPr>
+              <a:t> aditivas</a:t>
+            </a:r>
+            <a:endParaRPr lang="es-ES" sz="1000" dirty="0">
+              <a:solidFill>
+                <a:schemeClr val="bg1"/>
+              </a:solidFill>
+              <a:latin typeface="Arial" panose="020B0604020202020204" pitchFamily="34" charset="0"/>
+              <a:cs typeface="Arial" panose="020B0604020202020204" pitchFamily="34" charset="0"/>
+            </a:endParaRPr>
+          </a:p>
+        </p:txBody>
+      </p:sp>
+      <p:sp>
+        <p:nvSpPr>
+          <p:cNvPr id="493" name="Rectángulo 492" descr="Nodo de segundo nivel" title="Nodo02"/>
+          <p:cNvSpPr/>
+          <p:nvPr/>
+        </p:nvSpPr>
+        <p:spPr>
+          <a:xfrm>
+            <a:off x="8044635" y="2539287"/>
+            <a:ext cx="1038545" cy="238919"/>
+          </a:xfrm>
+          <a:prstGeom prst="rect">
+            <a:avLst/>
+          </a:prstGeom>
+          <a:solidFill>
+            <a:schemeClr val="bg2">
+              <a:lumMod val="50000"/>
+            </a:schemeClr>
+          </a:solidFill>
+          <a:ln>
+            <a:solidFill>
+              <a:schemeClr val="tx1"/>
+            </a:solidFill>
+          </a:ln>
+        </p:spPr>
+        <p:style>
+          <a:lnRef idx="2">
+            <a:schemeClr val="accent6"/>
+          </a:lnRef>
+          <a:fillRef idx="1">
+            <a:schemeClr val="lt1"/>
+          </a:fillRef>
+          <a:effectRef idx="0">
+            <a:schemeClr val="accent6"/>
+          </a:effectRef>
+          <a:fontRef idx="minor">
+            <a:schemeClr val="dk1"/>
+          </a:fontRef>
+        </p:style>
+        <p:txBody>
+          <a:bodyPr rtlCol="0" anchor="ctr"/>
+          <a:lstStyle/>
+          <a:p>
+            <a:pPr algn="ctr"/>
+            <a:r>
+              <a:rPr lang="es-ES" sz="1000" dirty="0" smtClean="0">
+                <a:solidFill>
+                  <a:schemeClr val="bg1"/>
+                </a:solidFill>
+                <a:latin typeface="Arial" panose="020B0604020202020204" pitchFamily="34" charset="0"/>
+                <a:cs typeface="Arial" panose="020B0604020202020204" pitchFamily="34" charset="0"/>
+              </a:rPr>
+              <a:t> multiplicativas</a:t>
+            </a:r>
+            <a:endParaRPr lang="es-ES" sz="1000" dirty="0">
+              <a:solidFill>
+                <a:schemeClr val="bg1"/>
+              </a:solidFill>
+              <a:latin typeface="Arial" panose="020B0604020202020204" pitchFamily="34" charset="0"/>
+              <a:cs typeface="Arial" panose="020B0604020202020204" pitchFamily="34" charset="0"/>
+            </a:endParaRPr>
+          </a:p>
+        </p:txBody>
+      </p:sp>
+      <p:cxnSp>
+        <p:nvCxnSpPr>
+          <p:cNvPr id="115" name="Conector recto 114"/>
+          <p:cNvCxnSpPr>
+            <a:stCxn id="486" idx="2"/>
+            <a:endCxn id="486" idx="2"/>
+          </p:cNvCxnSpPr>
+          <p:nvPr/>
+        </p:nvCxnSpPr>
+        <p:spPr>
+          <a:xfrm>
+            <a:off x="8150380" y="1852569"/>
+            <a:ext cx="0" cy="0"/>
+          </a:xfrm>
+          <a:prstGeom prst="line">
+            <a:avLst/>
+          </a:prstGeom>
+        </p:spPr>
+        <p:style>
+          <a:lnRef idx="1">
+            <a:schemeClr val="accent1"/>
+          </a:lnRef>
+          <a:fillRef idx="0">
+            <a:schemeClr val="accent1"/>
+          </a:fillRef>
+          <a:effectRef idx="0">
+            <a:schemeClr val="accent1"/>
+          </a:effectRef>
+          <a:fontRef idx="minor">
+            <a:schemeClr val="tx1"/>
+          </a:fontRef>
+        </p:style>
+      </p:cxnSp>
+      <p:cxnSp>
+        <p:nvCxnSpPr>
+          <p:cNvPr id="117" name="Conector recto 116"/>
+          <p:cNvCxnSpPr>
+            <a:stCxn id="486" idx="2"/>
+            <a:endCxn id="486" idx="2"/>
+          </p:cNvCxnSpPr>
+          <p:nvPr/>
+        </p:nvCxnSpPr>
+        <p:spPr>
+          <a:xfrm>
+            <a:off x="8150380" y="1852569"/>
+            <a:ext cx="0" cy="0"/>
+          </a:xfrm>
+          <a:prstGeom prst="line">
+            <a:avLst/>
+          </a:prstGeom>
+        </p:spPr>
+        <p:style>
+          <a:lnRef idx="1">
+            <a:schemeClr val="accent1"/>
+          </a:lnRef>
+          <a:fillRef idx="0">
+            <a:schemeClr val="accent1"/>
+          </a:fillRef>
+          <a:effectRef idx="0">
+            <a:schemeClr val="accent1"/>
+          </a:effectRef>
+          <a:fontRef idx="minor">
+            <a:schemeClr val="tx1"/>
+          </a:fontRef>
+        </p:style>
+      </p:cxnSp>
+      <p:cxnSp>
+        <p:nvCxnSpPr>
+          <p:cNvPr id="120" name="Conector recto 119"/>
+          <p:cNvCxnSpPr/>
+          <p:nvPr/>
+        </p:nvCxnSpPr>
+        <p:spPr>
+          <a:xfrm flipV="1">
+            <a:off x="7382058" y="1836642"/>
+            <a:ext cx="0" cy="38100"/>
+          </a:xfrm>
+          <a:prstGeom prst="line">
+            <a:avLst/>
+          </a:prstGeom>
+        </p:spPr>
+        <p:style>
+          <a:lnRef idx="1">
+            <a:schemeClr val="dk1"/>
+          </a:lnRef>
+          <a:fillRef idx="0">
+            <a:schemeClr val="dk1"/>
+          </a:fillRef>
+          <a:effectRef idx="0">
+            <a:schemeClr val="dk1"/>
+          </a:effectRef>
+          <a:fontRef idx="minor">
+            <a:schemeClr val="tx1"/>
+          </a:fontRef>
+        </p:style>
+      </p:cxnSp>
+      <p:cxnSp>
+        <p:nvCxnSpPr>
+          <p:cNvPr id="150" name="Conector angular 149"/>
+          <p:cNvCxnSpPr/>
+          <p:nvPr/>
+        </p:nvCxnSpPr>
+        <p:spPr>
+          <a:xfrm rot="5400000">
+            <a:off x="1057941" y="2752417"/>
+            <a:ext cx="153570" cy="2294"/>
+          </a:xfrm>
+          <a:prstGeom prst="bentConnector3">
+            <a:avLst>
+              <a:gd name="adj1" fmla="val 96518"/>
+            </a:avLst>
+          </a:prstGeom>
+          <a:ln w="12700">
+            <a:solidFill>
+              <a:schemeClr val="tx1"/>
+            </a:solidFill>
+          </a:ln>
+        </p:spPr>
+        <p:style>
+          <a:lnRef idx="1">
+            <a:schemeClr val="accent1"/>
+          </a:lnRef>
+          <a:fillRef idx="0">
+            <a:schemeClr val="accent1"/>
+          </a:fillRef>
+          <a:effectRef idx="0">
+            <a:schemeClr val="accent1"/>
+          </a:effectRef>
+          <a:fontRef idx="minor">
+            <a:schemeClr val="tx1"/>
+          </a:fontRef>
+        </p:style>
+      </p:cxnSp>
+      <p:cxnSp>
+        <p:nvCxnSpPr>
+          <p:cNvPr id="151" name="Conector angular 150"/>
+          <p:cNvCxnSpPr/>
+          <p:nvPr/>
+        </p:nvCxnSpPr>
+        <p:spPr>
+          <a:xfrm rot="5400000">
+            <a:off x="1055600" y="1921813"/>
+            <a:ext cx="143025" cy="876"/>
+          </a:xfrm>
+          <a:prstGeom prst="bentConnector3">
+            <a:avLst>
+              <a:gd name="adj1" fmla="val 50000"/>
+            </a:avLst>
+          </a:prstGeom>
+          <a:ln w="12700">
+            <a:solidFill>
+              <a:schemeClr val="tx1"/>
+            </a:solidFill>
+          </a:ln>
+        </p:spPr>
+        <p:style>
+          <a:lnRef idx="1">
+            <a:schemeClr val="accent1"/>
+          </a:lnRef>
+          <a:fillRef idx="0">
+            <a:schemeClr val="accent1"/>
+          </a:fillRef>
+          <a:effectRef idx="0">
+            <a:schemeClr val="accent1"/>
+          </a:effectRef>
+          <a:fontRef idx="minor">
+            <a:schemeClr val="tx1"/>
+          </a:fontRef>
+        </p:style>
+      </p:cxnSp>
+      <p:cxnSp>
+        <p:nvCxnSpPr>
+          <p:cNvPr id="164" name="Conector angular 163"/>
+          <p:cNvCxnSpPr/>
+          <p:nvPr/>
+        </p:nvCxnSpPr>
+        <p:spPr>
+          <a:xfrm rot="16200000" flipH="1">
+            <a:off x="1094878" y="2476414"/>
+            <a:ext cx="78992" cy="1589"/>
+          </a:xfrm>
+          <a:prstGeom prst="bentConnector3">
+            <a:avLst>
+              <a:gd name="adj1" fmla="val 134407"/>
+            </a:avLst>
+          </a:prstGeom>
+          <a:ln w="12700">
+            <a:solidFill>
+              <a:schemeClr val="tx1"/>
+            </a:solidFill>
+          </a:ln>
+        </p:spPr>
+        <p:style>
+          <a:lnRef idx="1">
+            <a:schemeClr val="accent1"/>
+          </a:lnRef>
+          <a:fillRef idx="0">
+            <a:schemeClr val="accent1"/>
+          </a:fillRef>
+          <a:effectRef idx="0">
+            <a:schemeClr val="accent1"/>
+          </a:effectRef>
+          <a:fontRef idx="minor">
+            <a:schemeClr val="tx1"/>
+          </a:fontRef>
+        </p:style>
+      </p:cxnSp>
+      <p:cxnSp>
+        <p:nvCxnSpPr>
+          <p:cNvPr id="165" name="Conector angular 164"/>
+          <p:cNvCxnSpPr/>
+          <p:nvPr/>
+        </p:nvCxnSpPr>
+        <p:spPr>
+          <a:xfrm rot="5400000">
+            <a:off x="4521371" y="1894358"/>
+            <a:ext cx="143029" cy="1"/>
+          </a:xfrm>
+          <a:prstGeom prst="bentConnector3">
+            <a:avLst>
+              <a:gd name="adj1" fmla="val 50000"/>
+            </a:avLst>
+          </a:prstGeom>
+          <a:ln w="12700">
+            <a:solidFill>
+              <a:schemeClr val="tx1"/>
+            </a:solidFill>
+          </a:ln>
+        </p:spPr>
+        <p:style>
+          <a:lnRef idx="1">
+            <a:schemeClr val="accent1"/>
+          </a:lnRef>
+          <a:fillRef idx="0">
+            <a:schemeClr val="accent1"/>
+          </a:fillRef>
+          <a:effectRef idx="0">
+            <a:schemeClr val="accent1"/>
+          </a:effectRef>
+          <a:fontRef idx="minor">
+            <a:schemeClr val="tx1"/>
+          </a:fontRef>
+        </p:style>
+      </p:cxnSp>
+      <p:cxnSp>
+        <p:nvCxnSpPr>
+          <p:cNvPr id="167" name="Conector angular 166"/>
+          <p:cNvCxnSpPr/>
+          <p:nvPr/>
+        </p:nvCxnSpPr>
+        <p:spPr>
+          <a:xfrm rot="16200000" flipH="1">
+            <a:off x="4550406" y="2462247"/>
+            <a:ext cx="78992" cy="1589"/>
+          </a:xfrm>
+          <a:prstGeom prst="bentConnector3">
+            <a:avLst>
+              <a:gd name="adj1" fmla="val 134407"/>
+            </a:avLst>
+          </a:prstGeom>
+          <a:ln w="12700">
+            <a:solidFill>
+              <a:schemeClr val="tx1"/>
+            </a:solidFill>
+          </a:ln>
+        </p:spPr>
+        <p:style>
+          <a:lnRef idx="1">
+            <a:schemeClr val="accent1"/>
+          </a:lnRef>
+          <a:fillRef idx="0">
+            <a:schemeClr val="accent1"/>
+          </a:fillRef>
+          <a:effectRef idx="0">
+            <a:schemeClr val="accent1"/>
+          </a:effectRef>
+          <a:fontRef idx="minor">
+            <a:schemeClr val="tx1"/>
+          </a:fontRef>
+        </p:style>
+      </p:cxnSp>
+      <p:cxnSp>
+        <p:nvCxnSpPr>
+          <p:cNvPr id="171" name="Conector angular 170"/>
+          <p:cNvCxnSpPr/>
+          <p:nvPr/>
+        </p:nvCxnSpPr>
+        <p:spPr>
+          <a:xfrm rot="5400000">
+            <a:off x="2490895" y="2741699"/>
+            <a:ext cx="153570" cy="2294"/>
+          </a:xfrm>
+          <a:prstGeom prst="bentConnector3">
+            <a:avLst>
+              <a:gd name="adj1" fmla="val 96518"/>
+            </a:avLst>
+          </a:prstGeom>
+          <a:ln w="12700">
+            <a:solidFill>
+              <a:schemeClr val="tx1"/>
+            </a:solidFill>
+          </a:ln>
+        </p:spPr>
+        <p:style>
+          <a:lnRef idx="1">
+            <a:schemeClr val="accent1"/>
+          </a:lnRef>
+          <a:fillRef idx="0">
+            <a:schemeClr val="accent1"/>
+          </a:fillRef>
+          <a:effectRef idx="0">
+            <a:schemeClr val="accent1"/>
+          </a:effectRef>
+          <a:fontRef idx="minor">
+            <a:schemeClr val="tx1"/>
+          </a:fontRef>
+        </p:style>
+      </p:cxnSp>
+      <p:cxnSp>
+        <p:nvCxnSpPr>
+          <p:cNvPr id="182" name="Conector angular 181"/>
+          <p:cNvCxnSpPr/>
+          <p:nvPr/>
+        </p:nvCxnSpPr>
+        <p:spPr>
+          <a:xfrm rot="5400000">
+            <a:off x="4513469" y="2778154"/>
+            <a:ext cx="153570" cy="2294"/>
+          </a:xfrm>
+          <a:prstGeom prst="bentConnector3">
+            <a:avLst>
+              <a:gd name="adj1" fmla="val 96518"/>
+            </a:avLst>
+          </a:prstGeom>
+          <a:ln w="12700">
+            <a:solidFill>
+              <a:schemeClr val="tx1"/>
+            </a:solidFill>
+          </a:ln>
+        </p:spPr>
+        <p:style>
+          <a:lnRef idx="1">
+            <a:schemeClr val="accent1"/>
+          </a:lnRef>
+          <a:fillRef idx="0">
+            <a:schemeClr val="accent1"/>
+          </a:fillRef>
+          <a:effectRef idx="0">
+            <a:schemeClr val="accent1"/>
+          </a:effectRef>
+          <a:fontRef idx="minor">
+            <a:schemeClr val="tx1"/>
+          </a:fontRef>
+        </p:style>
+      </p:cxnSp>
+      <p:cxnSp>
+        <p:nvCxnSpPr>
+          <p:cNvPr id="185" name="Conector angular 184"/>
+          <p:cNvCxnSpPr/>
+          <p:nvPr/>
+        </p:nvCxnSpPr>
+        <p:spPr>
+          <a:xfrm rot="5400000">
+            <a:off x="1026103" y="3680263"/>
+            <a:ext cx="227491" cy="438"/>
+          </a:xfrm>
+          <a:prstGeom prst="bentConnector3">
+            <a:avLst>
+              <a:gd name="adj1" fmla="val 50000"/>
+            </a:avLst>
+          </a:prstGeom>
+          <a:ln w="12700">
+            <a:solidFill>
+              <a:schemeClr val="tx1"/>
+            </a:solidFill>
+          </a:ln>
+        </p:spPr>
+        <p:style>
+          <a:lnRef idx="1">
+            <a:schemeClr val="accent1"/>
+          </a:lnRef>
+          <a:fillRef idx="0">
+            <a:schemeClr val="accent1"/>
+          </a:fillRef>
+          <a:effectRef idx="0">
+            <a:schemeClr val="accent1"/>
+          </a:effectRef>
+          <a:fontRef idx="minor">
+            <a:schemeClr val="tx1"/>
+          </a:fontRef>
+        </p:style>
+      </p:cxnSp>
+      <p:sp>
+        <p:nvSpPr>
+          <p:cNvPr id="186" name="CuadroTexto 185" descr="Conector entre nodos" title="conector"/>
+          <p:cNvSpPr txBox="1"/>
+          <p:nvPr/>
+        </p:nvSpPr>
+        <p:spPr>
+          <a:xfrm>
+            <a:off x="822535" y="4152407"/>
+            <a:ext cx="622088" cy="215444"/>
+          </a:xfrm>
+          <a:prstGeom prst="rect">
+            <a:avLst/>
+          </a:prstGeom>
+          <a:noFill/>
+        </p:spPr>
+        <p:txBody>
+          <a:bodyPr wrap="square" rtlCol="0">
+            <a:spAutoFit/>
+          </a:bodyPr>
+          <a:lstStyle/>
+          <a:p>
+            <a:pPr algn="ctr"/>
+            <a:r>
+              <a:rPr lang="es-ES" sz="800" dirty="0" smtClean="0">
+                <a:latin typeface="Arial" panose="020B0604020202020204" pitchFamily="34" charset="0"/>
+                <a:cs typeface="Arial" panose="020B0604020202020204" pitchFamily="34" charset="0"/>
+              </a:rPr>
+              <a:t>como</a:t>
+            </a:r>
+            <a:endParaRPr lang="es-ES" sz="800" dirty="0">
+              <a:latin typeface="Arial" panose="020B0604020202020204" pitchFamily="34" charset="0"/>
+              <a:cs typeface="Arial" panose="020B0604020202020204" pitchFamily="34" charset="0"/>
+            </a:endParaRPr>
+          </a:p>
+        </p:txBody>
+      </p:sp>
+      <mc:AlternateContent xmlns:mc="http://schemas.openxmlformats.org/markup-compatibility/2006" xmlns:a14="http://schemas.microsoft.com/office/drawing/2010/main">
+        <mc:Choice Requires="a14">
+          <p:sp>
+            <p:nvSpPr>
+              <p:cNvPr id="187" name="Rectángulo 186" descr="Nodo de cuarto nivel&#10;" title="Nodo04"/>
+              <p:cNvSpPr/>
+              <p:nvPr/>
+            </p:nvSpPr>
+            <p:spPr>
+              <a:xfrm>
+                <a:off x="700363" y="5260403"/>
+                <a:ext cx="1349603" cy="291635"/>
+              </a:xfrm>
+              <a:prstGeom prst="rect">
+                <a:avLst/>
+              </a:prstGeom>
+              <a:solidFill>
+                <a:schemeClr val="bg1"/>
+              </a:solidFill>
+              <a:ln>
+                <a:solidFill>
+                  <a:schemeClr val="tx1"/>
+                </a:solidFill>
+              </a:ln>
+            </p:spPr>
+            <p:style>
+              <a:lnRef idx="2">
+                <a:schemeClr val="accent6"/>
+              </a:lnRef>
+              <a:fillRef idx="1">
+                <a:schemeClr val="lt1"/>
+              </a:fillRef>
+              <a:effectRef idx="0">
+                <a:schemeClr val="accent6"/>
+              </a:effectRef>
+              <a:fontRef idx="minor">
+                <a:schemeClr val="dk1"/>
+              </a:fontRef>
+            </p:style>
+            <p:txBody>
+              <a:bodyPr rtlCol="0" anchor="ctr"/>
+              <a:lstStyle/>
+              <a:p>
+                <a:pPr algn="ctr"/>
+                <a:endParaRPr lang="es-ES" sz="900" dirty="0" smtClean="0">
+                  <a:solidFill>
+                    <a:schemeClr val="tx1"/>
+                  </a:solidFill>
+                  <a:latin typeface="Arial" panose="020B0604020202020204" pitchFamily="34" charset="0"/>
+                  <a:cs typeface="Arial" panose="020B0604020202020204" pitchFamily="34" charset="0"/>
+                </a:endParaRPr>
+              </a:p>
+              <a:p>
+                <a:pPr algn="ctr"/>
+                <a:endParaRPr lang="es-ES" sz="900" dirty="0" smtClean="0">
+                  <a:solidFill>
+                    <a:schemeClr val="tx1"/>
+                  </a:solidFill>
+                  <a:latin typeface="Arial" panose="020B0604020202020204" pitchFamily="34" charset="0"/>
+                  <a:cs typeface="Arial" panose="020B0604020202020204" pitchFamily="34" charset="0"/>
+                </a:endParaRPr>
+              </a:p>
+              <a:p>
+                <a:pPr algn="ctr"/>
+                <a:endParaRPr lang="es-ES" sz="900" dirty="0" smtClean="0">
+                  <a:solidFill>
+                    <a:schemeClr val="tx1"/>
+                  </a:solidFill>
+                  <a:latin typeface="Arial" panose="020B0604020202020204" pitchFamily="34" charset="0"/>
+                  <a:cs typeface="Arial" panose="020B0604020202020204" pitchFamily="34" charset="0"/>
+                </a:endParaRPr>
+              </a:p>
+              <a:p>
+                <a:pPr algn="ctr"/>
+                <a:endParaRPr lang="es-ES" sz="800" dirty="0" smtClean="0">
+                  <a:solidFill>
+                    <a:schemeClr val="tx1"/>
+                  </a:solidFill>
+                  <a:latin typeface="Arial" panose="020B0604020202020204" pitchFamily="34" charset="0"/>
+                  <a:cs typeface="Arial" panose="020B0604020202020204" pitchFamily="34" charset="0"/>
+                </a:endParaRPr>
+              </a:p>
+              <a:p>
+                <a:pPr algn="ctr"/>
+                <a:r>
+                  <a:rPr lang="es-ES" sz="800" dirty="0" smtClean="0">
+                    <a:solidFill>
+                      <a:schemeClr val="tx1"/>
+                    </a:solidFill>
+                    <a:latin typeface="Arial" panose="020B0604020202020204" pitchFamily="34" charset="0"/>
+                    <a:cs typeface="Arial" panose="020B0604020202020204" pitchFamily="34" charset="0"/>
+                  </a:rPr>
+                  <a:t>asociativa:</a:t>
+                </a:r>
+              </a:p>
+              <a:p>
+                <a:pPr algn="ctr"/>
+                <a:r>
+                  <a:rPr lang="es-ES" sz="800" dirty="0">
+                    <a:solidFill>
+                      <a:schemeClr val="tx1"/>
+                    </a:solidFill>
+                    <a:latin typeface="Arial" panose="020B0604020202020204" pitchFamily="34" charset="0"/>
+                    <a:cs typeface="Arial" panose="020B0604020202020204" pitchFamily="34" charset="0"/>
+                  </a:rPr>
+                  <a:t>(</a:t>
+                </a:r>
+                <a:r>
+                  <a:rPr lang="es-ES" sz="800" i="1" dirty="0">
+                    <a:solidFill>
+                      <a:schemeClr val="tx1"/>
+                    </a:solidFill>
+                    <a:latin typeface="Arial" panose="020B0604020202020204" pitchFamily="34" charset="0"/>
+                    <a:cs typeface="Arial" panose="020B0604020202020204" pitchFamily="34" charset="0"/>
+                  </a:rPr>
+                  <a:t>m</a:t>
+                </a:r>
+                <a:r>
+                  <a:rPr lang="es-ES" sz="800" dirty="0" smtClean="0">
+                    <a:solidFill>
+                      <a:schemeClr val="tx1"/>
+                    </a:solidFill>
+                    <a:latin typeface="Arial" panose="020B0604020202020204" pitchFamily="34" charset="0"/>
+                    <a:cs typeface="Arial" panose="020B0604020202020204" pitchFamily="34" charset="0"/>
+                  </a:rPr>
+                  <a:t> </a:t>
+                </a:r>
+                <a14:m>
+                  <m:oMath xmlns:m="http://schemas.openxmlformats.org/officeDocument/2006/math">
+                    <m:r>
+                      <a:rPr lang="es-CO" sz="800" b="0" i="1" smtClean="0">
+                        <a:solidFill>
+                          <a:schemeClr val="tx1"/>
+                        </a:solidFill>
+                        <a:latin typeface="Cambria Math" panose="02040503050406030204" pitchFamily="18" charset="0"/>
+                        <a:cs typeface="Arial" panose="020B0604020202020204" pitchFamily="34" charset="0"/>
+                      </a:rPr>
+                      <m:t>+ </m:t>
+                    </m:r>
+                  </m:oMath>
+                </a14:m>
+                <a:r>
+                  <a:rPr lang="es-ES" sz="800" i="1" dirty="0" smtClean="0">
+                    <a:solidFill>
+                      <a:schemeClr val="tx1"/>
+                    </a:solidFill>
+                    <a:latin typeface="Arial" panose="020B0604020202020204" pitchFamily="34" charset="0"/>
+                    <a:cs typeface="Arial" panose="020B0604020202020204" pitchFamily="34" charset="0"/>
+                  </a:rPr>
+                  <a:t>n</a:t>
+                </a:r>
+                <a:r>
+                  <a:rPr lang="es-ES" sz="800" dirty="0">
+                    <a:solidFill>
+                      <a:schemeClr val="tx1"/>
+                    </a:solidFill>
+                    <a:latin typeface="Arial" panose="020B0604020202020204" pitchFamily="34" charset="0"/>
+                    <a:cs typeface="Arial" panose="020B0604020202020204" pitchFamily="34" charset="0"/>
+                  </a:rPr>
+                  <a:t>)</a:t>
+                </a:r>
+                <a:r>
+                  <a:rPr lang="es-ES" sz="800" dirty="0" smtClean="0">
+                    <a:solidFill>
+                      <a:schemeClr val="tx1"/>
+                    </a:solidFill>
+                    <a:latin typeface="Arial" panose="020B0604020202020204" pitchFamily="34" charset="0"/>
+                    <a:cs typeface="Arial" panose="020B0604020202020204" pitchFamily="34" charset="0"/>
+                  </a:rPr>
+                  <a:t> </a:t>
+                </a:r>
+                <a14:m>
+                  <m:oMath xmlns:m="http://schemas.openxmlformats.org/officeDocument/2006/math">
+                    <m:r>
+                      <a:rPr lang="es-CO" sz="800" b="0" i="0" dirty="0" smtClean="0">
+                        <a:solidFill>
+                          <a:schemeClr val="tx1"/>
+                        </a:solidFill>
+                        <a:latin typeface="Cambria Math" panose="02040503050406030204" pitchFamily="18" charset="0"/>
+                        <a:ea typeface="Cambria Math" panose="02040503050406030204" pitchFamily="18" charset="0"/>
+                        <a:cs typeface="Arial" panose="020B0604020202020204" pitchFamily="34" charset="0"/>
+                      </a:rPr>
+                      <m:t>+ </m:t>
+                    </m:r>
+                  </m:oMath>
+                </a14:m>
+                <a:r>
+                  <a:rPr lang="es-ES" sz="800" i="1" dirty="0" smtClean="0">
+                    <a:solidFill>
+                      <a:schemeClr val="tx1"/>
+                    </a:solidFill>
+                    <a:latin typeface="Arial" panose="020B0604020202020204" pitchFamily="34" charset="0"/>
+                    <a:cs typeface="Arial" panose="020B0604020202020204" pitchFamily="34" charset="0"/>
+                  </a:rPr>
+                  <a:t>p</a:t>
+                </a:r>
+                <a:r>
+                  <a:rPr lang="es-ES" sz="800" dirty="0" smtClean="0">
+                    <a:solidFill>
+                      <a:schemeClr val="tx1"/>
+                    </a:solidFill>
+                    <a:latin typeface="Arial" panose="020B0604020202020204" pitchFamily="34" charset="0"/>
+                    <a:cs typeface="Arial" panose="020B0604020202020204" pitchFamily="34" charset="0"/>
+                  </a:rPr>
+                  <a:t> = (</a:t>
+                </a:r>
+                <a:r>
+                  <a:rPr lang="es-ES" sz="800" i="1" dirty="0">
+                    <a:solidFill>
+                      <a:schemeClr val="tx1"/>
+                    </a:solidFill>
+                    <a:latin typeface="Arial" panose="020B0604020202020204" pitchFamily="34" charset="0"/>
+                    <a:cs typeface="Arial" panose="020B0604020202020204" pitchFamily="34" charset="0"/>
+                  </a:rPr>
+                  <a:t>m</a:t>
+                </a:r>
+                <a:r>
+                  <a:rPr lang="es-ES" sz="800" dirty="0" smtClean="0">
+                    <a:solidFill>
+                      <a:schemeClr val="tx1"/>
+                    </a:solidFill>
+                    <a:latin typeface="Arial" panose="020B0604020202020204" pitchFamily="34" charset="0"/>
+                    <a:cs typeface="Arial" panose="020B0604020202020204" pitchFamily="34" charset="0"/>
+                  </a:rPr>
+                  <a:t> + </a:t>
+                </a:r>
+                <a:r>
+                  <a:rPr lang="es-ES" sz="800" i="1" dirty="0" smtClean="0">
+                    <a:solidFill>
+                      <a:schemeClr val="tx1"/>
+                    </a:solidFill>
+                    <a:latin typeface="Arial" panose="020B0604020202020204" pitchFamily="34" charset="0"/>
+                    <a:cs typeface="Arial" panose="020B0604020202020204" pitchFamily="34" charset="0"/>
+                  </a:rPr>
+                  <a:t>n</a:t>
+                </a:r>
+                <a:r>
+                  <a:rPr lang="es-ES" sz="800" dirty="0">
+                    <a:solidFill>
+                      <a:schemeClr val="tx1"/>
+                    </a:solidFill>
+                    <a:latin typeface="Arial" panose="020B0604020202020204" pitchFamily="34" charset="0"/>
+                    <a:cs typeface="Arial" panose="020B0604020202020204" pitchFamily="34" charset="0"/>
+                  </a:rPr>
+                  <a:t>)</a:t>
+                </a:r>
+                <a:r>
+                  <a:rPr lang="es-ES" sz="800" dirty="0" smtClean="0">
+                    <a:solidFill>
+                      <a:schemeClr val="tx1"/>
+                    </a:solidFill>
+                    <a:latin typeface="Arial" panose="020B0604020202020204" pitchFamily="34" charset="0"/>
+                    <a:cs typeface="Arial" panose="020B0604020202020204" pitchFamily="34" charset="0"/>
+                  </a:rPr>
+                  <a:t> + </a:t>
+                </a:r>
+                <a:r>
+                  <a:rPr lang="es-ES" sz="800" i="1" dirty="0" smtClean="0">
+                    <a:solidFill>
+                      <a:schemeClr val="tx1"/>
+                    </a:solidFill>
+                    <a:latin typeface="Arial" panose="020B0604020202020204" pitchFamily="34" charset="0"/>
+                    <a:cs typeface="Arial" panose="020B0604020202020204" pitchFamily="34" charset="0"/>
+                  </a:rPr>
+                  <a:t>p</a:t>
+                </a:r>
+                <a:r>
+                  <a:rPr lang="es-ES" sz="800" dirty="0" smtClean="0">
+                    <a:solidFill>
+                      <a:schemeClr val="tx1"/>
+                    </a:solidFill>
+                    <a:latin typeface="Arial" panose="020B0604020202020204" pitchFamily="34" charset="0"/>
+                    <a:cs typeface="Arial" panose="020B0604020202020204" pitchFamily="34" charset="0"/>
+                  </a:rPr>
+                  <a:t> </a:t>
+                </a:r>
+                <a:endParaRPr lang="es-ES" sz="800" dirty="0">
+                  <a:solidFill>
+                    <a:schemeClr val="tx1"/>
+                  </a:solidFill>
+                  <a:latin typeface="Arial" panose="020B0604020202020204" pitchFamily="34" charset="0"/>
+                  <a:cs typeface="Arial" panose="020B0604020202020204" pitchFamily="34" charset="0"/>
+                </a:endParaRPr>
+              </a:p>
+              <a:p>
+                <a:pPr algn="ctr"/>
+                <a:endParaRPr lang="es-ES" sz="800" dirty="0">
+                  <a:solidFill>
+                    <a:schemeClr val="tx1"/>
+                  </a:solidFill>
+                  <a:latin typeface="Arial" panose="020B0604020202020204" pitchFamily="34" charset="0"/>
+                  <a:cs typeface="Arial" panose="020B0604020202020204" pitchFamily="34" charset="0"/>
+                </a:endParaRPr>
+              </a:p>
+              <a:p>
+                <a:pPr algn="ctr"/>
+                <a:endParaRPr lang="es-ES" sz="900" dirty="0">
+                  <a:solidFill>
+                    <a:schemeClr val="tx1"/>
+                  </a:solidFill>
+                  <a:latin typeface="Arial" panose="020B0604020202020204" pitchFamily="34" charset="0"/>
+                  <a:cs typeface="Arial" panose="020B0604020202020204" pitchFamily="34" charset="0"/>
+                </a:endParaRPr>
+              </a:p>
+              <a:p>
+                <a:pPr algn="ctr"/>
+                <a:endParaRPr lang="es-ES" sz="900" dirty="0">
+                  <a:solidFill>
+                    <a:schemeClr val="tx1"/>
+                  </a:solidFill>
+                  <a:latin typeface="Arial" panose="020B0604020202020204" pitchFamily="34" charset="0"/>
+                  <a:cs typeface="Arial" panose="020B0604020202020204" pitchFamily="34" charset="0"/>
+                </a:endParaRPr>
+              </a:p>
+              <a:p>
+                <a:pPr algn="ctr"/>
+                <a:endParaRPr lang="es-ES" sz="900" dirty="0">
+                  <a:solidFill>
+                    <a:schemeClr val="tx1"/>
+                  </a:solidFill>
+                  <a:latin typeface="Arial" panose="020B0604020202020204" pitchFamily="34" charset="0"/>
+                  <a:cs typeface="Arial" panose="020B0604020202020204" pitchFamily="34" charset="0"/>
+                </a:endParaRPr>
+              </a:p>
+            </p:txBody>
+          </p:sp>
+        </mc:Choice>
+        <mc:Fallback xmlns="">
+          <p:sp>
+            <p:nvSpPr>
+              <p:cNvPr id="187" name="Rectángulo 186" descr="Nodo de cuarto nivel&#10;" title="Nodo04"/>
+              <p:cNvSpPr>
+                <a:spLocks noRot="1" noChangeAspect="1" noMove="1" noResize="1" noEditPoints="1" noAdjustHandles="1" noChangeArrowheads="1" noChangeShapeType="1" noTextEdit="1"/>
+              </p:cNvSpPr>
+              <p:nvPr/>
+            </p:nvSpPr>
+            <p:spPr>
+              <a:xfrm>
+                <a:off x="700363" y="5260403"/>
+                <a:ext cx="1349603" cy="291635"/>
+              </a:xfrm>
+              <a:prstGeom prst="rect">
+                <a:avLst/>
+              </a:prstGeom>
+              <a:blipFill rotWithShape="0">
+                <a:blip r:embed="rId9"/>
+                <a:stretch>
+                  <a:fillRect b="-12000"/>
+                </a:stretch>
+              </a:blipFill>
+              <a:ln>
+                <a:solidFill>
+                  <a:schemeClr val="tx1"/>
+                </a:solidFill>
+              </a:ln>
+            </p:spPr>
+            <p:txBody>
+              <a:bodyPr/>
+              <a:lstStyle/>
+              <a:p>
+                <a:r>
+                  <a:rPr lang="es-CO">
+                    <a:noFill/>
+                  </a:rPr>
+                  <a:t> </a:t>
+                </a:r>
+              </a:p>
+            </p:txBody>
+          </p:sp>
+        </mc:Fallback>
+      </mc:AlternateContent>
+      <p:sp>
+        <p:nvSpPr>
+          <p:cNvPr id="188" name="Rectángulo 187" descr="Nodo de cuarto nivel&#10;" title="Nodo04"/>
+          <p:cNvSpPr/>
+          <p:nvPr/>
+        </p:nvSpPr>
+        <p:spPr>
+          <a:xfrm>
+            <a:off x="1461829" y="4515082"/>
+            <a:ext cx="836508" cy="348055"/>
+          </a:xfrm>
+          <a:prstGeom prst="rect">
+            <a:avLst/>
+          </a:prstGeom>
+          <a:solidFill>
+            <a:schemeClr val="bg1"/>
+          </a:solidFill>
+          <a:ln>
+            <a:solidFill>
+              <a:schemeClr val="tx1"/>
+            </a:solidFill>
+          </a:ln>
+        </p:spPr>
+        <p:style>
+          <a:lnRef idx="2">
+            <a:schemeClr val="accent6"/>
+          </a:lnRef>
+          <a:fillRef idx="1">
+            <a:schemeClr val="lt1"/>
+          </a:fillRef>
+          <a:effectRef idx="0">
+            <a:schemeClr val="accent6"/>
+          </a:effectRef>
+          <a:fontRef idx="minor">
+            <a:schemeClr val="dk1"/>
+          </a:fontRef>
+        </p:style>
+        <p:txBody>
+          <a:bodyPr rtlCol="0" anchor="ctr"/>
+          <a:lstStyle/>
+          <a:p>
+            <a:pPr algn="ctr"/>
+            <a:endParaRPr lang="es-ES" sz="900" dirty="0" smtClean="0">
+              <a:solidFill>
+                <a:schemeClr val="tx1"/>
+              </a:solidFill>
+              <a:latin typeface="Arial" panose="020B0604020202020204" pitchFamily="34" charset="0"/>
+              <a:cs typeface="Arial" panose="020B0604020202020204" pitchFamily="34" charset="0"/>
+            </a:endParaRPr>
+          </a:p>
+          <a:p>
+            <a:pPr algn="ctr"/>
+            <a:endParaRPr lang="es-ES" sz="900" dirty="0" smtClean="0">
+              <a:solidFill>
+                <a:schemeClr val="tx1"/>
+              </a:solidFill>
+              <a:latin typeface="Arial" panose="020B0604020202020204" pitchFamily="34" charset="0"/>
+              <a:cs typeface="Arial" panose="020B0604020202020204" pitchFamily="34" charset="0"/>
+            </a:endParaRPr>
+          </a:p>
+          <a:p>
+            <a:pPr algn="ctr"/>
+            <a:endParaRPr lang="es-ES" sz="900" dirty="0" smtClean="0">
+              <a:solidFill>
+                <a:schemeClr val="tx1"/>
+              </a:solidFill>
+              <a:latin typeface="Arial" panose="020B0604020202020204" pitchFamily="34" charset="0"/>
+              <a:cs typeface="Arial" panose="020B0604020202020204" pitchFamily="34" charset="0"/>
+            </a:endParaRPr>
+          </a:p>
+          <a:p>
+            <a:pPr algn="ctr"/>
+            <a:r>
+              <a:rPr lang="es-ES" sz="800" dirty="0" smtClean="0">
+                <a:solidFill>
+                  <a:schemeClr val="tx1"/>
+                </a:solidFill>
+                <a:latin typeface="Arial" panose="020B0604020202020204" pitchFamily="34" charset="0"/>
+                <a:cs typeface="Arial" panose="020B0604020202020204" pitchFamily="34" charset="0"/>
+              </a:rPr>
+              <a:t>conmutativa</a:t>
+            </a:r>
+          </a:p>
+          <a:p>
+            <a:pPr algn="ctr"/>
+            <a:r>
+              <a:rPr lang="es-ES" sz="800" i="1" dirty="0" smtClean="0">
+                <a:solidFill>
+                  <a:schemeClr val="tx1"/>
+                </a:solidFill>
+                <a:latin typeface="Arial" panose="020B0604020202020204" pitchFamily="34" charset="0"/>
+                <a:cs typeface="Arial" panose="020B0604020202020204" pitchFamily="34" charset="0"/>
+              </a:rPr>
+              <a:t>m</a:t>
+            </a:r>
+            <a:r>
+              <a:rPr lang="es-ES" sz="800" dirty="0" smtClean="0">
+                <a:solidFill>
+                  <a:schemeClr val="tx1"/>
+                </a:solidFill>
+                <a:latin typeface="Arial" panose="020B0604020202020204" pitchFamily="34" charset="0"/>
+                <a:cs typeface="Arial" panose="020B0604020202020204" pitchFamily="34" charset="0"/>
+              </a:rPr>
+              <a:t> + </a:t>
+            </a:r>
+            <a:r>
+              <a:rPr lang="es-ES" sz="800" i="1" dirty="0" smtClean="0">
+                <a:solidFill>
+                  <a:schemeClr val="tx1"/>
+                </a:solidFill>
+                <a:latin typeface="Arial" panose="020B0604020202020204" pitchFamily="34" charset="0"/>
+                <a:cs typeface="Arial" panose="020B0604020202020204" pitchFamily="34" charset="0"/>
+              </a:rPr>
+              <a:t>n</a:t>
+            </a:r>
+            <a:r>
+              <a:rPr lang="es-ES" sz="800" dirty="0" smtClean="0">
+                <a:solidFill>
+                  <a:schemeClr val="tx1"/>
+                </a:solidFill>
+                <a:latin typeface="Arial" panose="020B0604020202020204" pitchFamily="34" charset="0"/>
+                <a:cs typeface="Arial" panose="020B0604020202020204" pitchFamily="34" charset="0"/>
+              </a:rPr>
+              <a:t> = </a:t>
+            </a:r>
+            <a:r>
+              <a:rPr lang="es-ES" sz="800" i="1" dirty="0" smtClean="0">
+                <a:solidFill>
+                  <a:schemeClr val="tx1"/>
+                </a:solidFill>
+                <a:latin typeface="Arial" panose="020B0604020202020204" pitchFamily="34" charset="0"/>
+                <a:cs typeface="Arial" panose="020B0604020202020204" pitchFamily="34" charset="0"/>
+              </a:rPr>
+              <a:t>n</a:t>
+            </a:r>
+            <a:r>
+              <a:rPr lang="es-ES" sz="800" dirty="0" smtClean="0">
+                <a:solidFill>
+                  <a:schemeClr val="tx1"/>
+                </a:solidFill>
+                <a:latin typeface="Arial" panose="020B0604020202020204" pitchFamily="34" charset="0"/>
+                <a:cs typeface="Arial" panose="020B0604020202020204" pitchFamily="34" charset="0"/>
+              </a:rPr>
+              <a:t> + </a:t>
+            </a:r>
+            <a:r>
+              <a:rPr lang="es-ES" sz="800" i="1" dirty="0" smtClean="0">
+                <a:solidFill>
+                  <a:schemeClr val="tx1"/>
+                </a:solidFill>
+                <a:latin typeface="Arial" panose="020B0604020202020204" pitchFamily="34" charset="0"/>
+                <a:cs typeface="Arial" panose="020B0604020202020204" pitchFamily="34" charset="0"/>
+              </a:rPr>
+              <a:t>m</a:t>
+            </a:r>
+            <a:endParaRPr lang="es-ES" sz="800" i="1" dirty="0">
+              <a:solidFill>
+                <a:schemeClr val="tx1"/>
+              </a:solidFill>
+              <a:latin typeface="Arial" panose="020B0604020202020204" pitchFamily="34" charset="0"/>
+              <a:cs typeface="Arial" panose="020B0604020202020204" pitchFamily="34" charset="0"/>
+            </a:endParaRPr>
+          </a:p>
+          <a:p>
+            <a:pPr algn="ctr"/>
+            <a:r>
+              <a:rPr lang="es-ES" sz="900" dirty="0" smtClean="0">
+                <a:solidFill>
+                  <a:schemeClr val="tx1"/>
+                </a:solidFill>
+                <a:latin typeface="Arial" panose="020B0604020202020204" pitchFamily="34" charset="0"/>
+                <a:cs typeface="Arial" panose="020B0604020202020204" pitchFamily="34" charset="0"/>
+              </a:rPr>
+              <a:t> </a:t>
+            </a:r>
+          </a:p>
+          <a:p>
+            <a:pPr algn="ctr"/>
+            <a:endParaRPr lang="es-ES" sz="900" dirty="0">
+              <a:solidFill>
+                <a:schemeClr val="tx1"/>
+              </a:solidFill>
+              <a:latin typeface="Arial" panose="020B0604020202020204" pitchFamily="34" charset="0"/>
+              <a:cs typeface="Arial" panose="020B0604020202020204" pitchFamily="34" charset="0"/>
+            </a:endParaRPr>
+          </a:p>
+          <a:p>
+            <a:pPr algn="ctr"/>
+            <a:endParaRPr lang="es-ES" sz="900" dirty="0">
+              <a:solidFill>
+                <a:schemeClr val="tx1"/>
+              </a:solidFill>
+              <a:latin typeface="Arial" panose="020B0604020202020204" pitchFamily="34" charset="0"/>
+              <a:cs typeface="Arial" panose="020B0604020202020204" pitchFamily="34" charset="0"/>
+            </a:endParaRPr>
+          </a:p>
+        </p:txBody>
+      </p:sp>
+      <mc:AlternateContent xmlns:mc="http://schemas.openxmlformats.org/markup-compatibility/2006" xmlns:a14="http://schemas.microsoft.com/office/drawing/2010/main">
+        <mc:Choice Requires="a14">
+          <p:sp>
+            <p:nvSpPr>
+              <p:cNvPr id="190" name="Rectángulo 189" descr="Nodo de cuarto nivel&#10;" title="Nodo04"/>
+              <p:cNvSpPr/>
+              <p:nvPr/>
+            </p:nvSpPr>
+            <p:spPr>
+              <a:xfrm>
+                <a:off x="2442427" y="5036817"/>
+                <a:ext cx="674002" cy="474580"/>
+              </a:xfrm>
+              <a:prstGeom prst="rect">
+                <a:avLst/>
+              </a:prstGeom>
+              <a:solidFill>
+                <a:schemeClr val="bg1"/>
+              </a:solidFill>
+              <a:ln>
+                <a:solidFill>
+                  <a:schemeClr val="tx1"/>
+                </a:solidFill>
+              </a:ln>
+            </p:spPr>
+            <p:style>
+              <a:lnRef idx="2">
+                <a:schemeClr val="accent6"/>
+              </a:lnRef>
+              <a:fillRef idx="1">
+                <a:schemeClr val="lt1"/>
+              </a:fillRef>
+              <a:effectRef idx="0">
+                <a:schemeClr val="accent6"/>
+              </a:effectRef>
+              <a:fontRef idx="minor">
+                <a:schemeClr val="dk1"/>
+              </a:fontRef>
+            </p:style>
+            <p:txBody>
+              <a:bodyPr rtlCol="0" anchor="ctr"/>
+              <a:lstStyle/>
+              <a:p>
+                <a:pPr algn="ctr"/>
+                <a:endParaRPr lang="es-ES" sz="900" dirty="0" smtClean="0">
+                  <a:solidFill>
+                    <a:schemeClr val="tx1"/>
+                  </a:solidFill>
+                  <a:latin typeface="Arial" panose="020B0604020202020204" pitchFamily="34" charset="0"/>
+                  <a:cs typeface="Arial" panose="020B0604020202020204" pitchFamily="34" charset="0"/>
+                </a:endParaRPr>
+              </a:p>
+              <a:p>
+                <a:pPr algn="ctr"/>
+                <a:endParaRPr lang="es-ES" sz="900" dirty="0" smtClean="0">
+                  <a:solidFill>
+                    <a:schemeClr val="tx1"/>
+                  </a:solidFill>
+                  <a:latin typeface="Arial" panose="020B0604020202020204" pitchFamily="34" charset="0"/>
+                  <a:cs typeface="Arial" panose="020B0604020202020204" pitchFamily="34" charset="0"/>
+                </a:endParaRPr>
+              </a:p>
+              <a:p>
+                <a:pPr algn="ctr"/>
+                <a:endParaRPr lang="es-ES" sz="900" dirty="0" smtClean="0">
+                  <a:solidFill>
+                    <a:schemeClr val="tx1"/>
+                  </a:solidFill>
+                  <a:latin typeface="Arial" panose="020B0604020202020204" pitchFamily="34" charset="0"/>
+                  <a:cs typeface="Arial" panose="020B0604020202020204" pitchFamily="34" charset="0"/>
+                </a:endParaRPr>
+              </a:p>
+              <a:p>
+                <a:pPr algn="ctr"/>
+                <a:endParaRPr lang="es-ES" sz="800" dirty="0" smtClean="0">
+                  <a:solidFill>
+                    <a:schemeClr val="tx1"/>
+                  </a:solidFill>
+                  <a:latin typeface="Arial" panose="020B0604020202020204" pitchFamily="34" charset="0"/>
+                  <a:cs typeface="Arial" panose="020B0604020202020204" pitchFamily="34" charset="0"/>
+                </a:endParaRPr>
+              </a:p>
+              <a:p>
+                <a:pPr algn="ctr"/>
+                <a:r>
+                  <a:rPr lang="es-ES" sz="800" dirty="0" smtClean="0">
+                    <a:solidFill>
+                      <a:schemeClr val="tx1"/>
+                    </a:solidFill>
+                    <a:latin typeface="Arial" panose="020B0604020202020204" pitchFamily="34" charset="0"/>
+                    <a:cs typeface="Arial" panose="020B0604020202020204" pitchFamily="34" charset="0"/>
+                  </a:rPr>
+                  <a:t>elemento neutro</a:t>
+                </a:r>
+              </a:p>
+              <a:p>
+                <a:pPr algn="ctr"/>
+                <a:r>
+                  <a:rPr lang="es-ES" sz="800" i="1" dirty="0">
+                    <a:solidFill>
+                      <a:schemeClr val="tx1"/>
+                    </a:solidFill>
+                    <a:latin typeface="Arial" panose="020B0604020202020204" pitchFamily="34" charset="0"/>
+                    <a:cs typeface="Arial" panose="020B0604020202020204" pitchFamily="34" charset="0"/>
+                  </a:rPr>
+                  <a:t>m</a:t>
+                </a:r>
+                <a:r>
+                  <a:rPr lang="es-ES" sz="800" dirty="0">
+                    <a:solidFill>
+                      <a:schemeClr val="tx1"/>
+                    </a:solidFill>
+                    <a:latin typeface="Arial" panose="020B0604020202020204" pitchFamily="34" charset="0"/>
+                    <a:cs typeface="Arial" panose="020B0604020202020204" pitchFamily="34" charset="0"/>
+                  </a:rPr>
+                  <a:t> </a:t>
+                </a:r>
+                <a14:m>
+                  <m:oMath xmlns:m="http://schemas.openxmlformats.org/officeDocument/2006/math">
+                    <m:r>
+                      <a:rPr lang="es-CO" sz="800" b="0" i="1" dirty="0" smtClean="0">
+                        <a:solidFill>
+                          <a:schemeClr val="tx1"/>
+                        </a:solidFill>
+                        <a:latin typeface="Cambria Math" panose="02040503050406030204" pitchFamily="18" charset="0"/>
+                        <a:ea typeface="Cambria Math" panose="02040503050406030204" pitchFamily="18" charset="0"/>
+                        <a:cs typeface="Arial" panose="020B0604020202020204" pitchFamily="34" charset="0"/>
+                      </a:rPr>
+                      <m:t>+</m:t>
+                    </m:r>
+                  </m:oMath>
+                </a14:m>
+                <a:r>
+                  <a:rPr lang="es-ES" sz="800" dirty="0">
+                    <a:solidFill>
+                      <a:schemeClr val="tx1"/>
+                    </a:solidFill>
+                    <a:latin typeface="Arial" panose="020B0604020202020204" pitchFamily="34" charset="0"/>
+                    <a:cs typeface="Arial" panose="020B0604020202020204" pitchFamily="34" charset="0"/>
+                  </a:rPr>
+                  <a:t> </a:t>
+                </a:r>
+                <a:r>
+                  <a:rPr lang="es-ES" sz="800" dirty="0" smtClean="0">
+                    <a:solidFill>
+                      <a:schemeClr val="tx1"/>
+                    </a:solidFill>
+                    <a:latin typeface="Arial" panose="020B0604020202020204" pitchFamily="34" charset="0"/>
+                    <a:cs typeface="Arial" panose="020B0604020202020204" pitchFamily="34" charset="0"/>
+                  </a:rPr>
+                  <a:t>0 </a:t>
+                </a:r>
+                <a:r>
+                  <a:rPr lang="es-ES" sz="800" dirty="0">
+                    <a:solidFill>
+                      <a:schemeClr val="tx1"/>
+                    </a:solidFill>
+                    <a:latin typeface="Arial" panose="020B0604020202020204" pitchFamily="34" charset="0"/>
+                    <a:cs typeface="Arial" panose="020B0604020202020204" pitchFamily="34" charset="0"/>
+                  </a:rPr>
+                  <a:t>= </a:t>
+                </a:r>
+                <a:r>
+                  <a:rPr lang="es-ES" sz="800" i="1" dirty="0">
+                    <a:solidFill>
+                      <a:schemeClr val="tx1"/>
+                    </a:solidFill>
+                    <a:latin typeface="Arial" panose="020B0604020202020204" pitchFamily="34" charset="0"/>
+                    <a:cs typeface="Arial" panose="020B0604020202020204" pitchFamily="34" charset="0"/>
+                  </a:rPr>
+                  <a:t>m</a:t>
+                </a:r>
+              </a:p>
+              <a:p>
+                <a:pPr algn="ctr"/>
+                <a:endParaRPr lang="es-ES" sz="800" dirty="0">
+                  <a:solidFill>
+                    <a:schemeClr val="tx1"/>
+                  </a:solidFill>
+                  <a:latin typeface="Arial" panose="020B0604020202020204" pitchFamily="34" charset="0"/>
+                  <a:cs typeface="Arial" panose="020B0604020202020204" pitchFamily="34" charset="0"/>
+                </a:endParaRPr>
+              </a:p>
+              <a:p>
+                <a:pPr algn="ctr"/>
+                <a:r>
+                  <a:rPr lang="es-ES" sz="900" dirty="0" smtClean="0">
+                    <a:solidFill>
+                      <a:schemeClr val="tx1"/>
+                    </a:solidFill>
+                    <a:latin typeface="Arial" panose="020B0604020202020204" pitchFamily="34" charset="0"/>
+                    <a:cs typeface="Arial" panose="020B0604020202020204" pitchFamily="34" charset="0"/>
+                  </a:rPr>
+                  <a:t> </a:t>
+                </a:r>
+              </a:p>
+              <a:p>
+                <a:pPr algn="ctr"/>
+                <a:endParaRPr lang="es-ES" sz="900" dirty="0">
+                  <a:solidFill>
+                    <a:schemeClr val="tx1"/>
+                  </a:solidFill>
+                  <a:latin typeface="Arial" panose="020B0604020202020204" pitchFamily="34" charset="0"/>
+                  <a:cs typeface="Arial" panose="020B0604020202020204" pitchFamily="34" charset="0"/>
+                </a:endParaRPr>
+              </a:p>
+              <a:p>
+                <a:pPr algn="ctr"/>
+                <a:endParaRPr lang="es-ES" sz="900" dirty="0">
+                  <a:solidFill>
+                    <a:schemeClr val="tx1"/>
+                  </a:solidFill>
+                  <a:latin typeface="Arial" panose="020B0604020202020204" pitchFamily="34" charset="0"/>
+                  <a:cs typeface="Arial" panose="020B0604020202020204" pitchFamily="34" charset="0"/>
+                </a:endParaRPr>
+              </a:p>
+            </p:txBody>
+          </p:sp>
+        </mc:Choice>
+        <mc:Fallback xmlns="">
+          <p:sp>
+            <p:nvSpPr>
+              <p:cNvPr id="190" name="Rectángulo 189" descr="Nodo de cuarto nivel&#10;" title="Nodo04"/>
+              <p:cNvSpPr>
+                <a:spLocks noRot="1" noChangeAspect="1" noMove="1" noResize="1" noEditPoints="1" noAdjustHandles="1" noChangeArrowheads="1" noChangeShapeType="1" noTextEdit="1"/>
+              </p:cNvSpPr>
+              <p:nvPr/>
+            </p:nvSpPr>
+            <p:spPr>
+              <a:xfrm>
+                <a:off x="2442427" y="5036817"/>
+                <a:ext cx="674002" cy="474580"/>
+              </a:xfrm>
+              <a:prstGeom prst="rect">
+                <a:avLst/>
+              </a:prstGeom>
+              <a:blipFill rotWithShape="0">
+                <a:blip r:embed="rId10"/>
+                <a:stretch>
+                  <a:fillRect b="-1250"/>
+                </a:stretch>
+              </a:blipFill>
+              <a:ln>
+                <a:solidFill>
+                  <a:schemeClr val="tx1"/>
+                </a:solidFill>
+              </a:ln>
+            </p:spPr>
+            <p:txBody>
+              <a:bodyPr/>
+              <a:lstStyle/>
+              <a:p>
+                <a:r>
+                  <a:rPr lang="es-CO">
+                    <a:noFill/>
+                  </a:rPr>
+                  <a:t> </a:t>
+                </a:r>
+              </a:p>
+            </p:txBody>
+          </p:sp>
+        </mc:Fallback>
+      </mc:AlternateContent>
+      <p:cxnSp>
+        <p:nvCxnSpPr>
+          <p:cNvPr id="192" name="Conector angular 191"/>
+          <p:cNvCxnSpPr>
+            <a:endCxn id="135" idx="0"/>
+          </p:cNvCxnSpPr>
+          <p:nvPr/>
+        </p:nvCxnSpPr>
+        <p:spPr>
+          <a:xfrm rot="10800000" flipV="1">
+            <a:off x="700364" y="4436572"/>
+            <a:ext cx="424359" cy="95563"/>
+          </a:xfrm>
+          <a:prstGeom prst="bentConnector2">
+            <a:avLst/>
+          </a:prstGeom>
+          <a:ln w="12700">
+            <a:solidFill>
+              <a:schemeClr val="tx1"/>
+            </a:solidFill>
+          </a:ln>
+        </p:spPr>
+        <p:style>
+          <a:lnRef idx="1">
+            <a:schemeClr val="accent1"/>
+          </a:lnRef>
+          <a:fillRef idx="0">
+            <a:schemeClr val="accent1"/>
+          </a:fillRef>
+          <a:effectRef idx="0">
+            <a:schemeClr val="accent1"/>
+          </a:effectRef>
+          <a:fontRef idx="minor">
+            <a:schemeClr val="tx1"/>
+          </a:fontRef>
+        </p:style>
+      </p:cxnSp>
+      <p:cxnSp>
+        <p:nvCxnSpPr>
+          <p:cNvPr id="193" name="Conector angular 192"/>
+          <p:cNvCxnSpPr/>
+          <p:nvPr/>
+        </p:nvCxnSpPr>
+        <p:spPr>
+          <a:xfrm rot="16200000" flipH="1">
+            <a:off x="1506735" y="3965316"/>
+            <a:ext cx="148439" cy="919585"/>
+          </a:xfrm>
+          <a:prstGeom prst="bentConnector3">
+            <a:avLst>
+              <a:gd name="adj1" fmla="val 56417"/>
+            </a:avLst>
+          </a:prstGeom>
+          <a:ln w="12700">
+            <a:solidFill>
+              <a:schemeClr val="tx1"/>
+            </a:solidFill>
+          </a:ln>
+        </p:spPr>
+        <p:style>
+          <a:lnRef idx="1">
+            <a:schemeClr val="accent1"/>
+          </a:lnRef>
+          <a:fillRef idx="0">
+            <a:schemeClr val="accent1"/>
+          </a:fillRef>
+          <a:effectRef idx="0">
+            <a:schemeClr val="accent1"/>
+          </a:effectRef>
+          <a:fontRef idx="minor">
+            <a:schemeClr val="tx1"/>
+          </a:fontRef>
+        </p:style>
+      </p:cxnSp>
+      <p:cxnSp>
+        <p:nvCxnSpPr>
+          <p:cNvPr id="194" name="Conector angular 193"/>
+          <p:cNvCxnSpPr/>
+          <p:nvPr/>
+        </p:nvCxnSpPr>
+        <p:spPr>
+          <a:xfrm>
+            <a:off x="2046709" y="4434154"/>
+            <a:ext cx="757033" cy="597931"/>
+          </a:xfrm>
+          <a:prstGeom prst="bentConnector3">
+            <a:avLst>
+              <a:gd name="adj1" fmla="val 98157"/>
+            </a:avLst>
+          </a:prstGeom>
+          <a:ln w="12700">
+            <a:solidFill>
+              <a:schemeClr val="tx1"/>
+            </a:solidFill>
+          </a:ln>
+        </p:spPr>
+        <p:style>
+          <a:lnRef idx="1">
+            <a:schemeClr val="accent1"/>
+          </a:lnRef>
+          <a:fillRef idx="0">
+            <a:schemeClr val="accent1"/>
+          </a:fillRef>
+          <a:effectRef idx="0">
+            <a:schemeClr val="accent1"/>
+          </a:effectRef>
+          <a:fontRef idx="minor">
+            <a:schemeClr val="tx1"/>
+          </a:fontRef>
+        </p:style>
+      </p:cxnSp>
+      <p:cxnSp>
+        <p:nvCxnSpPr>
+          <p:cNvPr id="202" name="Conector angular 201"/>
+          <p:cNvCxnSpPr/>
+          <p:nvPr/>
+        </p:nvCxnSpPr>
+        <p:spPr>
+          <a:xfrm rot="16200000" flipH="1">
+            <a:off x="1049911" y="4106111"/>
+            <a:ext cx="152651" cy="876"/>
+          </a:xfrm>
+          <a:prstGeom prst="bentConnector3">
+            <a:avLst>
+              <a:gd name="adj1" fmla="val 50000"/>
+            </a:avLst>
+          </a:prstGeom>
+          <a:ln w="12700">
+            <a:solidFill>
+              <a:schemeClr val="tx1"/>
+            </a:solidFill>
+          </a:ln>
+        </p:spPr>
+        <p:style>
+          <a:lnRef idx="1">
+            <a:schemeClr val="accent1"/>
+          </a:lnRef>
+          <a:fillRef idx="0">
+            <a:schemeClr val="accent1"/>
+          </a:fillRef>
+          <a:effectRef idx="0">
+            <a:schemeClr val="accent1"/>
+          </a:effectRef>
+          <a:fontRef idx="minor">
+            <a:schemeClr val="tx1"/>
+          </a:fontRef>
+        </p:style>
+      </p:cxnSp>
+      <p:sp>
+        <p:nvSpPr>
+          <p:cNvPr id="206" name="Rectángulo 205" descr="Nodo de cuarto nivel&#10;" title="Nodo04"/>
+          <p:cNvSpPr/>
+          <p:nvPr/>
+        </p:nvSpPr>
+        <p:spPr>
+          <a:xfrm>
+            <a:off x="4107342" y="3782145"/>
+            <a:ext cx="923090" cy="241524"/>
+          </a:xfrm>
+          <a:prstGeom prst="rect">
+            <a:avLst/>
+          </a:prstGeom>
+          <a:solidFill>
+            <a:schemeClr val="bg1"/>
+          </a:solidFill>
+          <a:ln>
+            <a:solidFill>
+              <a:schemeClr val="tx1"/>
+            </a:solidFill>
+          </a:ln>
+        </p:spPr>
+        <p:style>
+          <a:lnRef idx="2">
+            <a:schemeClr val="accent6"/>
+          </a:lnRef>
+          <a:fillRef idx="1">
+            <a:schemeClr val="lt1"/>
+          </a:fillRef>
+          <a:effectRef idx="0">
+            <a:schemeClr val="accent6"/>
+          </a:effectRef>
+          <a:fontRef idx="minor">
+            <a:schemeClr val="dk1"/>
+          </a:fontRef>
+        </p:style>
+        <p:txBody>
+          <a:bodyPr rtlCol="0" anchor="ctr"/>
+          <a:lstStyle/>
+          <a:p>
+            <a:pPr algn="ctr"/>
+            <a:r>
+              <a:rPr lang="es-ES" sz="900" dirty="0" smtClean="0">
+                <a:solidFill>
+                  <a:schemeClr val="tx1"/>
+                </a:solidFill>
+                <a:latin typeface="Arial" panose="020B0604020202020204" pitchFamily="34" charset="0"/>
+                <a:cs typeface="Arial" panose="020B0604020202020204" pitchFamily="34" charset="0"/>
+              </a:rPr>
+              <a:t>propiedades</a:t>
+            </a:r>
+            <a:endParaRPr lang="es-ES" sz="900" dirty="0">
+              <a:solidFill>
+                <a:schemeClr val="tx1"/>
+              </a:solidFill>
+              <a:latin typeface="Arial" panose="020B0604020202020204" pitchFamily="34" charset="0"/>
+              <a:cs typeface="Arial" panose="020B0604020202020204" pitchFamily="34" charset="0"/>
+            </a:endParaRPr>
+          </a:p>
+        </p:txBody>
+      </p:sp>
+      <p:sp>
+        <p:nvSpPr>
+          <p:cNvPr id="207" name="CuadroTexto 206" descr="Conector entre nodos" title="conector"/>
+          <p:cNvSpPr txBox="1"/>
+          <p:nvPr/>
+        </p:nvSpPr>
+        <p:spPr>
+          <a:xfrm>
+            <a:off x="4288673" y="4186457"/>
+            <a:ext cx="622088" cy="215444"/>
+          </a:xfrm>
+          <a:prstGeom prst="rect">
+            <a:avLst/>
+          </a:prstGeom>
+          <a:noFill/>
+        </p:spPr>
+        <p:txBody>
+          <a:bodyPr wrap="square" rtlCol="0">
+            <a:spAutoFit/>
+          </a:bodyPr>
+          <a:lstStyle/>
+          <a:p>
+            <a:pPr algn="ctr"/>
+            <a:r>
+              <a:rPr lang="es-ES" sz="800" dirty="0" smtClean="0">
+                <a:latin typeface="Arial" panose="020B0604020202020204" pitchFamily="34" charset="0"/>
+                <a:cs typeface="Arial" panose="020B0604020202020204" pitchFamily="34" charset="0"/>
+              </a:rPr>
+              <a:t>como</a:t>
+            </a:r>
+            <a:endParaRPr lang="es-ES" sz="800" dirty="0">
+              <a:latin typeface="Arial" panose="020B0604020202020204" pitchFamily="34" charset="0"/>
+              <a:cs typeface="Arial" panose="020B0604020202020204" pitchFamily="34" charset="0"/>
+            </a:endParaRPr>
+          </a:p>
+        </p:txBody>
+      </p:sp>
+      <mc:AlternateContent xmlns:mc="http://schemas.openxmlformats.org/markup-compatibility/2006" xmlns:a14="http://schemas.microsoft.com/office/drawing/2010/main">
+        <mc:Choice Requires="a14">
+          <p:sp>
+            <p:nvSpPr>
+              <p:cNvPr id="208" name="Rectángulo 207" descr="Nodo de cuarto nivel&#10;" title="Nodo04"/>
+              <p:cNvSpPr/>
+              <p:nvPr/>
+            </p:nvSpPr>
+            <p:spPr>
+              <a:xfrm>
+                <a:off x="4107342" y="5094090"/>
+                <a:ext cx="1410187" cy="353519"/>
+              </a:xfrm>
+              <a:prstGeom prst="rect">
+                <a:avLst/>
+              </a:prstGeom>
+              <a:solidFill>
+                <a:schemeClr val="bg1"/>
+              </a:solidFill>
+              <a:ln>
+                <a:solidFill>
+                  <a:schemeClr val="tx1"/>
+                </a:solidFill>
+              </a:ln>
+            </p:spPr>
+            <p:style>
+              <a:lnRef idx="2">
+                <a:schemeClr val="accent6"/>
+              </a:lnRef>
+              <a:fillRef idx="1">
+                <a:schemeClr val="lt1"/>
+              </a:fillRef>
+              <a:effectRef idx="0">
+                <a:schemeClr val="accent6"/>
+              </a:effectRef>
+              <a:fontRef idx="minor">
+                <a:schemeClr val="dk1"/>
+              </a:fontRef>
+            </p:style>
+            <p:txBody>
+              <a:bodyPr rtlCol="0" anchor="ctr"/>
+              <a:lstStyle/>
+              <a:p>
+                <a:pPr algn="ctr"/>
+                <a:endParaRPr lang="es-ES" sz="800" dirty="0" smtClean="0">
+                  <a:solidFill>
+                    <a:schemeClr val="tx1"/>
+                  </a:solidFill>
+                  <a:latin typeface="Arial" panose="020B0604020202020204" pitchFamily="34" charset="0"/>
+                  <a:cs typeface="Arial" panose="020B0604020202020204" pitchFamily="34" charset="0"/>
+                </a:endParaRPr>
+              </a:p>
+              <a:p>
+                <a:pPr algn="ctr"/>
+                <a:r>
+                  <a:rPr lang="es-ES" sz="800" dirty="0" smtClean="0">
+                    <a:solidFill>
+                      <a:schemeClr val="tx1"/>
+                    </a:solidFill>
+                    <a:latin typeface="Arial" panose="020B0604020202020204" pitchFamily="34" charset="0"/>
+                    <a:cs typeface="Arial" panose="020B0604020202020204" pitchFamily="34" charset="0"/>
+                  </a:rPr>
+                  <a:t>asociativa</a:t>
+                </a:r>
+              </a:p>
+              <a:p>
+                <a:pPr algn="ctr"/>
+                <a:r>
+                  <a:rPr lang="es-ES" sz="800" dirty="0">
+                    <a:solidFill>
+                      <a:schemeClr val="tx1"/>
+                    </a:solidFill>
+                    <a:latin typeface="Arial" panose="020B0604020202020204" pitchFamily="34" charset="0"/>
+                    <a:cs typeface="Arial" panose="020B0604020202020204" pitchFamily="34" charset="0"/>
+                  </a:rPr>
+                  <a:t>(</a:t>
+                </a:r>
+                <a:r>
+                  <a:rPr lang="es-ES" sz="800" i="1" dirty="0" err="1">
+                    <a:solidFill>
+                      <a:schemeClr val="tx1"/>
+                    </a:solidFill>
+                    <a:latin typeface="Arial" panose="020B0604020202020204" pitchFamily="34" charset="0"/>
+                    <a:cs typeface="Arial" panose="020B0604020202020204" pitchFamily="34" charset="0"/>
+                  </a:rPr>
+                  <a:t>m</a:t>
+                </a:r>
+                <a14:m>
+                  <m:oMath xmlns:m="http://schemas.openxmlformats.org/officeDocument/2006/math">
+                    <m:r>
+                      <a:rPr lang="es-CO" sz="800" b="0" i="1" dirty="0" smtClean="0">
+                        <a:solidFill>
+                          <a:schemeClr val="tx1"/>
+                        </a:solidFill>
+                        <a:latin typeface="Cambria Math" panose="02040503050406030204" pitchFamily="18" charset="0"/>
+                        <a:ea typeface="Cambria Math" panose="02040503050406030204" pitchFamily="18" charset="0"/>
+                        <a:cs typeface="Arial" panose="020B0604020202020204" pitchFamily="34" charset="0"/>
+                      </a:rPr>
+                      <m:t> </m:t>
+                    </m:r>
+                    <m:r>
+                      <a:rPr lang="es-ES" sz="800" i="1" dirty="0">
+                        <a:solidFill>
+                          <a:schemeClr val="tx1"/>
+                        </a:solidFill>
+                        <a:latin typeface="Cambria Math" panose="02040503050406030204" pitchFamily="18" charset="0"/>
+                        <a:ea typeface="Cambria Math" panose="02040503050406030204" pitchFamily="18" charset="0"/>
+                        <a:cs typeface="Arial" panose="020B0604020202020204" pitchFamily="34" charset="0"/>
+                      </a:rPr>
+                      <m:t>×</m:t>
+                    </m:r>
+                    <m:r>
+                      <a:rPr lang="es-CO" sz="800" b="0" i="1" dirty="0" smtClean="0">
+                        <a:solidFill>
+                          <a:schemeClr val="tx1"/>
+                        </a:solidFill>
+                        <a:latin typeface="Cambria Math" panose="02040503050406030204" pitchFamily="18" charset="0"/>
+                        <a:ea typeface="Cambria Math" panose="02040503050406030204" pitchFamily="18" charset="0"/>
+                        <a:cs typeface="Arial" panose="020B0604020202020204" pitchFamily="34" charset="0"/>
+                      </a:rPr>
+                      <m:t> </m:t>
+                    </m:r>
+                  </m:oMath>
+                </a14:m>
+                <a:r>
+                  <a:rPr lang="es-ES" sz="800" i="1" dirty="0" err="1">
+                    <a:solidFill>
+                      <a:schemeClr val="tx1"/>
+                    </a:solidFill>
+                    <a:latin typeface="Arial" panose="020B0604020202020204" pitchFamily="34" charset="0"/>
+                    <a:cs typeface="Arial" panose="020B0604020202020204" pitchFamily="34" charset="0"/>
+                  </a:rPr>
+                  <a:t>n</a:t>
+                </a:r>
+                <a:r>
+                  <a:rPr lang="es-ES" sz="800" dirty="0">
+                    <a:solidFill>
+                      <a:schemeClr val="tx1"/>
+                    </a:solidFill>
+                    <a:latin typeface="Arial" panose="020B0604020202020204" pitchFamily="34" charset="0"/>
+                    <a:cs typeface="Arial" panose="020B0604020202020204" pitchFamily="34" charset="0"/>
+                  </a:rPr>
+                  <a:t>)</a:t>
+                </a:r>
+                <a14:m>
+                  <m:oMath xmlns:m="http://schemas.openxmlformats.org/officeDocument/2006/math">
+                    <m:r>
+                      <a:rPr lang="es-CO" sz="800" b="0" i="0" dirty="0" smtClean="0">
+                        <a:solidFill>
+                          <a:schemeClr val="tx1"/>
+                        </a:solidFill>
+                        <a:latin typeface="Cambria Math" panose="02040503050406030204" pitchFamily="18" charset="0"/>
+                        <a:ea typeface="Cambria Math" panose="02040503050406030204" pitchFamily="18" charset="0"/>
+                        <a:cs typeface="Arial" panose="020B0604020202020204" pitchFamily="34" charset="0"/>
+                      </a:rPr>
+                      <m:t> </m:t>
+                    </m:r>
+                    <m:r>
+                      <a:rPr lang="es-ES" sz="800" i="1" dirty="0">
+                        <a:solidFill>
+                          <a:schemeClr val="tx1"/>
+                        </a:solidFill>
+                        <a:latin typeface="Cambria Math" panose="02040503050406030204" pitchFamily="18" charset="0"/>
+                        <a:ea typeface="Cambria Math" panose="02040503050406030204" pitchFamily="18" charset="0"/>
+                        <a:cs typeface="Arial" panose="020B0604020202020204" pitchFamily="34" charset="0"/>
+                      </a:rPr>
+                      <m:t>×</m:t>
+                    </m:r>
+                  </m:oMath>
+                </a14:m>
+                <a:r>
+                  <a:rPr lang="es-ES" sz="800" i="1" dirty="0" smtClean="0">
+                    <a:solidFill>
+                      <a:schemeClr val="tx1"/>
+                    </a:solidFill>
+                    <a:latin typeface="Arial" panose="020B0604020202020204" pitchFamily="34" charset="0"/>
+                    <a:cs typeface="Arial" panose="020B0604020202020204" pitchFamily="34" charset="0"/>
+                  </a:rPr>
+                  <a:t> p </a:t>
+                </a:r>
+                <a:r>
+                  <a:rPr lang="es-ES" sz="800" dirty="0" smtClean="0">
+                    <a:solidFill>
+                      <a:schemeClr val="tx1"/>
+                    </a:solidFill>
+                    <a:latin typeface="Arial" panose="020B0604020202020204" pitchFamily="34" charset="0"/>
+                    <a:cs typeface="Arial" panose="020B0604020202020204" pitchFamily="34" charset="0"/>
+                  </a:rPr>
+                  <a:t>= (</a:t>
+                </a:r>
+                <a:r>
+                  <a:rPr lang="es-ES" sz="800" i="1" dirty="0">
+                    <a:solidFill>
+                      <a:schemeClr val="tx1"/>
+                    </a:solidFill>
+                    <a:latin typeface="Arial" panose="020B0604020202020204" pitchFamily="34" charset="0"/>
+                    <a:cs typeface="Arial" panose="020B0604020202020204" pitchFamily="34" charset="0"/>
+                  </a:rPr>
+                  <a:t>m</a:t>
+                </a:r>
+                <a14:m>
+                  <m:oMath xmlns:m="http://schemas.openxmlformats.org/officeDocument/2006/math">
+                    <m:r>
+                      <a:rPr lang="es-CO" sz="800" b="0" i="1" dirty="0" smtClean="0">
+                        <a:solidFill>
+                          <a:schemeClr val="tx1"/>
+                        </a:solidFill>
+                        <a:latin typeface="Cambria Math" panose="02040503050406030204" pitchFamily="18" charset="0"/>
+                        <a:ea typeface="Cambria Math" panose="02040503050406030204" pitchFamily="18" charset="0"/>
+                        <a:cs typeface="Arial" panose="020B0604020202020204" pitchFamily="34" charset="0"/>
+                      </a:rPr>
+                      <m:t> </m:t>
+                    </m:r>
+                    <m:r>
+                      <a:rPr lang="es-ES" sz="800" i="1" dirty="0">
+                        <a:solidFill>
+                          <a:schemeClr val="tx1"/>
+                        </a:solidFill>
+                        <a:latin typeface="Cambria Math" panose="02040503050406030204" pitchFamily="18" charset="0"/>
+                        <a:ea typeface="Cambria Math" panose="02040503050406030204" pitchFamily="18" charset="0"/>
+                        <a:cs typeface="Arial" panose="020B0604020202020204" pitchFamily="34" charset="0"/>
+                      </a:rPr>
+                      <m:t>×</m:t>
+                    </m:r>
+                  </m:oMath>
+                </a14:m>
+                <a:r>
+                  <a:rPr lang="es-ES" sz="800" i="1" dirty="0" smtClean="0">
+                    <a:solidFill>
+                      <a:schemeClr val="tx1"/>
+                    </a:solidFill>
+                    <a:latin typeface="Arial" panose="020B0604020202020204" pitchFamily="34" charset="0"/>
+                    <a:cs typeface="Arial" panose="020B0604020202020204" pitchFamily="34" charset="0"/>
+                  </a:rPr>
+                  <a:t> </a:t>
+                </a:r>
+                <a:r>
+                  <a:rPr lang="es-ES" sz="800" i="1" dirty="0">
+                    <a:solidFill>
+                      <a:schemeClr val="tx1"/>
+                    </a:solidFill>
+                    <a:latin typeface="Arial" panose="020B0604020202020204" pitchFamily="34" charset="0"/>
+                    <a:cs typeface="Arial" panose="020B0604020202020204" pitchFamily="34" charset="0"/>
+                  </a:rPr>
+                  <a:t>n</a:t>
+                </a:r>
+                <a:r>
+                  <a:rPr lang="es-ES" sz="800" dirty="0">
+                    <a:solidFill>
+                      <a:schemeClr val="tx1"/>
+                    </a:solidFill>
+                    <a:latin typeface="Arial" panose="020B0604020202020204" pitchFamily="34" charset="0"/>
+                    <a:cs typeface="Arial" panose="020B0604020202020204" pitchFamily="34" charset="0"/>
+                  </a:rPr>
+                  <a:t>)</a:t>
+                </a:r>
+                <a14:m>
+                  <m:oMath xmlns:m="http://schemas.openxmlformats.org/officeDocument/2006/math">
+                    <m:r>
+                      <a:rPr lang="es-CO" sz="800" b="0" i="0" dirty="0" smtClean="0">
+                        <a:solidFill>
+                          <a:schemeClr val="tx1"/>
+                        </a:solidFill>
+                        <a:latin typeface="Cambria Math" panose="02040503050406030204" pitchFamily="18" charset="0"/>
+                        <a:ea typeface="Cambria Math" panose="02040503050406030204" pitchFamily="18" charset="0"/>
+                        <a:cs typeface="Arial" panose="020B0604020202020204" pitchFamily="34" charset="0"/>
+                      </a:rPr>
+                      <m:t> </m:t>
+                    </m:r>
+                    <m:r>
+                      <a:rPr lang="es-ES" sz="800" i="1" dirty="0">
+                        <a:solidFill>
+                          <a:schemeClr val="tx1"/>
+                        </a:solidFill>
+                        <a:latin typeface="Cambria Math" panose="02040503050406030204" pitchFamily="18" charset="0"/>
+                        <a:ea typeface="Cambria Math" panose="02040503050406030204" pitchFamily="18" charset="0"/>
+                        <a:cs typeface="Arial" panose="020B0604020202020204" pitchFamily="34" charset="0"/>
+                      </a:rPr>
+                      <m:t>×</m:t>
+                    </m:r>
+                  </m:oMath>
+                </a14:m>
+                <a:r>
+                  <a:rPr lang="es-ES" sz="800" i="1" dirty="0" smtClean="0">
+                    <a:solidFill>
+                      <a:schemeClr val="tx1"/>
+                    </a:solidFill>
+                    <a:latin typeface="Arial" panose="020B0604020202020204" pitchFamily="34" charset="0"/>
+                    <a:cs typeface="Arial" panose="020B0604020202020204" pitchFamily="34" charset="0"/>
+                  </a:rPr>
+                  <a:t> </a:t>
+                </a:r>
+                <a:r>
+                  <a:rPr lang="es-ES" sz="800" i="1" dirty="0">
+                    <a:solidFill>
+                      <a:schemeClr val="tx1"/>
+                    </a:solidFill>
+                    <a:latin typeface="Arial" panose="020B0604020202020204" pitchFamily="34" charset="0"/>
+                    <a:cs typeface="Arial" panose="020B0604020202020204" pitchFamily="34" charset="0"/>
+                  </a:rPr>
+                  <a:t>p</a:t>
+                </a:r>
+                <a:r>
+                  <a:rPr lang="es-ES" sz="800" dirty="0">
+                    <a:solidFill>
+                      <a:schemeClr val="tx1"/>
+                    </a:solidFill>
+                    <a:latin typeface="Arial" panose="020B0604020202020204" pitchFamily="34" charset="0"/>
+                    <a:cs typeface="Arial" panose="020B0604020202020204" pitchFamily="34" charset="0"/>
+                  </a:rPr>
+                  <a:t> </a:t>
+                </a:r>
+              </a:p>
+              <a:p>
+                <a:pPr algn="ctr"/>
+                <a:endParaRPr lang="es-ES" sz="900" dirty="0">
+                  <a:solidFill>
+                    <a:schemeClr val="tx1"/>
+                  </a:solidFill>
+                  <a:latin typeface="Arial" panose="020B0604020202020204" pitchFamily="34" charset="0"/>
+                  <a:cs typeface="Arial" panose="020B0604020202020204" pitchFamily="34" charset="0"/>
+                </a:endParaRPr>
+              </a:p>
+            </p:txBody>
+          </p:sp>
+        </mc:Choice>
+        <mc:Fallback xmlns="">
+          <p:sp>
+            <p:nvSpPr>
+              <p:cNvPr id="208" name="Rectángulo 207" descr="Nodo de cuarto nivel&#10;" title="Nodo04"/>
+              <p:cNvSpPr>
+                <a:spLocks noRot="1" noChangeAspect="1" noMove="1" noResize="1" noEditPoints="1" noAdjustHandles="1" noChangeArrowheads="1" noChangeShapeType="1" noTextEdit="1"/>
+              </p:cNvSpPr>
+              <p:nvPr/>
+            </p:nvSpPr>
+            <p:spPr>
+              <a:xfrm>
+                <a:off x="4107342" y="5094090"/>
+                <a:ext cx="1410187" cy="353519"/>
+              </a:xfrm>
+              <a:prstGeom prst="rect">
+                <a:avLst/>
+              </a:prstGeom>
+              <a:blipFill rotWithShape="0">
+                <a:blip r:embed="rId11"/>
+                <a:stretch>
+                  <a:fillRect/>
+                </a:stretch>
+              </a:blipFill>
+              <a:ln>
+                <a:solidFill>
+                  <a:schemeClr val="tx1"/>
+                </a:solidFill>
+              </a:ln>
+            </p:spPr>
+            <p:txBody>
+              <a:bodyPr/>
+              <a:lstStyle/>
+              <a:p>
+                <a:r>
+                  <a:rPr lang="es-CO">
+                    <a:noFill/>
+                  </a:rPr>
+                  <a:t> </a:t>
+                </a:r>
+              </a:p>
+            </p:txBody>
+          </p:sp>
+        </mc:Fallback>
+      </mc:AlternateContent>
+      <mc:AlternateContent xmlns:mc="http://schemas.openxmlformats.org/markup-compatibility/2006" xmlns:a14="http://schemas.microsoft.com/office/drawing/2010/main">
+        <mc:Choice Requires="a14">
+          <p:sp>
+            <p:nvSpPr>
+              <p:cNvPr id="211" name="Rectángulo 210" descr="Nodo de cuarto nivel&#10;" title="Nodo04"/>
+              <p:cNvSpPr/>
+              <p:nvPr/>
+            </p:nvSpPr>
+            <p:spPr>
+              <a:xfrm>
+                <a:off x="3449653" y="4552066"/>
+                <a:ext cx="991647" cy="362108"/>
+              </a:xfrm>
+              <a:prstGeom prst="rect">
+                <a:avLst/>
+              </a:prstGeom>
+              <a:solidFill>
+                <a:schemeClr val="bg1"/>
+              </a:solidFill>
+              <a:ln>
+                <a:solidFill>
+                  <a:schemeClr val="tx1"/>
+                </a:solidFill>
+              </a:ln>
+            </p:spPr>
+            <p:style>
+              <a:lnRef idx="2">
+                <a:schemeClr val="accent6"/>
+              </a:lnRef>
+              <a:fillRef idx="1">
+                <a:schemeClr val="lt1"/>
+              </a:fillRef>
+              <a:effectRef idx="0">
+                <a:schemeClr val="accent6"/>
+              </a:effectRef>
+              <a:fontRef idx="minor">
+                <a:schemeClr val="dk1"/>
+              </a:fontRef>
+            </p:style>
+            <p:txBody>
+              <a:bodyPr rtlCol="0" anchor="ctr"/>
+              <a:lstStyle/>
+              <a:p>
+                <a:pPr algn="ctr"/>
+                <a:endParaRPr lang="es-ES" sz="900" dirty="0" smtClean="0">
+                  <a:solidFill>
+                    <a:schemeClr val="tx1"/>
+                  </a:solidFill>
+                  <a:latin typeface="Arial" panose="020B0604020202020204" pitchFamily="34" charset="0"/>
+                  <a:cs typeface="Arial" panose="020B0604020202020204" pitchFamily="34" charset="0"/>
+                </a:endParaRPr>
+              </a:p>
+              <a:p>
+                <a:pPr algn="ctr"/>
+                <a:endParaRPr lang="es-ES" sz="900" dirty="0" smtClean="0">
+                  <a:solidFill>
+                    <a:schemeClr val="tx1"/>
+                  </a:solidFill>
+                  <a:latin typeface="Arial" panose="020B0604020202020204" pitchFamily="34" charset="0"/>
+                  <a:cs typeface="Arial" panose="020B0604020202020204" pitchFamily="34" charset="0"/>
+                </a:endParaRPr>
+              </a:p>
+              <a:p>
+                <a:pPr algn="ctr"/>
+                <a:endParaRPr lang="es-ES" sz="900" dirty="0" smtClean="0">
+                  <a:solidFill>
+                    <a:schemeClr val="tx1"/>
+                  </a:solidFill>
+                  <a:latin typeface="Arial" panose="020B0604020202020204" pitchFamily="34" charset="0"/>
+                  <a:cs typeface="Arial" panose="020B0604020202020204" pitchFamily="34" charset="0"/>
+                </a:endParaRPr>
+              </a:p>
+              <a:p>
+                <a:pPr algn="ctr"/>
+                <a:endParaRPr lang="es-ES" sz="800" dirty="0" smtClean="0">
+                  <a:solidFill>
+                    <a:schemeClr val="tx1"/>
+                  </a:solidFill>
+                  <a:latin typeface="Arial" panose="020B0604020202020204" pitchFamily="34" charset="0"/>
+                  <a:cs typeface="Arial" panose="020B0604020202020204" pitchFamily="34" charset="0"/>
+                </a:endParaRPr>
+              </a:p>
+              <a:p>
+                <a:pPr algn="ctr"/>
+                <a:r>
+                  <a:rPr lang="es-ES" sz="800" dirty="0" err="1" smtClean="0">
+                    <a:solidFill>
+                      <a:schemeClr val="tx1"/>
+                    </a:solidFill>
+                    <a:latin typeface="Arial" panose="020B0604020202020204" pitchFamily="34" charset="0"/>
+                    <a:cs typeface="Arial" panose="020B0604020202020204" pitchFamily="34" charset="0"/>
+                  </a:rPr>
+                  <a:t>clausurativa</a:t>
+                </a:r>
+                <a:endParaRPr lang="es-ES" sz="800" dirty="0" smtClean="0">
+                  <a:solidFill>
+                    <a:schemeClr val="tx1"/>
+                  </a:solidFill>
+                  <a:latin typeface="Arial" panose="020B0604020202020204" pitchFamily="34" charset="0"/>
+                  <a:cs typeface="Arial" panose="020B0604020202020204" pitchFamily="34" charset="0"/>
+                </a:endParaRPr>
+              </a:p>
+              <a:p>
+                <a:pPr algn="ctr"/>
+                <a:r>
+                  <a:rPr lang="es-ES" sz="800" i="1" dirty="0" smtClean="0">
+                    <a:solidFill>
+                      <a:schemeClr val="tx1"/>
+                    </a:solidFill>
+                    <a:latin typeface="Arial" panose="020B0604020202020204" pitchFamily="34" charset="0"/>
+                    <a:cs typeface="Arial" panose="020B0604020202020204" pitchFamily="34" charset="0"/>
+                  </a:rPr>
+                  <a:t>m</a:t>
+                </a:r>
+                <a:r>
+                  <a:rPr lang="es-ES" sz="800" dirty="0" smtClean="0">
+                    <a:solidFill>
+                      <a:schemeClr val="tx1"/>
+                    </a:solidFill>
+                    <a:latin typeface="Arial" panose="020B0604020202020204" pitchFamily="34" charset="0"/>
+                    <a:cs typeface="Arial" panose="020B0604020202020204" pitchFamily="34" charset="0"/>
+                  </a:rPr>
+                  <a:t> </a:t>
+                </a:r>
+                <a14:m>
+                  <m:oMath xmlns:m="http://schemas.openxmlformats.org/officeDocument/2006/math">
+                    <m:r>
+                      <a:rPr lang="es-ES" sz="800" i="1" dirty="0">
+                        <a:solidFill>
+                          <a:schemeClr val="tx1"/>
+                        </a:solidFill>
+                        <a:latin typeface="Cambria Math" panose="02040503050406030204" pitchFamily="18" charset="0"/>
+                        <a:ea typeface="Cambria Math" panose="02040503050406030204" pitchFamily="18" charset="0"/>
+                        <a:cs typeface="Arial" panose="020B0604020202020204" pitchFamily="34" charset="0"/>
+                      </a:rPr>
+                      <m:t>×</m:t>
+                    </m:r>
+                  </m:oMath>
+                </a14:m>
+                <a:r>
+                  <a:rPr lang="es-ES" sz="800" dirty="0" smtClean="0">
+                    <a:solidFill>
+                      <a:schemeClr val="tx1"/>
+                    </a:solidFill>
+                    <a:latin typeface="Arial" panose="020B0604020202020204" pitchFamily="34" charset="0"/>
+                    <a:cs typeface="Arial" panose="020B0604020202020204" pitchFamily="34" charset="0"/>
+                  </a:rPr>
+                  <a:t> </a:t>
+                </a:r>
+                <a:r>
+                  <a:rPr lang="es-ES" sz="800" i="1" dirty="0" smtClean="0">
+                    <a:solidFill>
+                      <a:schemeClr val="tx1"/>
+                    </a:solidFill>
+                    <a:latin typeface="Arial" panose="020B0604020202020204" pitchFamily="34" charset="0"/>
+                    <a:cs typeface="Arial" panose="020B0604020202020204" pitchFamily="34" charset="0"/>
+                  </a:rPr>
+                  <a:t>n</a:t>
+                </a:r>
+                <a:r>
+                  <a:rPr lang="es-ES" sz="800" dirty="0" smtClean="0">
+                    <a:solidFill>
+                      <a:schemeClr val="tx1"/>
+                    </a:solidFill>
+                    <a:latin typeface="Arial" panose="020B0604020202020204" pitchFamily="34" charset="0"/>
+                    <a:cs typeface="Arial" panose="020B0604020202020204" pitchFamily="34" charset="0"/>
+                  </a:rPr>
+                  <a:t> = </a:t>
+                </a:r>
+                <a:r>
+                  <a:rPr lang="es-ES" sz="800" i="1" dirty="0" smtClean="0">
+                    <a:solidFill>
+                      <a:schemeClr val="tx1"/>
+                    </a:solidFill>
+                    <a:latin typeface="Arial" panose="020B0604020202020204" pitchFamily="34" charset="0"/>
+                    <a:cs typeface="Arial" panose="020B0604020202020204" pitchFamily="34" charset="0"/>
+                  </a:rPr>
+                  <a:t>k</a:t>
+                </a:r>
+                <a:r>
+                  <a:rPr lang="es-ES" sz="800" dirty="0" smtClean="0">
+                    <a:solidFill>
+                      <a:schemeClr val="tx1"/>
+                    </a:solidFill>
+                    <a:latin typeface="Arial" panose="020B0604020202020204" pitchFamily="34" charset="0"/>
+                    <a:cs typeface="Arial" panose="020B0604020202020204" pitchFamily="34" charset="0"/>
+                  </a:rPr>
+                  <a:t>; </a:t>
+                </a:r>
+                <a:r>
+                  <a:rPr lang="es-ES" sz="800" i="1" dirty="0" smtClean="0">
+                    <a:solidFill>
+                      <a:schemeClr val="tx1"/>
+                    </a:solidFill>
+                    <a:latin typeface="Arial" panose="020B0604020202020204" pitchFamily="34" charset="0"/>
+                    <a:cs typeface="Arial" panose="020B0604020202020204" pitchFamily="34" charset="0"/>
+                  </a:rPr>
+                  <a:t>k</a:t>
+                </a:r>
+                <a:r>
+                  <a:rPr lang="es-ES" sz="800" dirty="0" smtClean="0">
+                    <a:solidFill>
+                      <a:schemeClr val="tx1"/>
+                    </a:solidFill>
+                    <a:latin typeface="Arial" panose="020B0604020202020204" pitchFamily="34" charset="0"/>
+                    <a:cs typeface="Arial" panose="020B0604020202020204" pitchFamily="34" charset="0"/>
+                  </a:rPr>
+                  <a:t> </a:t>
+                </a:r>
+                <a14:m>
+                  <m:oMath xmlns:m="http://schemas.openxmlformats.org/officeDocument/2006/math">
+                    <m:r>
+                      <a:rPr lang="es-ES" sz="800" i="1">
+                        <a:solidFill>
+                          <a:schemeClr val="tx1"/>
+                        </a:solidFill>
+                        <a:latin typeface="Cambria Math" panose="02040503050406030204" pitchFamily="18" charset="0"/>
+                        <a:ea typeface="Cambria Math" panose="02040503050406030204" pitchFamily="18" charset="0"/>
+                        <a:cs typeface="Arial" panose="020B0604020202020204" pitchFamily="34" charset="0"/>
+                      </a:rPr>
+                      <m:t>∈</m:t>
+                    </m:r>
+                    <m:r>
+                      <a:rPr lang="es-CO" sz="800" i="1">
+                        <a:solidFill>
+                          <a:schemeClr val="tx1"/>
+                        </a:solidFill>
+                        <a:latin typeface="Cambria Math" panose="02040503050406030204" pitchFamily="18" charset="0"/>
+                        <a:ea typeface="Cambria Math" panose="02040503050406030204" pitchFamily="18" charset="0"/>
+                        <a:cs typeface="Arial" panose="020B0604020202020204" pitchFamily="34" charset="0"/>
+                      </a:rPr>
+                      <m:t> </m:t>
+                    </m:r>
+                    <m:r>
+                      <a:rPr lang="es-ES" sz="800" i="1">
+                        <a:solidFill>
+                          <a:schemeClr val="tx1"/>
+                        </a:solidFill>
+                        <a:latin typeface="Cambria Math" panose="02040503050406030204" pitchFamily="18" charset="0"/>
+                        <a:ea typeface="Cambria Math" panose="02040503050406030204" pitchFamily="18" charset="0"/>
+                        <a:cs typeface="Arial" panose="020B0604020202020204" pitchFamily="34" charset="0"/>
+                      </a:rPr>
+                      <m:t>ℕ</m:t>
+                    </m:r>
+                  </m:oMath>
+                </a14:m>
+                <a:endParaRPr lang="es-ES" sz="800" dirty="0">
+                  <a:solidFill>
+                    <a:schemeClr val="tx1"/>
+                  </a:solidFill>
+                  <a:latin typeface="Arial" panose="020B0604020202020204" pitchFamily="34" charset="0"/>
+                  <a:cs typeface="Arial" panose="020B0604020202020204" pitchFamily="34" charset="0"/>
+                </a:endParaRPr>
+              </a:p>
+              <a:p>
+                <a:pPr algn="ctr"/>
+                <a:endParaRPr lang="es-ES" sz="900" dirty="0" smtClean="0">
+                  <a:solidFill>
+                    <a:schemeClr val="tx1"/>
+                  </a:solidFill>
+                  <a:latin typeface="Arial" panose="020B0604020202020204" pitchFamily="34" charset="0"/>
+                  <a:cs typeface="Arial" panose="020B0604020202020204" pitchFamily="34" charset="0"/>
+                </a:endParaRPr>
+              </a:p>
+              <a:p>
+                <a:pPr algn="ctr"/>
+                <a:r>
+                  <a:rPr lang="es-ES" sz="900" dirty="0" smtClean="0">
+                    <a:solidFill>
+                      <a:schemeClr val="tx1"/>
+                    </a:solidFill>
+                    <a:latin typeface="Arial" panose="020B0604020202020204" pitchFamily="34" charset="0"/>
+                    <a:cs typeface="Arial" panose="020B0604020202020204" pitchFamily="34" charset="0"/>
+                  </a:rPr>
+                  <a:t> </a:t>
+                </a:r>
+              </a:p>
+              <a:p>
+                <a:pPr algn="ctr"/>
+                <a:endParaRPr lang="es-ES" sz="900" dirty="0">
+                  <a:solidFill>
+                    <a:schemeClr val="tx1"/>
+                  </a:solidFill>
+                  <a:latin typeface="Arial" panose="020B0604020202020204" pitchFamily="34" charset="0"/>
+                  <a:cs typeface="Arial" panose="020B0604020202020204" pitchFamily="34" charset="0"/>
+                </a:endParaRPr>
+              </a:p>
+              <a:p>
+                <a:pPr algn="ctr"/>
+                <a:endParaRPr lang="es-ES" sz="900" dirty="0">
+                  <a:solidFill>
+                    <a:schemeClr val="tx1"/>
+                  </a:solidFill>
+                  <a:latin typeface="Arial" panose="020B0604020202020204" pitchFamily="34" charset="0"/>
+                  <a:cs typeface="Arial" panose="020B0604020202020204" pitchFamily="34" charset="0"/>
+                </a:endParaRPr>
+              </a:p>
+            </p:txBody>
+          </p:sp>
+        </mc:Choice>
+        <mc:Fallback xmlns="">
+          <p:sp>
+            <p:nvSpPr>
+              <p:cNvPr id="211" name="Rectángulo 210" descr="Nodo de cuarto nivel&#10;" title="Nodo04"/>
+              <p:cNvSpPr>
+                <a:spLocks noRot="1" noChangeAspect="1" noMove="1" noResize="1" noEditPoints="1" noAdjustHandles="1" noChangeArrowheads="1" noChangeShapeType="1" noTextEdit="1"/>
+              </p:cNvSpPr>
+              <p:nvPr/>
+            </p:nvSpPr>
+            <p:spPr>
+              <a:xfrm>
+                <a:off x="3449653" y="4552066"/>
+                <a:ext cx="991647" cy="362108"/>
+              </a:xfrm>
+              <a:prstGeom prst="rect">
+                <a:avLst/>
+              </a:prstGeom>
+              <a:blipFill rotWithShape="0">
+                <a:blip r:embed="rId12"/>
+                <a:stretch>
+                  <a:fillRect/>
+                </a:stretch>
+              </a:blipFill>
+              <a:ln>
+                <a:solidFill>
+                  <a:schemeClr val="tx1"/>
+                </a:solidFill>
+              </a:ln>
+            </p:spPr>
+            <p:txBody>
+              <a:bodyPr/>
+              <a:lstStyle/>
+              <a:p>
+                <a:r>
+                  <a:rPr lang="es-CO">
+                    <a:noFill/>
+                  </a:rPr>
+                  <a:t> </a:t>
+                </a:r>
+              </a:p>
+            </p:txBody>
+          </p:sp>
+        </mc:Fallback>
+      </mc:AlternateContent>
+      <p:cxnSp>
+        <p:nvCxnSpPr>
+          <p:cNvPr id="212" name="Conector angular 211"/>
+          <p:cNvCxnSpPr/>
+          <p:nvPr/>
+        </p:nvCxnSpPr>
+        <p:spPr>
+          <a:xfrm rot="16200000" flipH="1">
+            <a:off x="4512344" y="4109338"/>
+            <a:ext cx="152651" cy="876"/>
+          </a:xfrm>
+          <a:prstGeom prst="bentConnector3">
+            <a:avLst>
+              <a:gd name="adj1" fmla="val 50000"/>
+            </a:avLst>
+          </a:prstGeom>
+          <a:ln w="12700">
+            <a:solidFill>
+              <a:schemeClr val="tx1"/>
+            </a:solidFill>
+          </a:ln>
+        </p:spPr>
+        <p:style>
+          <a:lnRef idx="1">
+            <a:schemeClr val="accent1"/>
+          </a:lnRef>
+          <a:fillRef idx="0">
+            <a:schemeClr val="accent1"/>
+          </a:fillRef>
+          <a:effectRef idx="0">
+            <a:schemeClr val="accent1"/>
+          </a:effectRef>
+          <a:fontRef idx="minor">
+            <a:schemeClr val="tx1"/>
+          </a:fontRef>
+        </p:style>
+      </p:cxnSp>
+      <p:cxnSp>
+        <p:nvCxnSpPr>
+          <p:cNvPr id="213" name="Conector angular 212"/>
+          <p:cNvCxnSpPr/>
+          <p:nvPr/>
+        </p:nvCxnSpPr>
+        <p:spPr>
+          <a:xfrm rot="16200000" flipH="1">
+            <a:off x="4983517" y="4016068"/>
+            <a:ext cx="148439" cy="919585"/>
+          </a:xfrm>
+          <a:prstGeom prst="bentConnector3">
+            <a:avLst>
+              <a:gd name="adj1" fmla="val 56417"/>
+            </a:avLst>
+          </a:prstGeom>
+          <a:ln w="12700">
+            <a:solidFill>
+              <a:schemeClr val="tx1"/>
+            </a:solidFill>
+          </a:ln>
+        </p:spPr>
+        <p:style>
+          <a:lnRef idx="1">
+            <a:schemeClr val="accent1"/>
+          </a:lnRef>
+          <a:fillRef idx="0">
+            <a:schemeClr val="accent1"/>
+          </a:fillRef>
+          <a:effectRef idx="0">
+            <a:schemeClr val="accent1"/>
+          </a:effectRef>
+          <a:fontRef idx="minor">
+            <a:schemeClr val="tx1"/>
+          </a:fontRef>
+        </p:style>
+      </p:cxnSp>
+      <p:cxnSp>
+        <p:nvCxnSpPr>
+          <p:cNvPr id="214" name="Conector angular 213"/>
+          <p:cNvCxnSpPr/>
+          <p:nvPr/>
+        </p:nvCxnSpPr>
+        <p:spPr>
+          <a:xfrm>
+            <a:off x="5508919" y="4482950"/>
+            <a:ext cx="757033" cy="597931"/>
+          </a:xfrm>
+          <a:prstGeom prst="bentConnector3">
+            <a:avLst>
+              <a:gd name="adj1" fmla="val 98157"/>
+            </a:avLst>
+          </a:prstGeom>
+          <a:ln w="12700">
+            <a:solidFill>
+              <a:schemeClr val="tx1"/>
+            </a:solidFill>
+          </a:ln>
+        </p:spPr>
+        <p:style>
+          <a:lnRef idx="1">
+            <a:schemeClr val="accent1"/>
+          </a:lnRef>
+          <a:fillRef idx="0">
+            <a:schemeClr val="accent1"/>
+          </a:fillRef>
+          <a:effectRef idx="0">
+            <a:schemeClr val="accent1"/>
+          </a:effectRef>
+          <a:fontRef idx="minor">
+            <a:schemeClr val="tx1"/>
+          </a:fontRef>
+        </p:style>
+      </p:cxnSp>
+      <p:cxnSp>
+        <p:nvCxnSpPr>
+          <p:cNvPr id="215" name="Conector angular 214"/>
+          <p:cNvCxnSpPr/>
+          <p:nvPr/>
+        </p:nvCxnSpPr>
+        <p:spPr>
+          <a:xfrm rot="10800000" flipV="1">
+            <a:off x="3711003" y="4482950"/>
+            <a:ext cx="890656" cy="71936"/>
+          </a:xfrm>
+          <a:prstGeom prst="bentConnector2">
+            <a:avLst/>
+          </a:prstGeom>
+          <a:ln w="12700">
+            <a:solidFill>
+              <a:schemeClr val="tx1"/>
+            </a:solidFill>
+          </a:ln>
+        </p:spPr>
+        <p:style>
+          <a:lnRef idx="1">
+            <a:schemeClr val="accent1"/>
+          </a:lnRef>
+          <a:fillRef idx="0">
+            <a:schemeClr val="accent1"/>
+          </a:fillRef>
+          <a:effectRef idx="0">
+            <a:schemeClr val="accent1"/>
+          </a:effectRef>
+          <a:fontRef idx="minor">
+            <a:schemeClr val="tx1"/>
+          </a:fontRef>
+        </p:style>
+      </p:cxnSp>
+      <p:cxnSp>
+        <p:nvCxnSpPr>
+          <p:cNvPr id="216" name="Conector angular 215"/>
+          <p:cNvCxnSpPr/>
+          <p:nvPr/>
+        </p:nvCxnSpPr>
+        <p:spPr>
+          <a:xfrm rot="5400000">
+            <a:off x="4484659" y="4599225"/>
+            <a:ext cx="227491" cy="438"/>
+          </a:xfrm>
+          <a:prstGeom prst="bentConnector3">
+            <a:avLst>
+              <a:gd name="adj1" fmla="val 267006"/>
+            </a:avLst>
+          </a:prstGeom>
+          <a:ln w="12700">
+            <a:solidFill>
+              <a:schemeClr val="tx1"/>
+            </a:solidFill>
+          </a:ln>
+        </p:spPr>
+        <p:style>
+          <a:lnRef idx="1">
+            <a:schemeClr val="accent1"/>
+          </a:lnRef>
+          <a:fillRef idx="0">
+            <a:schemeClr val="accent1"/>
+          </a:fillRef>
+          <a:effectRef idx="0">
+            <a:schemeClr val="accent1"/>
+          </a:effectRef>
+          <a:fontRef idx="minor">
+            <a:schemeClr val="tx1"/>
+          </a:fontRef>
+        </p:style>
+      </p:cxnSp>
+      <p:cxnSp>
+        <p:nvCxnSpPr>
+          <p:cNvPr id="221" name="Conector angular 220"/>
+          <p:cNvCxnSpPr/>
+          <p:nvPr/>
+        </p:nvCxnSpPr>
+        <p:spPr>
+          <a:xfrm rot="5400000">
+            <a:off x="6748666" y="2908741"/>
+            <a:ext cx="289732" cy="4798"/>
+          </a:xfrm>
+          <a:prstGeom prst="bentConnector3">
+            <a:avLst>
+              <a:gd name="adj1" fmla="val 98217"/>
+            </a:avLst>
+          </a:prstGeom>
+          <a:ln w="12700">
+            <a:solidFill>
+              <a:schemeClr val="tx1"/>
+            </a:solidFill>
+          </a:ln>
+        </p:spPr>
+        <p:style>
+          <a:lnRef idx="1">
+            <a:schemeClr val="accent1"/>
+          </a:lnRef>
+          <a:fillRef idx="0">
+            <a:schemeClr val="accent1"/>
+          </a:fillRef>
+          <a:effectRef idx="0">
+            <a:schemeClr val="accent1"/>
+          </a:effectRef>
+          <a:fontRef idx="minor">
+            <a:schemeClr val="tx1"/>
+          </a:fontRef>
+        </p:style>
+      </p:cxnSp>
+      <p:sp>
+        <p:nvSpPr>
+          <p:cNvPr id="225" name="Rectángulo 224" descr="Nodo de quinto nivel" title="Nodo05"/>
+          <p:cNvSpPr/>
+          <p:nvPr/>
+        </p:nvSpPr>
+        <p:spPr>
+          <a:xfrm>
+            <a:off x="6486706" y="4559112"/>
+            <a:ext cx="748467" cy="353519"/>
+          </a:xfrm>
+          <a:prstGeom prst="rect">
+            <a:avLst/>
+          </a:prstGeom>
+          <a:solidFill>
+            <a:schemeClr val="bg1"/>
+          </a:solidFill>
+          <a:ln>
+            <a:solidFill>
+              <a:schemeClr val="tx1"/>
+            </a:solidFill>
+          </a:ln>
+        </p:spPr>
+        <p:style>
+          <a:lnRef idx="2">
+            <a:schemeClr val="accent6"/>
+          </a:lnRef>
+          <a:fillRef idx="1">
+            <a:schemeClr val="lt1"/>
+          </a:fillRef>
+          <a:effectRef idx="0">
+            <a:schemeClr val="accent6"/>
+          </a:effectRef>
+          <a:fontRef idx="minor">
+            <a:schemeClr val="dk1"/>
+          </a:fontRef>
+        </p:style>
+        <p:txBody>
+          <a:bodyPr rtlCol="0" anchor="ctr"/>
+          <a:lstStyle/>
+          <a:p>
+            <a:pPr algn="ctr"/>
+            <a:r>
+              <a:rPr lang="es-ES" sz="900" dirty="0">
+                <a:solidFill>
+                  <a:schemeClr val="tx1"/>
+                </a:solidFill>
+                <a:latin typeface="Arial" panose="020B0604020202020204" pitchFamily="34" charset="0"/>
+                <a:cs typeface="Arial" panose="020B0604020202020204" pitchFamily="34" charset="0"/>
+              </a:rPr>
+              <a:t> </a:t>
+            </a:r>
+            <a:r>
+              <a:rPr lang="es-ES" sz="800" dirty="0" smtClean="0">
+                <a:solidFill>
+                  <a:schemeClr val="tx1"/>
+                </a:solidFill>
+                <a:latin typeface="Arial" panose="020B0604020202020204" pitchFamily="34" charset="0"/>
+                <a:cs typeface="Arial" panose="020B0604020202020204" pitchFamily="34" charset="0"/>
+              </a:rPr>
+              <a:t>su residuo es igual a 0</a:t>
+            </a:r>
+            <a:endParaRPr lang="es-ES" sz="800" dirty="0">
+              <a:solidFill>
+                <a:schemeClr val="tx1"/>
+              </a:solidFill>
+              <a:latin typeface="Arial" panose="020B0604020202020204" pitchFamily="34" charset="0"/>
+              <a:cs typeface="Arial" panose="020B0604020202020204" pitchFamily="34" charset="0"/>
+            </a:endParaRPr>
+          </a:p>
+        </p:txBody>
+      </p:sp>
+      <p:cxnSp>
+        <p:nvCxnSpPr>
+          <p:cNvPr id="226" name="Conector angular 225"/>
+          <p:cNvCxnSpPr/>
+          <p:nvPr/>
+        </p:nvCxnSpPr>
+        <p:spPr>
+          <a:xfrm rot="16200000" flipH="1">
+            <a:off x="6710213" y="4173554"/>
+            <a:ext cx="152651" cy="876"/>
+          </a:xfrm>
+          <a:prstGeom prst="bentConnector3">
+            <a:avLst>
+              <a:gd name="adj1" fmla="val 50000"/>
+            </a:avLst>
+          </a:prstGeom>
+          <a:ln w="12700">
+            <a:solidFill>
+              <a:schemeClr val="tx1"/>
+            </a:solidFill>
+          </a:ln>
+        </p:spPr>
+        <p:style>
+          <a:lnRef idx="1">
+            <a:schemeClr val="accent1"/>
+          </a:lnRef>
+          <a:fillRef idx="0">
+            <a:schemeClr val="accent1"/>
+          </a:fillRef>
+          <a:effectRef idx="0">
+            <a:schemeClr val="accent1"/>
+          </a:effectRef>
+          <a:fontRef idx="minor">
+            <a:schemeClr val="tx1"/>
+          </a:fontRef>
+        </p:style>
+      </p:cxnSp>
+      <p:sp>
+        <p:nvSpPr>
+          <p:cNvPr id="227" name="CuadroTexto 226" descr="Conector entre nodos" title="conector"/>
+          <p:cNvSpPr txBox="1"/>
+          <p:nvPr/>
+        </p:nvSpPr>
+        <p:spPr>
+          <a:xfrm>
+            <a:off x="6477191" y="4221282"/>
+            <a:ext cx="622088" cy="215444"/>
+          </a:xfrm>
+          <a:prstGeom prst="rect">
+            <a:avLst/>
+          </a:prstGeom>
+          <a:noFill/>
+        </p:spPr>
+        <p:txBody>
+          <a:bodyPr wrap="square" rtlCol="0">
+            <a:spAutoFit/>
+          </a:bodyPr>
+          <a:lstStyle/>
+          <a:p>
+            <a:pPr algn="ctr"/>
+            <a:r>
+              <a:rPr lang="es-ES" sz="800" dirty="0" smtClean="0">
+                <a:latin typeface="Arial" panose="020B0604020202020204" pitchFamily="34" charset="0"/>
+                <a:cs typeface="Arial" panose="020B0604020202020204" pitchFamily="34" charset="0"/>
+              </a:rPr>
+              <a:t>si</a:t>
+            </a:r>
+            <a:endParaRPr lang="es-ES" sz="800" dirty="0">
+              <a:latin typeface="Arial" panose="020B0604020202020204" pitchFamily="34" charset="0"/>
+              <a:cs typeface="Arial" panose="020B0604020202020204" pitchFamily="34" charset="0"/>
+            </a:endParaRPr>
+          </a:p>
+        </p:txBody>
+      </p:sp>
+      <p:cxnSp>
+        <p:nvCxnSpPr>
+          <p:cNvPr id="228" name="Conector angular 227"/>
+          <p:cNvCxnSpPr/>
+          <p:nvPr/>
+        </p:nvCxnSpPr>
+        <p:spPr>
+          <a:xfrm rot="16200000" flipH="1">
+            <a:off x="6720402" y="4482512"/>
+            <a:ext cx="152651" cy="876"/>
+          </a:xfrm>
+          <a:prstGeom prst="bentConnector3">
+            <a:avLst>
+              <a:gd name="adj1" fmla="val 50000"/>
+            </a:avLst>
+          </a:prstGeom>
+          <a:ln w="12700">
+            <a:solidFill>
+              <a:schemeClr val="tx1"/>
+            </a:solidFill>
+          </a:ln>
+        </p:spPr>
+        <p:style>
+          <a:lnRef idx="1">
+            <a:schemeClr val="accent1"/>
+          </a:lnRef>
+          <a:fillRef idx="0">
+            <a:schemeClr val="accent1"/>
+          </a:fillRef>
+          <a:effectRef idx="0">
+            <a:schemeClr val="accent1"/>
+          </a:effectRef>
+          <a:fontRef idx="minor">
+            <a:schemeClr val="tx1"/>
+          </a:fontRef>
+        </p:style>
+      </p:cxnSp>
+      <p:sp>
+        <p:nvSpPr>
+          <p:cNvPr id="229" name="CuadroTexto 228" descr="Conector entre nodos" title="conector"/>
+          <p:cNvSpPr txBox="1"/>
+          <p:nvPr/>
+        </p:nvSpPr>
+        <p:spPr>
+          <a:xfrm>
+            <a:off x="7600466" y="4176632"/>
+            <a:ext cx="622088" cy="215444"/>
+          </a:xfrm>
+          <a:prstGeom prst="rect">
+            <a:avLst/>
+          </a:prstGeom>
+          <a:noFill/>
+        </p:spPr>
+        <p:txBody>
+          <a:bodyPr wrap="square" rtlCol="0">
+            <a:spAutoFit/>
+          </a:bodyPr>
+          <a:lstStyle/>
+          <a:p>
+            <a:pPr algn="ctr"/>
+            <a:r>
+              <a:rPr lang="es-ES" sz="800" dirty="0" smtClean="0">
+                <a:latin typeface="Arial" panose="020B0604020202020204" pitchFamily="34" charset="0"/>
+                <a:cs typeface="Arial" panose="020B0604020202020204" pitchFamily="34" charset="0"/>
+              </a:rPr>
+              <a:t>cuando</a:t>
+            </a:r>
+            <a:endParaRPr lang="es-ES" sz="800" dirty="0">
+              <a:latin typeface="Arial" panose="020B0604020202020204" pitchFamily="34" charset="0"/>
+              <a:cs typeface="Arial" panose="020B0604020202020204" pitchFamily="34" charset="0"/>
+            </a:endParaRPr>
+          </a:p>
+        </p:txBody>
+      </p:sp>
+      <p:cxnSp>
+        <p:nvCxnSpPr>
+          <p:cNvPr id="230" name="Conector angular 229"/>
+          <p:cNvCxnSpPr/>
+          <p:nvPr/>
+        </p:nvCxnSpPr>
+        <p:spPr>
+          <a:xfrm rot="16200000" flipH="1">
+            <a:off x="7835623" y="4127221"/>
+            <a:ext cx="152651" cy="876"/>
+          </a:xfrm>
+          <a:prstGeom prst="bentConnector3">
+            <a:avLst>
+              <a:gd name="adj1" fmla="val 50000"/>
+            </a:avLst>
+          </a:prstGeom>
+          <a:ln w="12700">
+            <a:solidFill>
+              <a:schemeClr val="tx1"/>
+            </a:solidFill>
+          </a:ln>
+        </p:spPr>
+        <p:style>
+          <a:lnRef idx="1">
+            <a:schemeClr val="accent1"/>
+          </a:lnRef>
+          <a:fillRef idx="0">
+            <a:schemeClr val="accent1"/>
+          </a:fillRef>
+          <a:effectRef idx="0">
+            <a:schemeClr val="accent1"/>
+          </a:effectRef>
+          <a:fontRef idx="minor">
+            <a:schemeClr val="tx1"/>
+          </a:fontRef>
+        </p:style>
+      </p:cxnSp>
+      <p:cxnSp>
+        <p:nvCxnSpPr>
+          <p:cNvPr id="231" name="Conector angular 230"/>
+          <p:cNvCxnSpPr/>
+          <p:nvPr/>
+        </p:nvCxnSpPr>
+        <p:spPr>
+          <a:xfrm rot="16200000" flipH="1">
+            <a:off x="7842742" y="4431062"/>
+            <a:ext cx="152651" cy="876"/>
+          </a:xfrm>
+          <a:prstGeom prst="bentConnector3">
+            <a:avLst>
+              <a:gd name="adj1" fmla="val 50000"/>
+            </a:avLst>
+          </a:prstGeom>
+          <a:ln w="12700">
+            <a:solidFill>
+              <a:schemeClr val="tx1"/>
+            </a:solidFill>
+          </a:ln>
+        </p:spPr>
+        <p:style>
+          <a:lnRef idx="1">
+            <a:schemeClr val="accent1"/>
+          </a:lnRef>
+          <a:fillRef idx="0">
+            <a:schemeClr val="accent1"/>
+          </a:fillRef>
+          <a:effectRef idx="0">
+            <a:schemeClr val="accent1"/>
+          </a:effectRef>
+          <a:fontRef idx="minor">
+            <a:schemeClr val="tx1"/>
+          </a:fontRef>
+        </p:style>
+      </p:cxnSp>
+      <p:cxnSp>
+        <p:nvCxnSpPr>
+          <p:cNvPr id="255" name="Conector angular 254"/>
+          <p:cNvCxnSpPr/>
+          <p:nvPr/>
+        </p:nvCxnSpPr>
+        <p:spPr>
+          <a:xfrm rot="5400000">
+            <a:off x="1237365" y="4517771"/>
+            <a:ext cx="153570" cy="2294"/>
+          </a:xfrm>
+          <a:prstGeom prst="bentConnector3">
+            <a:avLst>
+              <a:gd name="adj1" fmla="val 530685"/>
+            </a:avLst>
+          </a:prstGeom>
+          <a:ln w="12700">
+            <a:solidFill>
+              <a:schemeClr val="tx1"/>
+            </a:solidFill>
+          </a:ln>
+        </p:spPr>
+        <p:style>
+          <a:lnRef idx="1">
+            <a:schemeClr val="accent1"/>
+          </a:lnRef>
+          <a:fillRef idx="0">
+            <a:schemeClr val="accent1"/>
+          </a:fillRef>
+          <a:effectRef idx="0">
+            <a:schemeClr val="accent1"/>
+          </a:effectRef>
+          <a:fontRef idx="minor">
+            <a:schemeClr val="tx1"/>
+          </a:fontRef>
+        </p:style>
+      </p:cxnSp>
+      <p:cxnSp>
+        <p:nvCxnSpPr>
+          <p:cNvPr id="258" name="Conector angular 257"/>
+          <p:cNvCxnSpPr/>
+          <p:nvPr/>
+        </p:nvCxnSpPr>
+        <p:spPr>
+          <a:xfrm rot="16200000" flipH="1">
+            <a:off x="7414730" y="3260126"/>
+            <a:ext cx="148439" cy="919585"/>
+          </a:xfrm>
+          <a:prstGeom prst="bentConnector3">
+            <a:avLst>
+              <a:gd name="adj1" fmla="val 56417"/>
+            </a:avLst>
+          </a:prstGeom>
+          <a:ln w="12700">
+            <a:solidFill>
+              <a:schemeClr val="tx1"/>
+            </a:solidFill>
+          </a:ln>
+        </p:spPr>
+        <p:style>
+          <a:lnRef idx="1">
+            <a:schemeClr val="accent1"/>
+          </a:lnRef>
+          <a:fillRef idx="0">
+            <a:schemeClr val="accent1"/>
+          </a:fillRef>
+          <a:effectRef idx="0">
+            <a:schemeClr val="accent1"/>
+          </a:effectRef>
+          <a:fontRef idx="minor">
+            <a:schemeClr val="tx1"/>
+          </a:fontRef>
+        </p:style>
+      </p:cxnSp>
+      <p:cxnSp>
+        <p:nvCxnSpPr>
+          <p:cNvPr id="259" name="Conector angular 258"/>
+          <p:cNvCxnSpPr/>
+          <p:nvPr/>
+        </p:nvCxnSpPr>
+        <p:spPr>
+          <a:xfrm rot="10800000" flipV="1">
+            <a:off x="6597287" y="3729510"/>
+            <a:ext cx="424359" cy="95563"/>
+          </a:xfrm>
+          <a:prstGeom prst="bentConnector2">
+            <a:avLst/>
+          </a:prstGeom>
+          <a:ln w="12700">
+            <a:solidFill>
+              <a:schemeClr val="tx1"/>
+            </a:solidFill>
+          </a:ln>
+        </p:spPr>
+        <p:style>
+          <a:lnRef idx="1">
+            <a:schemeClr val="accent1"/>
+          </a:lnRef>
+          <a:fillRef idx="0">
+            <a:schemeClr val="accent1"/>
+          </a:fillRef>
+          <a:effectRef idx="0">
+            <a:schemeClr val="accent1"/>
+          </a:effectRef>
+          <a:fontRef idx="minor">
+            <a:schemeClr val="tx1"/>
+          </a:fontRef>
+        </p:style>
+      </p:cxnSp>
+      <p:cxnSp>
+        <p:nvCxnSpPr>
+          <p:cNvPr id="264" name="Conector angular 263"/>
+          <p:cNvCxnSpPr/>
+          <p:nvPr/>
+        </p:nvCxnSpPr>
+        <p:spPr>
+          <a:xfrm rot="5400000">
+            <a:off x="6804081" y="2459562"/>
+            <a:ext cx="153570" cy="2294"/>
+          </a:xfrm>
+          <a:prstGeom prst="bentConnector3">
+            <a:avLst>
+              <a:gd name="adj1" fmla="val 96518"/>
+            </a:avLst>
+          </a:prstGeom>
+          <a:ln w="12700">
+            <a:solidFill>
+              <a:schemeClr val="tx1"/>
+            </a:solidFill>
+          </a:ln>
+        </p:spPr>
+        <p:style>
+          <a:lnRef idx="1">
+            <a:schemeClr val="accent1"/>
+          </a:lnRef>
+          <a:fillRef idx="0">
+            <a:schemeClr val="accent1"/>
+          </a:fillRef>
+          <a:effectRef idx="0">
+            <a:schemeClr val="accent1"/>
+          </a:effectRef>
+          <a:fontRef idx="minor">
+            <a:schemeClr val="tx1"/>
+          </a:fontRef>
+        </p:style>
+      </p:cxnSp>
+      <p:cxnSp>
+        <p:nvCxnSpPr>
+          <p:cNvPr id="265" name="Conector angular 264"/>
+          <p:cNvCxnSpPr/>
+          <p:nvPr/>
+        </p:nvCxnSpPr>
+        <p:spPr>
+          <a:xfrm>
+            <a:off x="8170276" y="2092364"/>
+            <a:ext cx="728324" cy="425186"/>
+          </a:xfrm>
+          <a:prstGeom prst="bentConnector3">
+            <a:avLst>
+              <a:gd name="adj1" fmla="val 99128"/>
+            </a:avLst>
+          </a:prstGeom>
+          <a:ln w="12700">
+            <a:solidFill>
+              <a:schemeClr val="tx1"/>
+            </a:solidFill>
+          </a:ln>
+        </p:spPr>
+        <p:style>
+          <a:lnRef idx="1">
+            <a:schemeClr val="accent1"/>
+          </a:lnRef>
+          <a:fillRef idx="0">
+            <a:schemeClr val="accent1"/>
+          </a:fillRef>
+          <a:effectRef idx="0">
+            <a:schemeClr val="accent1"/>
+          </a:effectRef>
+          <a:fontRef idx="minor">
+            <a:schemeClr val="tx1"/>
+          </a:fontRef>
+        </p:style>
+      </p:cxnSp>
+      <p:cxnSp>
+        <p:nvCxnSpPr>
+          <p:cNvPr id="271" name="Conector angular 270"/>
+          <p:cNvCxnSpPr/>
+          <p:nvPr/>
+        </p:nvCxnSpPr>
+        <p:spPr>
+          <a:xfrm rot="10800000" flipV="1">
+            <a:off x="7723673" y="2092364"/>
+            <a:ext cx="424359" cy="95563"/>
+          </a:xfrm>
+          <a:prstGeom prst="bentConnector2">
+            <a:avLst/>
+          </a:prstGeom>
+          <a:ln w="12700">
+            <a:solidFill>
+              <a:schemeClr val="tx1"/>
+            </a:solidFill>
+          </a:ln>
+        </p:spPr>
+        <p:style>
+          <a:lnRef idx="1">
+            <a:schemeClr val="accent1"/>
+          </a:lnRef>
+          <a:fillRef idx="0">
+            <a:schemeClr val="accent1"/>
+          </a:fillRef>
+          <a:effectRef idx="0">
+            <a:schemeClr val="accent1"/>
+          </a:effectRef>
+          <a:fontRef idx="minor">
+            <a:schemeClr val="tx1"/>
+          </a:fontRef>
+        </p:style>
+      </p:cxnSp>
+      <p:cxnSp>
+        <p:nvCxnSpPr>
+          <p:cNvPr id="272" name="Conector angular 271"/>
+          <p:cNvCxnSpPr/>
+          <p:nvPr/>
+        </p:nvCxnSpPr>
+        <p:spPr>
+          <a:xfrm rot="5400000">
+            <a:off x="8012496" y="1954773"/>
+            <a:ext cx="289732" cy="4798"/>
+          </a:xfrm>
+          <a:prstGeom prst="bentConnector3">
+            <a:avLst>
+              <a:gd name="adj1" fmla="val 98217"/>
+            </a:avLst>
+          </a:prstGeom>
+          <a:ln w="12700">
+            <a:solidFill>
+              <a:schemeClr val="tx1"/>
+            </a:solidFill>
+          </a:ln>
+        </p:spPr>
+        <p:style>
+          <a:lnRef idx="1">
+            <a:schemeClr val="accent1"/>
+          </a:lnRef>
+          <a:fillRef idx="0">
+            <a:schemeClr val="accent1"/>
+          </a:fillRef>
+          <a:effectRef idx="0">
+            <a:schemeClr val="accent1"/>
+          </a:effectRef>
+          <a:fontRef idx="minor">
+            <a:schemeClr val="tx1"/>
+          </a:fontRef>
+        </p:style>
+      </p:cxnSp>
+      <p:cxnSp>
+        <p:nvCxnSpPr>
+          <p:cNvPr id="280" name="Conector angular 279"/>
+          <p:cNvCxnSpPr/>
+          <p:nvPr/>
+        </p:nvCxnSpPr>
+        <p:spPr>
+          <a:xfrm rot="5400000">
+            <a:off x="4490231" y="3289130"/>
+            <a:ext cx="183971" cy="439"/>
+          </a:xfrm>
+          <a:prstGeom prst="bentConnector3">
+            <a:avLst>
+              <a:gd name="adj1" fmla="val 50000"/>
             </a:avLst>
           </a:prstGeom>
           <a:ln w="12700">
@@ -4052,7 +8280,7 @@
   <p:timing>
     <p:tnLst>
       <p:par>
-        <p:cTn xmlns:p14="http://schemas.microsoft.com/office/powerpoint/2010/main" id="1" dur="indefinite" restart="never" nodeType="tmRoot"/>
+        <p:cTn id="1" dur="indefinite" restart="never" nodeType="tmRoot"/>
       </p:par>
     </p:tnLst>
   </p:timing>
@@ -4102,7 +8330,7 @@
     </a:clrScheme>
     <a:fontScheme name="Tema de Office">
       <a:majorFont>
-        <a:latin typeface="Calibri Light"/>
+        <a:latin typeface="Calibri Light" panose="020F0302020204030204"/>
         <a:ea typeface=""/>
         <a:cs typeface=""/>
         <a:font script="Jpan" typeface="ＭＳ Ｐゴシック"/>
@@ -4137,7 +8365,7 @@
         <a:font script="Geor" typeface="Sylfaen"/>
       </a:majorFont>
       <a:minorFont>
-        <a:latin typeface="Calibri"/>
+        <a:latin typeface="Calibri" panose="020F0502020204030204"/>
         <a:ea typeface=""/>
         <a:cs typeface=""/>
         <a:font script="Jpan" typeface="ＭＳ Ｐゴシック"/>
@@ -4310,44 +8538,18 @@
       </a:bgFillStyleLst>
     </a:fmtScheme>
   </a:themeElements>
-  <a:objectDefaults>
-    <a:lnDef>
-      <a:spPr>
-        <a:ln w="12700">
-          <a:solidFill>
-            <a:srgbClr val="5B9BD5"/>
-          </a:solidFill>
-        </a:ln>
-      </a:spPr>
-      <a:bodyPr/>
-      <a:lstStyle/>
-      <a:style>
-        <a:lnRef idx="1">
-          <a:schemeClr val="accent1"/>
-        </a:lnRef>
-        <a:fillRef idx="0">
-          <a:schemeClr val="accent1"/>
-        </a:fillRef>
-        <a:effectRef idx="0">
-          <a:schemeClr val="accent1"/>
-        </a:effectRef>
-        <a:fontRef idx="minor">
-          <a:schemeClr val="tx1"/>
-        </a:fontRef>
-      </a:style>
-    </a:lnDef>
-  </a:objectDefaults>
+  <a:objectDefaults/>
   <a:extraClrSchemeLst/>
   <a:extLst>
     <a:ext uri="{05A4C25C-085E-4340-85A3-A5531E510DB2}">
-      <thm15:themeFamily xmlns="" xmlns:thm15="http://schemas.microsoft.com/office/thememl/2012/main" name="Office Theme" id="{62F939B6-93AF-4DB8-9C6B-D6C7DFDC589F}" vid="{4A3C46E8-61CC-4603-A589-7422A47A8E4A}"/>
+      <thm15:themeFamily xmlns:thm15="http://schemas.microsoft.com/office/thememl/2012/main" name="Office Theme" id="{62F939B6-93AF-4DB8-9C6B-D6C7DFDC589F}" vid="{4A3C46E8-61CC-4603-A589-7422A47A8E4A}"/>
     </a:ext>
   </a:extLst>
 </a:theme>
 </file>
 
 <file path=ppt/theme/theme2.xml><?xml version="1.0" encoding="utf-8"?>
-<a:theme xmlns:a="http://schemas.openxmlformats.org/drawingml/2006/main" name="Office Theme">
+<a:theme xmlns:a="http://schemas.openxmlformats.org/drawingml/2006/main" name="Tema de Office">
   <a:themeElements>
     <a:clrScheme name="Office">
       <a:dk1>
@@ -4357,39 +8559,39 @@
         <a:sysClr val="window" lastClr="FFFFFF"/>
       </a:lt1>
       <a:dk2>
-        <a:srgbClr val="1F497D"/>
+        <a:srgbClr val="44546A"/>
       </a:dk2>
       <a:lt2>
-        <a:srgbClr val="EEECE1"/>
+        <a:srgbClr val="E7E6E6"/>
       </a:lt2>
       <a:accent1>
-        <a:srgbClr val="4F81BD"/>
+        <a:srgbClr val="5B9BD5"/>
       </a:accent1>
       <a:accent2>
-        <a:srgbClr val="C0504D"/>
+        <a:srgbClr val="ED7D31"/>
       </a:accent2>
       <a:accent3>
-        <a:srgbClr val="9BBB59"/>
+        <a:srgbClr val="A5A5A5"/>
       </a:accent3>
       <a:accent4>
-        <a:srgbClr val="8064A2"/>
+        <a:srgbClr val="FFC000"/>
       </a:accent4>
       <a:accent5>
-        <a:srgbClr val="4BACC6"/>
+        <a:srgbClr val="4472C4"/>
       </a:accent5>
       <a:accent6>
-        <a:srgbClr val="F79646"/>
+        <a:srgbClr val="70AD47"/>
       </a:accent6>
       <a:hlink>
-        <a:srgbClr val="0000FF"/>
+        <a:srgbClr val="0563C1"/>
       </a:hlink>
       <a:folHlink>
-        <a:srgbClr val="800080"/>
+        <a:srgbClr val="954F72"/>
       </a:folHlink>
     </a:clrScheme>
     <a:fontScheme name="Office">
       <a:majorFont>
-        <a:latin typeface="Calibri"/>
+        <a:latin typeface="Calibri Light" panose="020F0302020204030204"/>
         <a:ea typeface=""/>
         <a:cs typeface=""/>
         <a:font script="Jpan" typeface="ＭＳ Ｐゴシック"/>
@@ -4424,7 +8626,7 @@
         <a:font script="Geor" typeface="Sylfaen"/>
       </a:majorFont>
       <a:minorFont>
-        <a:latin typeface="Calibri"/>
+        <a:latin typeface="Calibri" panose="020F0502020204030204"/>
         <a:ea typeface=""/>
         <a:cs typeface=""/>
         <a:font script="Jpan" typeface="ＭＳ Ｐゴシック"/>
@@ -4468,200 +8670,141 @@
           <a:gsLst>
             <a:gs pos="0">
               <a:schemeClr val="phClr">
-                <a:tint val="50000"/>
-                <a:satMod val="300000"/>
+                <a:lumMod val="110000"/>
+                <a:satMod val="105000"/>
+                <a:tint val="67000"/>
               </a:schemeClr>
             </a:gs>
-            <a:gs pos="35000">
+            <a:gs pos="50000">
               <a:schemeClr val="phClr">
-                <a:tint val="37000"/>
-                <a:satMod val="300000"/>
+                <a:lumMod val="105000"/>
+                <a:satMod val="103000"/>
+                <a:tint val="73000"/>
               </a:schemeClr>
             </a:gs>
             <a:gs pos="100000">
               <a:schemeClr val="phClr">
-                <a:tint val="15000"/>
-                <a:satMod val="350000"/>
+                <a:lumMod val="105000"/>
+                <a:satMod val="109000"/>
+                <a:tint val="81000"/>
               </a:schemeClr>
             </a:gs>
           </a:gsLst>
-          <a:lin ang="16200000" scaled="1"/>
+          <a:lin ang="5400000" scaled="0"/>
         </a:gradFill>
         <a:gradFill rotWithShape="1">
           <a:gsLst>
             <a:gs pos="0">
               <a:schemeClr val="phClr">
-                <a:tint val="100000"/>
+                <a:satMod val="103000"/>
+                <a:lumMod val="102000"/>
+                <a:tint val="94000"/>
+              </a:schemeClr>
+            </a:gs>
+            <a:gs pos="50000">
+              <a:schemeClr val="phClr">
+                <a:satMod val="110000"/>
+                <a:lumMod val="100000"/>
                 <a:shade val="100000"/>
-                <a:satMod val="130000"/>
               </a:schemeClr>
             </a:gs>
             <a:gs pos="100000">
               <a:schemeClr val="phClr">
-                <a:tint val="50000"/>
-                <a:shade val="100000"/>
-                <a:satMod val="350000"/>
+                <a:lumMod val="99000"/>
+                <a:satMod val="120000"/>
+                <a:shade val="78000"/>
               </a:schemeClr>
             </a:gs>
           </a:gsLst>
-          <a:lin ang="16200000" scaled="0"/>
+          <a:lin ang="5400000" scaled="0"/>
         </a:gradFill>
       </a:fillStyleLst>
       <a:lnStyleLst>
-        <a:ln w="9525" cap="flat" cmpd="sng" algn="ctr">
-          <a:solidFill>
-            <a:schemeClr val="phClr">
-              <a:shade val="95000"/>
-              <a:satMod val="105000"/>
-            </a:schemeClr>
-          </a:solidFill>
-          <a:prstDash val="solid"/>
-        </a:ln>
-        <a:ln w="25400" cap="flat" cmpd="sng" algn="ctr">
+        <a:ln w="6350" cap="flat" cmpd="sng" algn="ctr">
           <a:solidFill>
             <a:schemeClr val="phClr"/>
           </a:solidFill>
           <a:prstDash val="solid"/>
+          <a:miter lim="800000"/>
         </a:ln>
-        <a:ln w="38100" cap="flat" cmpd="sng" algn="ctr">
+        <a:ln w="12700" cap="flat" cmpd="sng" algn="ctr">
           <a:solidFill>
             <a:schemeClr val="phClr"/>
           </a:solidFill>
           <a:prstDash val="solid"/>
+          <a:miter lim="800000"/>
+        </a:ln>
+        <a:ln w="19050" cap="flat" cmpd="sng" algn="ctr">
+          <a:solidFill>
+            <a:schemeClr val="phClr"/>
+          </a:solidFill>
+          <a:prstDash val="solid"/>
+          <a:miter lim="800000"/>
         </a:ln>
       </a:lnStyleLst>
       <a:effectStyleLst>
         <a:effectStyle>
+          <a:effectLst/>
+        </a:effectStyle>
+        <a:effectStyle>
+          <a:effectLst/>
+        </a:effectStyle>
+        <a:effectStyle>
           <a:effectLst>
-            <a:outerShdw blurRad="40000" dist="20000" dir="5400000" rotWithShape="0">
+            <a:outerShdw blurRad="57150" dist="19050" dir="5400000" algn="ctr" rotWithShape="0">
               <a:srgbClr val="000000">
-                <a:alpha val="38000"/>
+                <a:alpha val="63000"/>
               </a:srgbClr>
             </a:outerShdw>
           </a:effectLst>
-        </a:effectStyle>
-        <a:effectStyle>
-          <a:effectLst>
-            <a:outerShdw blurRad="40000" dist="23000" dir="5400000" rotWithShape="0">
-              <a:srgbClr val="000000">
-                <a:alpha val="35000"/>
-              </a:srgbClr>
-            </a:outerShdw>
-          </a:effectLst>
-        </a:effectStyle>
-        <a:effectStyle>
-          <a:effectLst>
-            <a:outerShdw blurRad="40000" dist="23000" dir="5400000" rotWithShape="0">
-              <a:srgbClr val="000000">
-                <a:alpha val="35000"/>
-              </a:srgbClr>
-            </a:outerShdw>
-          </a:effectLst>
-          <a:scene3d>
-            <a:camera prst="orthographicFront">
-              <a:rot lat="0" lon="0" rev="0"/>
-            </a:camera>
-            <a:lightRig rig="threePt" dir="t">
-              <a:rot lat="0" lon="0" rev="1200000"/>
-            </a:lightRig>
-          </a:scene3d>
-          <a:sp3d>
-            <a:bevelT w="63500" h="25400"/>
-          </a:sp3d>
         </a:effectStyle>
       </a:effectStyleLst>
       <a:bgFillStyleLst>
         <a:solidFill>
           <a:schemeClr val="phClr"/>
         </a:solidFill>
+        <a:solidFill>
+          <a:schemeClr val="phClr">
+            <a:tint val="95000"/>
+            <a:satMod val="170000"/>
+          </a:schemeClr>
+        </a:solidFill>
         <a:gradFill rotWithShape="1">
           <a:gsLst>
             <a:gs pos="0">
               <a:schemeClr val="phClr">
-                <a:tint val="40000"/>
-                <a:satMod val="350000"/>
+                <a:tint val="93000"/>
+                <a:satMod val="150000"/>
+                <a:shade val="98000"/>
+                <a:lumMod val="102000"/>
               </a:schemeClr>
             </a:gs>
-            <a:gs pos="40000">
+            <a:gs pos="50000">
               <a:schemeClr val="phClr">
-                <a:tint val="45000"/>
-                <a:shade val="99000"/>
-                <a:satMod val="350000"/>
+                <a:tint val="98000"/>
+                <a:satMod val="130000"/>
+                <a:shade val="90000"/>
+                <a:lumMod val="103000"/>
               </a:schemeClr>
             </a:gs>
             <a:gs pos="100000">
               <a:schemeClr val="phClr">
-                <a:shade val="20000"/>
-                <a:satMod val="255000"/>
+                <a:shade val="63000"/>
+                <a:satMod val="120000"/>
               </a:schemeClr>
             </a:gs>
           </a:gsLst>
-          <a:path path="circle">
-            <a:fillToRect l="50000" t="-80000" r="50000" b="180000"/>
-          </a:path>
-        </a:gradFill>
-        <a:gradFill rotWithShape="1">
-          <a:gsLst>
-            <a:gs pos="0">
-              <a:schemeClr val="phClr">
-                <a:tint val="80000"/>
-                <a:satMod val="300000"/>
-              </a:schemeClr>
-            </a:gs>
-            <a:gs pos="100000">
-              <a:schemeClr val="phClr">
-                <a:shade val="30000"/>
-                <a:satMod val="200000"/>
-              </a:schemeClr>
-            </a:gs>
-          </a:gsLst>
-          <a:path path="circle">
-            <a:fillToRect l="50000" t="50000" r="50000" b="50000"/>
-          </a:path>
+          <a:lin ang="5400000" scaled="0"/>
         </a:gradFill>
       </a:bgFillStyleLst>
     </a:fmtScheme>
   </a:themeElements>
-  <a:objectDefaults>
-    <a:spDef>
-      <a:spPr/>
-      <a:bodyPr/>
-      <a:lstStyle/>
-      <a:style>
-        <a:lnRef idx="1">
-          <a:schemeClr val="accent1"/>
-        </a:lnRef>
-        <a:fillRef idx="3">
-          <a:schemeClr val="accent1"/>
-        </a:fillRef>
-        <a:effectRef idx="2">
-          <a:schemeClr val="accent1"/>
-        </a:effectRef>
-        <a:fontRef idx="minor">
-          <a:schemeClr val="lt1"/>
-        </a:fontRef>
-      </a:style>
-    </a:spDef>
-    <a:lnDef>
-      <a:spPr/>
-      <a:bodyPr/>
-      <a:lstStyle/>
-      <a:style>
-        <a:lnRef idx="2">
-          <a:schemeClr val="accent1"/>
-        </a:lnRef>
-        <a:fillRef idx="0">
-          <a:schemeClr val="accent1"/>
-        </a:fillRef>
-        <a:effectRef idx="1">
-          <a:schemeClr val="accent1"/>
-        </a:effectRef>
-        <a:fontRef idx="minor">
-          <a:schemeClr val="tx1"/>
-        </a:fontRef>
-      </a:style>
-    </a:lnDef>
-  </a:objectDefaults>
+  <a:objectDefaults/>
   <a:extraClrSchemeLst/>
+  <a:extLst>
+    <a:ext uri="{05A4C25C-085E-4340-85A3-A5531E510DB2}">
+      <thm15:themeFamily xmlns:thm15="http://schemas.microsoft.com/office/thememl/2012/main" name="Office Theme" id="{62F939B6-93AF-4DB8-9C6B-D6C7DFDC589F}" vid="{4A3C46E8-61CC-4603-A589-7422A47A8E4A}"/>
+    </a:ext>
+  </a:extLst>
 </a:theme>
 </file>
--- a/fuentes/contenidos/grado06/guion03/MA_06_03_CO_Mapa conceptual.pptx
+++ b/fuentes/contenidos/grado06/guion03/MA_06_03_CO_Mapa conceptual.pptx
@@ -11,7 +11,7 @@
     <p:sldId id="256" r:id="rId2"/>
   </p:sldIdLst>
   <p:sldSz cx="9144000" cy="6858000" type="letter"/>
-  <p:notesSz cx="6794500" cy="9918700"/>
+  <p:notesSz cx="7315200" cy="9601200"/>
   <p:defaultTextStyle>
     <a:defPPr>
       <a:defRPr lang="es-ES"/>
@@ -149,8 +149,8 @@
         </p:nvSpPr>
         <p:spPr>
           <a:xfrm>
-            <a:off x="0" y="0"/>
-            <a:ext cx="2944813" cy="496888"/>
+            <a:off x="1" y="0"/>
+            <a:ext cx="3170490" cy="480982"/>
           </a:xfrm>
           <a:prstGeom prst="rect">
             <a:avLst/>
@@ -180,8 +180,8 @@
         </p:nvSpPr>
         <p:spPr>
           <a:xfrm>
-            <a:off x="3848100" y="0"/>
-            <a:ext cx="2944813" cy="496888"/>
+            <a:off x="4143002" y="0"/>
+            <a:ext cx="3170490" cy="480982"/>
           </a:xfrm>
           <a:prstGeom prst="rect">
             <a:avLst/>
@@ -197,7 +197,7 @@
           <a:p>
             <a:fld id="{20AB9387-143E-47DA-B93D-57DFE0F8E0AF}" type="datetimeFigureOut">
               <a:rPr lang="es-CO" smtClean="0"/>
-              <a:t>21/10/2015</a:t>
+              <a:t>15/12/2015</a:t>
             </a:fld>
             <a:endParaRPr lang="es-CO"/>
           </a:p>
@@ -215,8 +215,8 @@
         </p:nvSpPr>
         <p:spPr>
           <a:xfrm>
-            <a:off x="1165225" y="1239838"/>
-            <a:ext cx="4464050" cy="3348037"/>
+            <a:off x="1497013" y="1200150"/>
+            <a:ext cx="4321175" cy="3240088"/>
           </a:xfrm>
           <a:prstGeom prst="rect">
             <a:avLst/>
@@ -248,8 +248,8 @@
         </p:nvSpPr>
         <p:spPr>
           <a:xfrm>
-            <a:off x="679450" y="4773613"/>
-            <a:ext cx="5435600" cy="3905250"/>
+            <a:off x="731520" y="4620808"/>
+            <a:ext cx="5852160" cy="3780242"/>
           </a:xfrm>
           <a:prstGeom prst="rect">
             <a:avLst/>
@@ -308,8 +308,8 @@
         </p:nvSpPr>
         <p:spPr>
           <a:xfrm>
-            <a:off x="0" y="9421813"/>
-            <a:ext cx="2944813" cy="496887"/>
+            <a:off x="1" y="9120219"/>
+            <a:ext cx="3170490" cy="480982"/>
           </a:xfrm>
           <a:prstGeom prst="rect">
             <a:avLst/>
@@ -339,8 +339,8 @@
         </p:nvSpPr>
         <p:spPr>
           <a:xfrm>
-            <a:off x="3848100" y="9421813"/>
-            <a:ext cx="2944813" cy="496887"/>
+            <a:off x="4143002" y="9120219"/>
+            <a:ext cx="3170490" cy="480982"/>
           </a:xfrm>
           <a:prstGeom prst="rect">
             <a:avLst/>
@@ -887,7 +887,7 @@
           <a:p>
             <a:fld id="{5001C876-01F7-4317-94B9-1AE222133113}" type="datetimeFigureOut">
               <a:rPr lang="es-ES" smtClean="0"/>
-              <a:t>21/10/2015</a:t>
+              <a:t>15/12/2015</a:t>
             </a:fld>
             <a:endParaRPr lang="es-ES"/>
           </a:p>
@@ -1095,7 +1095,14 @@
                 <a:latin typeface="Arial" panose="020B0604020202020204" pitchFamily="34" charset="0"/>
                 <a:cs typeface="Arial" panose="020B0604020202020204" pitchFamily="34" charset="0"/>
               </a:rPr>
-              <a:t>© Editorial Planeta Colombiana S.A., 2015.</a:t>
+              <a:t>© Editorial Planeta Colombiana S.A., </a:t>
+            </a:r>
+            <a:r>
+              <a:rPr lang="es-ES" sz="1200" dirty="0" smtClean="0">
+                <a:latin typeface="Arial" panose="020B0604020202020204" pitchFamily="34" charset="0"/>
+                <a:cs typeface="Arial" panose="020B0604020202020204" pitchFamily="34" charset="0"/>
+              </a:rPr>
+              <a:t>2016.</a:t>
             </a:r>
             <a:endParaRPr lang="es-ES" sz="1200" dirty="0">
               <a:latin typeface="Arial" panose="020B0604020202020204" pitchFamily="34" charset="0"/>
